--- a/presentation/travelenzy.pptx
+++ b/presentation/travelenzy.pptx
@@ -6,7 +6,17 @@
   </p:sldMasterIdLst>
   <p:sldIdLst>
     <p:sldId id="256" r:id="rId2"/>
-    <p:sldId id="257" r:id="rId3"/>
+    <p:sldId id="267" r:id="rId3"/>
+    <p:sldId id="258" r:id="rId4"/>
+    <p:sldId id="259" r:id="rId5"/>
+    <p:sldId id="257" r:id="rId6"/>
+    <p:sldId id="261" r:id="rId7"/>
+    <p:sldId id="266" r:id="rId8"/>
+    <p:sldId id="260" r:id="rId9"/>
+    <p:sldId id="262" r:id="rId10"/>
+    <p:sldId id="263" r:id="rId11"/>
+    <p:sldId id="264" r:id="rId12"/>
+    <p:sldId id="265" r:id="rId13"/>
   </p:sldIdLst>
   <p:sldSz cx="12192000" cy="6858000"/>
   <p:notesSz cx="6858000" cy="9144000"/>
@@ -105,6 +115,11 @@
       </a:defRPr>
     </a:lvl9pPr>
   </p:defaultTextStyle>
+  <p:extLst>
+    <p:ext uri="{EFAFB233-063F-42B5-8137-9DF3F51BA10A}">
+      <p15:sldGuideLst xmlns:p15="http://schemas.microsoft.com/office/powerpoint/2012/main"/>
+    </p:ext>
+  </p:extLst>
 </p:presentation>
 </file>
 
@@ -255,7 +270,7 @@
           <a:p>
             <a:fld id="{15F68CBF-D64B-594A-90C1-F826E73A0BE9}" type="datetimeFigureOut">
               <a:rPr lang="en-US" smtClean="0"/>
-              <a:t>7/16/19</a:t>
+              <a:t>8/5/19</a:t>
             </a:fld>
             <a:endParaRPr lang="en-US"/>
           </a:p>
@@ -453,7 +468,7 @@
           <a:p>
             <a:fld id="{15F68CBF-D64B-594A-90C1-F826E73A0BE9}" type="datetimeFigureOut">
               <a:rPr lang="en-US" smtClean="0"/>
-              <a:t>7/16/19</a:t>
+              <a:t>8/5/19</a:t>
             </a:fld>
             <a:endParaRPr lang="en-US"/>
           </a:p>
@@ -661,7 +676,7 @@
           <a:p>
             <a:fld id="{15F68CBF-D64B-594A-90C1-F826E73A0BE9}" type="datetimeFigureOut">
               <a:rPr lang="en-US" smtClean="0"/>
-              <a:t>7/16/19</a:t>
+              <a:t>8/5/19</a:t>
             </a:fld>
             <a:endParaRPr lang="en-US"/>
           </a:p>
@@ -859,7 +874,7 @@
           <a:p>
             <a:fld id="{15F68CBF-D64B-594A-90C1-F826E73A0BE9}" type="datetimeFigureOut">
               <a:rPr lang="en-US" smtClean="0"/>
-              <a:t>7/16/19</a:t>
+              <a:t>8/5/19</a:t>
             </a:fld>
             <a:endParaRPr lang="en-US"/>
           </a:p>
@@ -1134,7 +1149,7 @@
           <a:p>
             <a:fld id="{15F68CBF-D64B-594A-90C1-F826E73A0BE9}" type="datetimeFigureOut">
               <a:rPr lang="en-US" smtClean="0"/>
-              <a:t>7/16/19</a:t>
+              <a:t>8/5/19</a:t>
             </a:fld>
             <a:endParaRPr lang="en-US"/>
           </a:p>
@@ -1399,7 +1414,7 @@
           <a:p>
             <a:fld id="{15F68CBF-D64B-594A-90C1-F826E73A0BE9}" type="datetimeFigureOut">
               <a:rPr lang="en-US" smtClean="0"/>
-              <a:t>7/16/19</a:t>
+              <a:t>8/5/19</a:t>
             </a:fld>
             <a:endParaRPr lang="en-US"/>
           </a:p>
@@ -1811,7 +1826,7 @@
           <a:p>
             <a:fld id="{15F68CBF-D64B-594A-90C1-F826E73A0BE9}" type="datetimeFigureOut">
               <a:rPr lang="en-US" smtClean="0"/>
-              <a:t>7/16/19</a:t>
+              <a:t>8/5/19</a:t>
             </a:fld>
             <a:endParaRPr lang="en-US"/>
           </a:p>
@@ -1952,7 +1967,7 @@
           <a:p>
             <a:fld id="{15F68CBF-D64B-594A-90C1-F826E73A0BE9}" type="datetimeFigureOut">
               <a:rPr lang="en-US" smtClean="0"/>
-              <a:t>7/16/19</a:t>
+              <a:t>8/5/19</a:t>
             </a:fld>
             <a:endParaRPr lang="en-US"/>
           </a:p>
@@ -2065,7 +2080,7 @@
           <a:p>
             <a:fld id="{15F68CBF-D64B-594A-90C1-F826E73A0BE9}" type="datetimeFigureOut">
               <a:rPr lang="en-US" smtClean="0"/>
-              <a:t>7/16/19</a:t>
+              <a:t>8/5/19</a:t>
             </a:fld>
             <a:endParaRPr lang="en-US"/>
           </a:p>
@@ -2376,7 +2391,7 @@
           <a:p>
             <a:fld id="{15F68CBF-D64B-594A-90C1-F826E73A0BE9}" type="datetimeFigureOut">
               <a:rPr lang="en-US" smtClean="0"/>
-              <a:t>7/16/19</a:t>
+              <a:t>8/5/19</a:t>
             </a:fld>
             <a:endParaRPr lang="en-US"/>
           </a:p>
@@ -2664,7 +2679,7 @@
           <a:p>
             <a:fld id="{15F68CBF-D64B-594A-90C1-F826E73A0BE9}" type="datetimeFigureOut">
               <a:rPr lang="en-US" smtClean="0"/>
-              <a:t>7/16/19</a:t>
+              <a:t>8/5/19</a:t>
             </a:fld>
             <a:endParaRPr lang="en-US"/>
           </a:p>
@@ -2905,7 +2920,7 @@
           <a:p>
             <a:fld id="{15F68CBF-D64B-594A-90C1-F826E73A0BE9}" type="datetimeFigureOut">
               <a:rPr lang="en-US" smtClean="0"/>
-              <a:t>7/16/19</a:t>
+              <a:t>8/5/19</a:t>
             </a:fld>
             <a:endParaRPr lang="en-US"/>
           </a:p>
@@ -3392,6 +3407,279 @@
 </p:sld>
 </file>
 
+<file path=ppt/slides/slide10.xml><?xml version="1.0" encoding="utf-8"?>
+<p:sld xmlns:a="http://schemas.openxmlformats.org/drawingml/2006/main" xmlns:r="http://schemas.openxmlformats.org/officeDocument/2006/relationships" xmlns:p="http://schemas.openxmlformats.org/presentationml/2006/main">
+  <p:cSld>
+    <p:spTree>
+      <p:nvGrpSpPr>
+        <p:cNvPr id="1" name=""/>
+        <p:cNvGrpSpPr/>
+        <p:nvPr/>
+      </p:nvGrpSpPr>
+      <p:grpSpPr>
+        <a:xfrm>
+          <a:off x="0" y="0"/>
+          <a:ext cx="0" cy="0"/>
+          <a:chOff x="0" y="0"/>
+          <a:chExt cx="0" cy="0"/>
+        </a:xfrm>
+      </p:grpSpPr>
+      <p:sp>
+        <p:nvSpPr>
+          <p:cNvPr id="2" name="Title 1">
+            <a:extLst>
+              <a:ext uri="{FF2B5EF4-FFF2-40B4-BE49-F238E27FC236}">
+                <a16:creationId xmlns:a16="http://schemas.microsoft.com/office/drawing/2014/main" id="{18ED81E4-2769-7B43-A3DB-8B14D96EB456}"/>
+              </a:ext>
+            </a:extLst>
+          </p:cNvPr>
+          <p:cNvSpPr>
+            <a:spLocks noGrp="1"/>
+          </p:cNvSpPr>
+          <p:nvPr>
+            <p:ph type="title"/>
+          </p:nvPr>
+        </p:nvSpPr>
+        <p:spPr/>
+        <p:txBody>
+          <a:bodyPr/>
+          <a:lstStyle/>
+          <a:p>
+            <a:r>
+              <a:rPr lang="en-US" dirty="0"/>
+              <a:t>Target users/Use cases  </a:t>
+            </a:r>
+          </a:p>
+        </p:txBody>
+      </p:sp>
+      <p:sp>
+        <p:nvSpPr>
+          <p:cNvPr id="3" name="Content Placeholder 2">
+            <a:extLst>
+              <a:ext uri="{FF2B5EF4-FFF2-40B4-BE49-F238E27FC236}">
+                <a16:creationId xmlns:a16="http://schemas.microsoft.com/office/drawing/2014/main" id="{F0A5B24F-A004-1746-8214-1574525600CC}"/>
+              </a:ext>
+            </a:extLst>
+          </p:cNvPr>
+          <p:cNvSpPr>
+            <a:spLocks noGrp="1"/>
+          </p:cNvSpPr>
+          <p:nvPr>
+            <p:ph idx="1"/>
+          </p:nvPr>
+        </p:nvSpPr>
+        <p:spPr/>
+        <p:txBody>
+          <a:bodyPr/>
+          <a:lstStyle/>
+          <a:p>
+            <a:r>
+              <a:rPr lang="en-US" dirty="0"/>
+              <a:t>Travelers </a:t>
+            </a:r>
+          </a:p>
+          <a:p>
+            <a:r>
+              <a:rPr lang="en-US" dirty="0"/>
+              <a:t>Researchers </a:t>
+            </a:r>
+          </a:p>
+        </p:txBody>
+      </p:sp>
+    </p:spTree>
+    <p:extLst>
+      <p:ext uri="{BB962C8B-B14F-4D97-AF65-F5344CB8AC3E}">
+        <p14:creationId xmlns:p14="http://schemas.microsoft.com/office/powerpoint/2010/main" val="4291896012"/>
+      </p:ext>
+    </p:extLst>
+  </p:cSld>
+  <p:clrMapOvr>
+    <a:masterClrMapping/>
+  </p:clrMapOvr>
+</p:sld>
+</file>
+
+<file path=ppt/slides/slide11.xml><?xml version="1.0" encoding="utf-8"?>
+<p:sld xmlns:a="http://schemas.openxmlformats.org/drawingml/2006/main" xmlns:r="http://schemas.openxmlformats.org/officeDocument/2006/relationships" xmlns:p="http://schemas.openxmlformats.org/presentationml/2006/main">
+  <p:cSld>
+    <p:spTree>
+      <p:nvGrpSpPr>
+        <p:cNvPr id="1" name=""/>
+        <p:cNvGrpSpPr/>
+        <p:nvPr/>
+      </p:nvGrpSpPr>
+      <p:grpSpPr>
+        <a:xfrm>
+          <a:off x="0" y="0"/>
+          <a:ext cx="0" cy="0"/>
+          <a:chOff x="0" y="0"/>
+          <a:chExt cx="0" cy="0"/>
+        </a:xfrm>
+      </p:grpSpPr>
+      <p:sp>
+        <p:nvSpPr>
+          <p:cNvPr id="2" name="Title 1">
+            <a:extLst>
+              <a:ext uri="{FF2B5EF4-FFF2-40B4-BE49-F238E27FC236}">
+                <a16:creationId xmlns:a16="http://schemas.microsoft.com/office/drawing/2014/main" id="{0BBABE2B-710E-6E48-93D3-DB7B86D1F7C2}"/>
+              </a:ext>
+            </a:extLst>
+          </p:cNvPr>
+          <p:cNvSpPr>
+            <a:spLocks noGrp="1"/>
+          </p:cNvSpPr>
+          <p:nvPr>
+            <p:ph type="title"/>
+          </p:nvPr>
+        </p:nvSpPr>
+        <p:spPr/>
+        <p:txBody>
+          <a:bodyPr/>
+          <a:lstStyle/>
+          <a:p>
+            <a:r>
+              <a:rPr lang="en-US" dirty="0"/>
+              <a:t>Future Enhancements</a:t>
+            </a:r>
+          </a:p>
+        </p:txBody>
+      </p:sp>
+      <p:sp>
+        <p:nvSpPr>
+          <p:cNvPr id="3" name="Content Placeholder 2">
+            <a:extLst>
+              <a:ext uri="{FF2B5EF4-FFF2-40B4-BE49-F238E27FC236}">
+                <a16:creationId xmlns:a16="http://schemas.microsoft.com/office/drawing/2014/main" id="{27208CE8-F6BE-8D4F-B026-A77820505E98}"/>
+              </a:ext>
+            </a:extLst>
+          </p:cNvPr>
+          <p:cNvSpPr>
+            <a:spLocks noGrp="1"/>
+          </p:cNvSpPr>
+          <p:nvPr>
+            <p:ph idx="1"/>
+          </p:nvPr>
+        </p:nvSpPr>
+        <p:spPr/>
+        <p:txBody>
+          <a:bodyPr/>
+          <a:lstStyle/>
+          <a:p>
+            <a:r>
+              <a:rPr lang="en-US" dirty="0"/>
+              <a:t>Streamed Data from Spark</a:t>
+            </a:r>
+          </a:p>
+          <a:p>
+            <a:r>
+              <a:rPr lang="en-US" dirty="0"/>
+              <a:t>Integrate user feedback and do some analytics on that </a:t>
+            </a:r>
+          </a:p>
+          <a:p>
+            <a:r>
+              <a:rPr lang="en-US" dirty="0"/>
+              <a:t>Recommendation Engine</a:t>
+            </a:r>
+          </a:p>
+        </p:txBody>
+      </p:sp>
+    </p:spTree>
+    <p:extLst>
+      <p:ext uri="{BB962C8B-B14F-4D97-AF65-F5344CB8AC3E}">
+        <p14:creationId xmlns:p14="http://schemas.microsoft.com/office/powerpoint/2010/main" val="3623047502"/>
+      </p:ext>
+    </p:extLst>
+  </p:cSld>
+  <p:clrMapOvr>
+    <a:masterClrMapping/>
+  </p:clrMapOvr>
+</p:sld>
+</file>
+
+<file path=ppt/slides/slide12.xml><?xml version="1.0" encoding="utf-8"?>
+<p:sld xmlns:a="http://schemas.openxmlformats.org/drawingml/2006/main" xmlns:r="http://schemas.openxmlformats.org/officeDocument/2006/relationships" xmlns:p="http://schemas.openxmlformats.org/presentationml/2006/main">
+  <p:cSld>
+    <p:spTree>
+      <p:nvGrpSpPr>
+        <p:cNvPr id="1" name=""/>
+        <p:cNvGrpSpPr/>
+        <p:nvPr/>
+      </p:nvGrpSpPr>
+      <p:grpSpPr>
+        <a:xfrm>
+          <a:off x="0" y="0"/>
+          <a:ext cx="0" cy="0"/>
+          <a:chOff x="0" y="0"/>
+          <a:chExt cx="0" cy="0"/>
+        </a:xfrm>
+      </p:grpSpPr>
+      <p:sp>
+        <p:nvSpPr>
+          <p:cNvPr id="2" name="Title 1">
+            <a:extLst>
+              <a:ext uri="{FF2B5EF4-FFF2-40B4-BE49-F238E27FC236}">
+                <a16:creationId xmlns:a16="http://schemas.microsoft.com/office/drawing/2014/main" id="{1517117D-EDC6-E249-A102-430954D56233}"/>
+              </a:ext>
+            </a:extLst>
+          </p:cNvPr>
+          <p:cNvSpPr>
+            <a:spLocks noGrp="1"/>
+          </p:cNvSpPr>
+          <p:nvPr>
+            <p:ph type="title"/>
+          </p:nvPr>
+        </p:nvSpPr>
+        <p:spPr/>
+        <p:txBody>
+          <a:bodyPr/>
+          <a:lstStyle/>
+          <a:p>
+            <a:r>
+              <a:rPr lang="en-US" dirty="0"/>
+              <a:t>Demo</a:t>
+            </a:r>
+          </a:p>
+        </p:txBody>
+      </p:sp>
+      <p:sp>
+        <p:nvSpPr>
+          <p:cNvPr id="3" name="Content Placeholder 2">
+            <a:extLst>
+              <a:ext uri="{FF2B5EF4-FFF2-40B4-BE49-F238E27FC236}">
+                <a16:creationId xmlns:a16="http://schemas.microsoft.com/office/drawing/2014/main" id="{43D997DB-3D84-154D-8D04-555904B90AD8}"/>
+              </a:ext>
+            </a:extLst>
+          </p:cNvPr>
+          <p:cNvSpPr>
+            <a:spLocks noGrp="1"/>
+          </p:cNvSpPr>
+          <p:nvPr>
+            <p:ph idx="1"/>
+          </p:nvPr>
+        </p:nvSpPr>
+        <p:spPr/>
+        <p:txBody>
+          <a:bodyPr/>
+          <a:lstStyle/>
+          <a:p>
+            <a:endParaRPr lang="en-US"/>
+          </a:p>
+        </p:txBody>
+      </p:sp>
+    </p:spTree>
+    <p:extLst>
+      <p:ext uri="{BB962C8B-B14F-4D97-AF65-F5344CB8AC3E}">
+        <p14:creationId xmlns:p14="http://schemas.microsoft.com/office/powerpoint/2010/main" val="3273945038"/>
+      </p:ext>
+    </p:extLst>
+  </p:cSld>
+  <p:clrMapOvr>
+    <a:masterClrMapping/>
+  </p:clrMapOvr>
+</p:sld>
+</file>
+
 <file path=ppt/slides/slide2.xml><?xml version="1.0" encoding="utf-8"?>
 <p:sld xmlns:a="http://schemas.openxmlformats.org/drawingml/2006/main" xmlns:r="http://schemas.openxmlformats.org/officeDocument/2006/relationships" xmlns:p="http://schemas.openxmlformats.org/presentationml/2006/main">
   <p:cSld>
@@ -3414,6 +3702,320 @@
           <p:cNvPr id="2" name="Title 1">
             <a:extLst>
               <a:ext uri="{FF2B5EF4-FFF2-40B4-BE49-F238E27FC236}">
+                <a16:creationId xmlns:a16="http://schemas.microsoft.com/office/drawing/2014/main" id="{961BD201-9ADF-C84D-929B-BF57A7D1493F}"/>
+              </a:ext>
+            </a:extLst>
+          </p:cNvPr>
+          <p:cNvSpPr>
+            <a:spLocks noGrp="1"/>
+          </p:cNvSpPr>
+          <p:nvPr>
+            <p:ph type="title"/>
+          </p:nvPr>
+        </p:nvSpPr>
+        <p:spPr/>
+        <p:txBody>
+          <a:bodyPr/>
+          <a:lstStyle/>
+          <a:p>
+            <a:r>
+              <a:rPr lang="en-US" dirty="0"/>
+              <a:t>Scope of Implementation </a:t>
+            </a:r>
+          </a:p>
+        </p:txBody>
+      </p:sp>
+      <p:sp>
+        <p:nvSpPr>
+          <p:cNvPr id="3" name="Content Placeholder 2">
+            <a:extLst>
+              <a:ext uri="{FF2B5EF4-FFF2-40B4-BE49-F238E27FC236}">
+                <a16:creationId xmlns:a16="http://schemas.microsoft.com/office/drawing/2014/main" id="{3406550C-0A09-6B4C-94AD-44BE317667F8}"/>
+              </a:ext>
+            </a:extLst>
+          </p:cNvPr>
+          <p:cNvSpPr>
+            <a:spLocks noGrp="1"/>
+          </p:cNvSpPr>
+          <p:nvPr>
+            <p:ph idx="1"/>
+          </p:nvPr>
+        </p:nvSpPr>
+        <p:spPr/>
+        <p:txBody>
+          <a:bodyPr/>
+          <a:lstStyle/>
+          <a:p>
+            <a:r>
+              <a:rPr lang="en-US" dirty="0"/>
+              <a:t>Functional Objectives</a:t>
+            </a:r>
+          </a:p>
+          <a:p>
+            <a:r>
+              <a:rPr lang="en-US" dirty="0"/>
+              <a:t>Technical Details </a:t>
+            </a:r>
+          </a:p>
+          <a:p>
+            <a:r>
+              <a:rPr lang="en-US" dirty="0"/>
+              <a:t>User Applications</a:t>
+            </a:r>
+          </a:p>
+          <a:p>
+            <a:r>
+              <a:rPr lang="en-US" dirty="0"/>
+              <a:t>Future Enhancements </a:t>
+            </a:r>
+          </a:p>
+          <a:p>
+            <a:r>
+              <a:rPr lang="en-US" dirty="0"/>
+              <a:t>Key Learnings </a:t>
+            </a:r>
+          </a:p>
+          <a:p>
+            <a:r>
+              <a:rPr lang="en-US" dirty="0"/>
+              <a:t>Demo</a:t>
+            </a:r>
+          </a:p>
+        </p:txBody>
+      </p:sp>
+    </p:spTree>
+    <p:extLst>
+      <p:ext uri="{BB962C8B-B14F-4D97-AF65-F5344CB8AC3E}">
+        <p14:creationId xmlns:p14="http://schemas.microsoft.com/office/powerpoint/2010/main" val="1596747380"/>
+      </p:ext>
+    </p:extLst>
+  </p:cSld>
+  <p:clrMapOvr>
+    <a:masterClrMapping/>
+  </p:clrMapOvr>
+</p:sld>
+</file>
+
+<file path=ppt/slides/slide3.xml><?xml version="1.0" encoding="utf-8"?>
+<p:sld xmlns:a="http://schemas.openxmlformats.org/drawingml/2006/main" xmlns:r="http://schemas.openxmlformats.org/officeDocument/2006/relationships" xmlns:p="http://schemas.openxmlformats.org/presentationml/2006/main">
+  <p:cSld>
+    <p:spTree>
+      <p:nvGrpSpPr>
+        <p:cNvPr id="1" name=""/>
+        <p:cNvGrpSpPr/>
+        <p:nvPr/>
+      </p:nvGrpSpPr>
+      <p:grpSpPr>
+        <a:xfrm>
+          <a:off x="0" y="0"/>
+          <a:ext cx="0" cy="0"/>
+          <a:chOff x="0" y="0"/>
+          <a:chExt cx="0" cy="0"/>
+        </a:xfrm>
+      </p:grpSpPr>
+      <p:sp>
+        <p:nvSpPr>
+          <p:cNvPr id="2" name="Title 1">
+            <a:extLst>
+              <a:ext uri="{FF2B5EF4-FFF2-40B4-BE49-F238E27FC236}">
+                <a16:creationId xmlns:a16="http://schemas.microsoft.com/office/drawing/2014/main" id="{ACFECD70-DB23-3249-B7BC-2124631AEBB6}"/>
+              </a:ext>
+            </a:extLst>
+          </p:cNvPr>
+          <p:cNvSpPr>
+            <a:spLocks noGrp="1"/>
+          </p:cNvSpPr>
+          <p:nvPr>
+            <p:ph type="title"/>
+          </p:nvPr>
+        </p:nvSpPr>
+        <p:spPr/>
+        <p:txBody>
+          <a:bodyPr/>
+          <a:lstStyle/>
+          <a:p>
+            <a:r>
+              <a:rPr lang="en-US" dirty="0"/>
+              <a:t>Functional Objectives</a:t>
+            </a:r>
+          </a:p>
+        </p:txBody>
+      </p:sp>
+      <p:sp>
+        <p:nvSpPr>
+          <p:cNvPr id="3" name="Content Placeholder 2">
+            <a:extLst>
+              <a:ext uri="{FF2B5EF4-FFF2-40B4-BE49-F238E27FC236}">
+                <a16:creationId xmlns:a16="http://schemas.microsoft.com/office/drawing/2014/main" id="{F9F8B4CC-1E46-8E4C-8DCB-40654D2453EA}"/>
+              </a:ext>
+            </a:extLst>
+          </p:cNvPr>
+          <p:cNvSpPr>
+            <a:spLocks noGrp="1"/>
+          </p:cNvSpPr>
+          <p:nvPr>
+            <p:ph idx="1"/>
+          </p:nvPr>
+        </p:nvSpPr>
+        <p:spPr/>
+        <p:txBody>
+          <a:bodyPr/>
+          <a:lstStyle/>
+          <a:p>
+            <a:r>
+              <a:rPr lang="en-US" dirty="0"/>
+              <a:t>Purpose</a:t>
+            </a:r>
+          </a:p>
+          <a:p>
+            <a:pPr lvl="1"/>
+            <a:r>
+              <a:rPr lang="en-US" dirty="0"/>
+              <a:t>To Integrate different data source and store them in common format</a:t>
+            </a:r>
+          </a:p>
+          <a:p>
+            <a:pPr lvl="1"/>
+            <a:r>
+              <a:rPr lang="en-US" dirty="0"/>
+              <a:t>Make them available in easy </a:t>
+            </a:r>
+          </a:p>
+          <a:p>
+            <a:pPr lvl="1"/>
+            <a:endParaRPr lang="en-US" dirty="0"/>
+          </a:p>
+          <a:p>
+            <a:pPr lvl="1"/>
+            <a:endParaRPr lang="en-US" dirty="0"/>
+          </a:p>
+          <a:p>
+            <a:pPr lvl="1"/>
+            <a:endParaRPr lang="en-US" dirty="0"/>
+          </a:p>
+        </p:txBody>
+      </p:sp>
+    </p:spTree>
+    <p:extLst>
+      <p:ext uri="{BB962C8B-B14F-4D97-AF65-F5344CB8AC3E}">
+        <p14:creationId xmlns:p14="http://schemas.microsoft.com/office/powerpoint/2010/main" val="350367820"/>
+      </p:ext>
+    </p:extLst>
+  </p:cSld>
+  <p:clrMapOvr>
+    <a:masterClrMapping/>
+  </p:clrMapOvr>
+</p:sld>
+</file>
+
+<file path=ppt/slides/slide4.xml><?xml version="1.0" encoding="utf-8"?>
+<p:sld xmlns:a="http://schemas.openxmlformats.org/drawingml/2006/main" xmlns:r="http://schemas.openxmlformats.org/officeDocument/2006/relationships" xmlns:p="http://schemas.openxmlformats.org/presentationml/2006/main">
+  <p:cSld>
+    <p:spTree>
+      <p:nvGrpSpPr>
+        <p:cNvPr id="1" name=""/>
+        <p:cNvGrpSpPr/>
+        <p:nvPr/>
+      </p:nvGrpSpPr>
+      <p:grpSpPr>
+        <a:xfrm>
+          <a:off x="0" y="0"/>
+          <a:ext cx="0" cy="0"/>
+          <a:chOff x="0" y="0"/>
+          <a:chExt cx="0" cy="0"/>
+        </a:xfrm>
+      </p:grpSpPr>
+      <p:sp>
+        <p:nvSpPr>
+          <p:cNvPr id="2" name="Title 1">
+            <a:extLst>
+              <a:ext uri="{FF2B5EF4-FFF2-40B4-BE49-F238E27FC236}">
+                <a16:creationId xmlns:a16="http://schemas.microsoft.com/office/drawing/2014/main" id="{929C7E00-DF06-AC4B-A7DB-78DA06774B3A}"/>
+              </a:ext>
+            </a:extLst>
+          </p:cNvPr>
+          <p:cNvSpPr>
+            <a:spLocks noGrp="1"/>
+          </p:cNvSpPr>
+          <p:nvPr>
+            <p:ph type="title"/>
+          </p:nvPr>
+        </p:nvSpPr>
+        <p:spPr/>
+        <p:txBody>
+          <a:bodyPr/>
+          <a:lstStyle/>
+          <a:p>
+            <a:r>
+              <a:rPr lang="en-US" dirty="0"/>
+              <a:t>Functional Objectives</a:t>
+            </a:r>
+          </a:p>
+        </p:txBody>
+      </p:sp>
+      <p:sp>
+        <p:nvSpPr>
+          <p:cNvPr id="3" name="Content Placeholder 2">
+            <a:extLst>
+              <a:ext uri="{FF2B5EF4-FFF2-40B4-BE49-F238E27FC236}">
+                <a16:creationId xmlns:a16="http://schemas.microsoft.com/office/drawing/2014/main" id="{062E73DB-5680-0C41-8F36-E651F9375C31}"/>
+              </a:ext>
+            </a:extLst>
+          </p:cNvPr>
+          <p:cNvSpPr>
+            <a:spLocks noGrp="1"/>
+          </p:cNvSpPr>
+          <p:nvPr>
+            <p:ph idx="1"/>
+          </p:nvPr>
+        </p:nvSpPr>
+        <p:spPr/>
+        <p:txBody>
+          <a:bodyPr/>
+          <a:lstStyle/>
+          <a:p>
+            <a:r>
+              <a:rPr lang="en-US" dirty="0"/>
+              <a:t>Challenges</a:t>
+            </a:r>
+          </a:p>
+        </p:txBody>
+      </p:sp>
+    </p:spTree>
+    <p:extLst>
+      <p:ext uri="{BB962C8B-B14F-4D97-AF65-F5344CB8AC3E}">
+        <p14:creationId xmlns:p14="http://schemas.microsoft.com/office/powerpoint/2010/main" val="4076990827"/>
+      </p:ext>
+    </p:extLst>
+  </p:cSld>
+  <p:clrMapOvr>
+    <a:masterClrMapping/>
+  </p:clrMapOvr>
+</p:sld>
+</file>
+
+<file path=ppt/slides/slide5.xml><?xml version="1.0" encoding="utf-8"?>
+<p:sld xmlns:a="http://schemas.openxmlformats.org/drawingml/2006/main" xmlns:r="http://schemas.openxmlformats.org/officeDocument/2006/relationships" xmlns:p="http://schemas.openxmlformats.org/presentationml/2006/main">
+  <p:cSld>
+    <p:spTree>
+      <p:nvGrpSpPr>
+        <p:cNvPr id="1" name=""/>
+        <p:cNvGrpSpPr/>
+        <p:nvPr/>
+      </p:nvGrpSpPr>
+      <p:grpSpPr>
+        <a:xfrm>
+          <a:off x="0" y="0"/>
+          <a:ext cx="0" cy="0"/>
+          <a:chOff x="0" y="0"/>
+          <a:chExt cx="0" cy="0"/>
+        </a:xfrm>
+      </p:grpSpPr>
+      <p:sp>
+        <p:nvSpPr>
+          <p:cNvPr id="2" name="Title 1">
+            <a:extLst>
+              <a:ext uri="{FF2B5EF4-FFF2-40B4-BE49-F238E27FC236}">
                 <a16:creationId xmlns:a16="http://schemas.microsoft.com/office/drawing/2014/main" id="{0CF7C261-69C1-7A4A-870A-831C5230DBEF}"/>
               </a:ext>
             </a:extLst>
@@ -3430,7 +4032,10 @@
           <a:bodyPr/>
           <a:lstStyle/>
           <a:p>
-            <a:endParaRPr lang="en-US"/>
+            <a:r>
+              <a:rPr lang="en-US" dirty="0"/>
+              <a:t>Technical architecture</a:t>
+            </a:r>
           </a:p>
         </p:txBody>
       </p:sp>
@@ -3623,7 +4228,9 @@
           </a:fontRef>
         </p:style>
         <p:txBody>
-          <a:bodyPr rtlCol="0" anchor="ctr"/>
+          <a:bodyPr rtlCol="0" anchor="ctr">
+            <a:normAutofit lnSpcReduction="10000"/>
+          </a:bodyPr>
           <a:lstStyle/>
           <a:p>
             <a:pPr marL="0" indent="0" algn="ctr">
@@ -4002,6 +4609,392 @@
     <p:extLst>
       <p:ext uri="{BB962C8B-B14F-4D97-AF65-F5344CB8AC3E}">
         <p14:creationId xmlns:p14="http://schemas.microsoft.com/office/powerpoint/2010/main" val="2874691725"/>
+      </p:ext>
+    </p:extLst>
+  </p:cSld>
+  <p:clrMapOvr>
+    <a:masterClrMapping/>
+  </p:clrMapOvr>
+</p:sld>
+</file>
+
+<file path=ppt/slides/slide6.xml><?xml version="1.0" encoding="utf-8"?>
+<p:sld xmlns:a="http://schemas.openxmlformats.org/drawingml/2006/main" xmlns:r="http://schemas.openxmlformats.org/officeDocument/2006/relationships" xmlns:p="http://schemas.openxmlformats.org/presentationml/2006/main">
+  <p:cSld>
+    <p:spTree>
+      <p:nvGrpSpPr>
+        <p:cNvPr id="1" name=""/>
+        <p:cNvGrpSpPr/>
+        <p:nvPr/>
+      </p:nvGrpSpPr>
+      <p:grpSpPr>
+        <a:xfrm>
+          <a:off x="0" y="0"/>
+          <a:ext cx="0" cy="0"/>
+          <a:chOff x="0" y="0"/>
+          <a:chExt cx="0" cy="0"/>
+        </a:xfrm>
+      </p:grpSpPr>
+      <p:sp>
+        <p:nvSpPr>
+          <p:cNvPr id="2" name="Title 1">
+            <a:extLst>
+              <a:ext uri="{FF2B5EF4-FFF2-40B4-BE49-F238E27FC236}">
+                <a16:creationId xmlns:a16="http://schemas.microsoft.com/office/drawing/2014/main" id="{CB74365C-EED7-A943-A43A-A5644CD2029E}"/>
+              </a:ext>
+            </a:extLst>
+          </p:cNvPr>
+          <p:cNvSpPr>
+            <a:spLocks noGrp="1"/>
+          </p:cNvSpPr>
+          <p:nvPr>
+            <p:ph type="title"/>
+          </p:nvPr>
+        </p:nvSpPr>
+        <p:spPr/>
+        <p:txBody>
+          <a:bodyPr/>
+          <a:lstStyle/>
+          <a:p>
+            <a:r>
+              <a:rPr lang="en-US" dirty="0"/>
+              <a:t>Technical Implementations</a:t>
+            </a:r>
+          </a:p>
+        </p:txBody>
+      </p:sp>
+      <p:sp>
+        <p:nvSpPr>
+          <p:cNvPr id="3" name="Content Placeholder 2">
+            <a:extLst>
+              <a:ext uri="{FF2B5EF4-FFF2-40B4-BE49-F238E27FC236}">
+                <a16:creationId xmlns:a16="http://schemas.microsoft.com/office/drawing/2014/main" id="{82F55A53-07C8-5941-9922-B3AB42B02E9F}"/>
+              </a:ext>
+            </a:extLst>
+          </p:cNvPr>
+          <p:cNvSpPr>
+            <a:spLocks noGrp="1"/>
+          </p:cNvSpPr>
+          <p:nvPr>
+            <p:ph idx="1"/>
+          </p:nvPr>
+        </p:nvSpPr>
+        <p:spPr/>
+        <p:txBody>
+          <a:bodyPr/>
+          <a:lstStyle/>
+          <a:p>
+            <a:r>
+              <a:rPr lang="en-US" dirty="0"/>
+              <a:t>Data collection from Different sources has always been a challenge.</a:t>
+            </a:r>
+          </a:p>
+          <a:p>
+            <a:r>
+              <a:rPr lang="en-US" dirty="0"/>
+              <a:t>Comes at a price</a:t>
+            </a:r>
+          </a:p>
+          <a:p>
+            <a:r>
+              <a:rPr lang="en-US" dirty="0"/>
+              <a:t>Scrapping</a:t>
+            </a:r>
+          </a:p>
+          <a:p>
+            <a:r>
+              <a:rPr lang="en-US" dirty="0"/>
+              <a:t>Scrapping with reasonable </a:t>
+            </a:r>
+          </a:p>
+          <a:p>
+            <a:r>
+              <a:rPr lang="en-US" dirty="0"/>
+              <a:t>Data Sources </a:t>
+            </a:r>
+          </a:p>
+          <a:p>
+            <a:endParaRPr lang="en-US" dirty="0"/>
+          </a:p>
+        </p:txBody>
+      </p:sp>
+    </p:spTree>
+    <p:extLst>
+      <p:ext uri="{BB962C8B-B14F-4D97-AF65-F5344CB8AC3E}">
+        <p14:creationId xmlns:p14="http://schemas.microsoft.com/office/powerpoint/2010/main" val="3346186564"/>
+      </p:ext>
+    </p:extLst>
+  </p:cSld>
+  <p:clrMapOvr>
+    <a:masterClrMapping/>
+  </p:clrMapOvr>
+</p:sld>
+</file>
+
+<file path=ppt/slides/slide7.xml><?xml version="1.0" encoding="utf-8"?>
+<p:sld xmlns:a="http://schemas.openxmlformats.org/drawingml/2006/main" xmlns:r="http://schemas.openxmlformats.org/officeDocument/2006/relationships" xmlns:p="http://schemas.openxmlformats.org/presentationml/2006/main">
+  <p:cSld>
+    <p:spTree>
+      <p:nvGrpSpPr>
+        <p:cNvPr id="1" name=""/>
+        <p:cNvGrpSpPr/>
+        <p:nvPr/>
+      </p:nvGrpSpPr>
+      <p:grpSpPr>
+        <a:xfrm>
+          <a:off x="0" y="0"/>
+          <a:ext cx="0" cy="0"/>
+          <a:chOff x="0" y="0"/>
+          <a:chExt cx="0" cy="0"/>
+        </a:xfrm>
+      </p:grpSpPr>
+      <p:sp>
+        <p:nvSpPr>
+          <p:cNvPr id="2" name="Title 1">
+            <a:extLst>
+              <a:ext uri="{FF2B5EF4-FFF2-40B4-BE49-F238E27FC236}">
+                <a16:creationId xmlns:a16="http://schemas.microsoft.com/office/drawing/2014/main" id="{7B48B0EF-895B-AE44-A174-26B2D10B77A2}"/>
+              </a:ext>
+            </a:extLst>
+          </p:cNvPr>
+          <p:cNvSpPr>
+            <a:spLocks noGrp="1"/>
+          </p:cNvSpPr>
+          <p:nvPr>
+            <p:ph type="title"/>
+          </p:nvPr>
+        </p:nvSpPr>
+        <p:spPr/>
+        <p:txBody>
+          <a:bodyPr/>
+          <a:lstStyle/>
+          <a:p>
+            <a:r>
+              <a:rPr lang="en-US" dirty="0"/>
+              <a:t>Steps</a:t>
+            </a:r>
+          </a:p>
+        </p:txBody>
+      </p:sp>
+      <p:sp>
+        <p:nvSpPr>
+          <p:cNvPr id="3" name="Content Placeholder 2">
+            <a:extLst>
+              <a:ext uri="{FF2B5EF4-FFF2-40B4-BE49-F238E27FC236}">
+                <a16:creationId xmlns:a16="http://schemas.microsoft.com/office/drawing/2014/main" id="{6B10BEAB-4441-FB48-AC2B-C6989E07541D}"/>
+              </a:ext>
+            </a:extLst>
+          </p:cNvPr>
+          <p:cNvSpPr>
+            <a:spLocks noGrp="1"/>
+          </p:cNvSpPr>
+          <p:nvPr>
+            <p:ph idx="1"/>
+          </p:nvPr>
+        </p:nvSpPr>
+        <p:spPr/>
+        <p:txBody>
+          <a:bodyPr/>
+          <a:lstStyle/>
+          <a:p>
+            <a:r>
+              <a:rPr lang="en-US" dirty="0"/>
+              <a:t>Optimization </a:t>
+            </a:r>
+          </a:p>
+          <a:p>
+            <a:r>
+              <a:rPr lang="en-US" dirty="0"/>
+              <a:t>Data used </a:t>
+            </a:r>
+          </a:p>
+        </p:txBody>
+      </p:sp>
+    </p:spTree>
+    <p:extLst>
+      <p:ext uri="{BB962C8B-B14F-4D97-AF65-F5344CB8AC3E}">
+        <p14:creationId xmlns:p14="http://schemas.microsoft.com/office/powerpoint/2010/main" val="667315983"/>
+      </p:ext>
+    </p:extLst>
+  </p:cSld>
+  <p:clrMapOvr>
+    <a:masterClrMapping/>
+  </p:clrMapOvr>
+</p:sld>
+</file>
+
+<file path=ppt/slides/slide8.xml><?xml version="1.0" encoding="utf-8"?>
+<p:sld xmlns:a="http://schemas.openxmlformats.org/drawingml/2006/main" xmlns:r="http://schemas.openxmlformats.org/officeDocument/2006/relationships" xmlns:p="http://schemas.openxmlformats.org/presentationml/2006/main">
+  <p:cSld>
+    <p:spTree>
+      <p:nvGrpSpPr>
+        <p:cNvPr id="1" name=""/>
+        <p:cNvGrpSpPr/>
+        <p:nvPr/>
+      </p:nvGrpSpPr>
+      <p:grpSpPr>
+        <a:xfrm>
+          <a:off x="0" y="0"/>
+          <a:ext cx="0" cy="0"/>
+          <a:chOff x="0" y="0"/>
+          <a:chExt cx="0" cy="0"/>
+        </a:xfrm>
+      </p:grpSpPr>
+      <p:sp>
+        <p:nvSpPr>
+          <p:cNvPr id="2" name="Title 1">
+            <a:extLst>
+              <a:ext uri="{FF2B5EF4-FFF2-40B4-BE49-F238E27FC236}">
+                <a16:creationId xmlns:a16="http://schemas.microsoft.com/office/drawing/2014/main" id="{9FAD4929-D7C7-9E42-9BD2-B319DEE39DC4}"/>
+              </a:ext>
+            </a:extLst>
+          </p:cNvPr>
+          <p:cNvSpPr>
+            <a:spLocks noGrp="1"/>
+          </p:cNvSpPr>
+          <p:nvPr>
+            <p:ph type="title"/>
+          </p:nvPr>
+        </p:nvSpPr>
+        <p:spPr/>
+        <p:txBody>
+          <a:bodyPr/>
+          <a:lstStyle/>
+          <a:p>
+            <a:r>
+              <a:rPr lang="en-US" dirty="0"/>
+              <a:t>Technical component used</a:t>
+            </a:r>
+          </a:p>
+        </p:txBody>
+      </p:sp>
+      <p:sp>
+        <p:nvSpPr>
+          <p:cNvPr id="3" name="Content Placeholder 2">
+            <a:extLst>
+              <a:ext uri="{FF2B5EF4-FFF2-40B4-BE49-F238E27FC236}">
+                <a16:creationId xmlns:a16="http://schemas.microsoft.com/office/drawing/2014/main" id="{27DF138A-1095-3342-B215-BC5FB30A4E24}"/>
+              </a:ext>
+            </a:extLst>
+          </p:cNvPr>
+          <p:cNvSpPr>
+            <a:spLocks noGrp="1"/>
+          </p:cNvSpPr>
+          <p:nvPr>
+            <p:ph idx="1"/>
+          </p:nvPr>
+        </p:nvSpPr>
+        <p:spPr/>
+        <p:txBody>
+          <a:bodyPr/>
+          <a:lstStyle/>
+          <a:p>
+            <a:r>
+              <a:rPr lang="en-US" dirty="0"/>
+              <a:t>Data Scrappers</a:t>
+            </a:r>
+          </a:p>
+          <a:p>
+            <a:r>
+              <a:rPr lang="en-US" dirty="0"/>
+              <a:t>Backend </a:t>
+            </a:r>
+          </a:p>
+          <a:p>
+            <a:r>
+              <a:rPr lang="en-US" dirty="0"/>
+              <a:t>Data Presentation</a:t>
+            </a:r>
+          </a:p>
+        </p:txBody>
+      </p:sp>
+    </p:spTree>
+    <p:extLst>
+      <p:ext uri="{BB962C8B-B14F-4D97-AF65-F5344CB8AC3E}">
+        <p14:creationId xmlns:p14="http://schemas.microsoft.com/office/powerpoint/2010/main" val="3797107244"/>
+      </p:ext>
+    </p:extLst>
+  </p:cSld>
+  <p:clrMapOvr>
+    <a:masterClrMapping/>
+  </p:clrMapOvr>
+</p:sld>
+</file>
+
+<file path=ppt/slides/slide9.xml><?xml version="1.0" encoding="utf-8"?>
+<p:sld xmlns:a="http://schemas.openxmlformats.org/drawingml/2006/main" xmlns:r="http://schemas.openxmlformats.org/officeDocument/2006/relationships" xmlns:p="http://schemas.openxmlformats.org/presentationml/2006/main">
+  <p:cSld>
+    <p:spTree>
+      <p:nvGrpSpPr>
+        <p:cNvPr id="1" name=""/>
+        <p:cNvGrpSpPr/>
+        <p:nvPr/>
+      </p:nvGrpSpPr>
+      <p:grpSpPr>
+        <a:xfrm>
+          <a:off x="0" y="0"/>
+          <a:ext cx="0" cy="0"/>
+          <a:chOff x="0" y="0"/>
+          <a:chExt cx="0" cy="0"/>
+        </a:xfrm>
+      </p:grpSpPr>
+      <p:sp>
+        <p:nvSpPr>
+          <p:cNvPr id="2" name="Title 1">
+            <a:extLst>
+              <a:ext uri="{FF2B5EF4-FFF2-40B4-BE49-F238E27FC236}">
+                <a16:creationId xmlns:a16="http://schemas.microsoft.com/office/drawing/2014/main" id="{B4187FE7-F228-984C-9004-E5F5D4B52876}"/>
+              </a:ext>
+            </a:extLst>
+          </p:cNvPr>
+          <p:cNvSpPr>
+            <a:spLocks noGrp="1"/>
+          </p:cNvSpPr>
+          <p:nvPr>
+            <p:ph type="title"/>
+          </p:nvPr>
+        </p:nvSpPr>
+        <p:spPr/>
+        <p:txBody>
+          <a:bodyPr/>
+          <a:lstStyle/>
+          <a:p>
+            <a:r>
+              <a:rPr lang="en-US" dirty="0"/>
+              <a:t>Data Scrappers</a:t>
+            </a:r>
+          </a:p>
+        </p:txBody>
+      </p:sp>
+      <p:sp>
+        <p:nvSpPr>
+          <p:cNvPr id="3" name="Content Placeholder 2">
+            <a:extLst>
+              <a:ext uri="{FF2B5EF4-FFF2-40B4-BE49-F238E27FC236}">
+                <a16:creationId xmlns:a16="http://schemas.microsoft.com/office/drawing/2014/main" id="{97ED134D-B766-754B-874F-FED8C25230A6}"/>
+              </a:ext>
+            </a:extLst>
+          </p:cNvPr>
+          <p:cNvSpPr>
+            <a:spLocks noGrp="1"/>
+          </p:cNvSpPr>
+          <p:nvPr>
+            <p:ph idx="1"/>
+          </p:nvPr>
+        </p:nvSpPr>
+        <p:spPr/>
+        <p:txBody>
+          <a:bodyPr/>
+          <a:lstStyle/>
+          <a:p>
+            <a:endParaRPr lang="en-US" dirty="0"/>
+          </a:p>
+        </p:txBody>
+      </p:sp>
+    </p:spTree>
+    <p:extLst>
+      <p:ext uri="{BB962C8B-B14F-4D97-AF65-F5344CB8AC3E}">
+        <p14:creationId xmlns:p14="http://schemas.microsoft.com/office/powerpoint/2010/main" val="356340172"/>
       </p:ext>
     </p:extLst>
   </p:cSld>

--- a/presentation/travelenzy.pptx
+++ b/presentation/travelenzy.pptx
@@ -2,21 +2,26 @@
 <file path=ppt/presentation.xml><?xml version="1.0" encoding="utf-8"?>
 <p:presentation xmlns:a="http://schemas.openxmlformats.org/drawingml/2006/main" xmlns:r="http://schemas.openxmlformats.org/officeDocument/2006/relationships" xmlns:p="http://schemas.openxmlformats.org/presentationml/2006/main" saveSubsetFonts="1" autoCompressPictures="0">
   <p:sldMasterIdLst>
-    <p:sldMasterId id="2147483648" r:id="rId1"/>
+    <p:sldMasterId id="2147483766" r:id="rId1"/>
   </p:sldMasterIdLst>
   <p:sldIdLst>
     <p:sldId id="256" r:id="rId2"/>
     <p:sldId id="267" r:id="rId3"/>
-    <p:sldId id="258" r:id="rId4"/>
-    <p:sldId id="259" r:id="rId5"/>
-    <p:sldId id="257" r:id="rId6"/>
-    <p:sldId id="261" r:id="rId7"/>
-    <p:sldId id="266" r:id="rId8"/>
-    <p:sldId id="260" r:id="rId9"/>
-    <p:sldId id="262" r:id="rId10"/>
-    <p:sldId id="263" r:id="rId11"/>
-    <p:sldId id="264" r:id="rId12"/>
-    <p:sldId id="265" r:id="rId13"/>
+    <p:sldId id="272" r:id="rId4"/>
+    <p:sldId id="278" r:id="rId5"/>
+    <p:sldId id="259" r:id="rId6"/>
+    <p:sldId id="276" r:id="rId7"/>
+    <p:sldId id="268" r:id="rId8"/>
+    <p:sldId id="279" r:id="rId9"/>
+    <p:sldId id="261" r:id="rId10"/>
+    <p:sldId id="269" r:id="rId11"/>
+    <p:sldId id="281" r:id="rId12"/>
+    <p:sldId id="270" r:id="rId13"/>
+    <p:sldId id="257" r:id="rId14"/>
+    <p:sldId id="280" r:id="rId15"/>
+    <p:sldId id="264" r:id="rId16"/>
+    <p:sldId id="265" r:id="rId17"/>
+    <p:sldId id="282" r:id="rId18"/>
   </p:sldIdLst>
   <p:sldSz cx="12192000" cy="6858000"/>
   <p:notesSz cx="6858000" cy="9144000"/>
@@ -145,7 +150,7 @@
           <p:cNvPr id="2" name="Title 1">
             <a:extLst>
               <a:ext uri="{FF2B5EF4-FFF2-40B4-BE49-F238E27FC236}">
-                <a16:creationId xmlns:a16="http://schemas.microsoft.com/office/drawing/2014/main" id="{A8501D58-3BF1-F741-884E-EB8C2E6C97D4}"/>
+                <a16:creationId xmlns:a16="http://schemas.microsoft.com/office/drawing/2014/main" id="{EB3627B8-4B66-E743-BA04-86B4AACA726E}"/>
               </a:ext>
             </a:extLst>
           </p:cNvPr>
@@ -182,7 +187,7 @@
           <p:cNvPr id="3" name="Subtitle 2">
             <a:extLst>
               <a:ext uri="{FF2B5EF4-FFF2-40B4-BE49-F238E27FC236}">
-                <a16:creationId xmlns:a16="http://schemas.microsoft.com/office/drawing/2014/main" id="{4E368A98-26EF-E041-87C9-90DD5CEB3C69}"/>
+                <a16:creationId xmlns:a16="http://schemas.microsoft.com/office/drawing/2014/main" id="{30C94A50-20A7-AE41-964B-2AFB6AA68F89}"/>
               </a:ext>
             </a:extLst>
           </p:cNvPr>
@@ -252,7 +257,7 @@
           <p:cNvPr id="4" name="Date Placeholder 3">
             <a:extLst>
               <a:ext uri="{FF2B5EF4-FFF2-40B4-BE49-F238E27FC236}">
-                <a16:creationId xmlns:a16="http://schemas.microsoft.com/office/drawing/2014/main" id="{AEB3A616-9117-CF48-A011-C928DBC4DDC4}"/>
+                <a16:creationId xmlns:a16="http://schemas.microsoft.com/office/drawing/2014/main" id="{EBEF109C-3194-D846-A4AC-7CD93391D201}"/>
               </a:ext>
             </a:extLst>
           </p:cNvPr>
@@ -270,7 +275,7 @@
           <a:p>
             <a:fld id="{15F68CBF-D64B-594A-90C1-F826E73A0BE9}" type="datetimeFigureOut">
               <a:rPr lang="en-US" smtClean="0"/>
-              <a:t>8/5/19</a:t>
+              <a:t>8/6/19</a:t>
             </a:fld>
             <a:endParaRPr lang="en-US"/>
           </a:p>
@@ -281,7 +286,7 @@
           <p:cNvPr id="5" name="Footer Placeholder 4">
             <a:extLst>
               <a:ext uri="{FF2B5EF4-FFF2-40B4-BE49-F238E27FC236}">
-                <a16:creationId xmlns:a16="http://schemas.microsoft.com/office/drawing/2014/main" id="{D83D4C36-33BF-514C-BD49-C71004207CC6}"/>
+                <a16:creationId xmlns:a16="http://schemas.microsoft.com/office/drawing/2014/main" id="{DC6438A4-ADB4-EC43-8222-B59547994E27}"/>
               </a:ext>
             </a:extLst>
           </p:cNvPr>
@@ -306,7 +311,7 @@
           <p:cNvPr id="6" name="Slide Number Placeholder 5">
             <a:extLst>
               <a:ext uri="{FF2B5EF4-FFF2-40B4-BE49-F238E27FC236}">
-                <a16:creationId xmlns:a16="http://schemas.microsoft.com/office/drawing/2014/main" id="{57A10ACA-CDCE-5E49-ABA1-09FAA9797D9B}"/>
+                <a16:creationId xmlns:a16="http://schemas.microsoft.com/office/drawing/2014/main" id="{3CB6AC87-5291-3C4C-B651-72A16FDF3EEE}"/>
               </a:ext>
             </a:extLst>
           </p:cNvPr>
@@ -333,7 +338,7 @@
     </p:spTree>
     <p:extLst>
       <p:ext uri="{BB962C8B-B14F-4D97-AF65-F5344CB8AC3E}">
-        <p14:creationId xmlns:p14="http://schemas.microsoft.com/office/powerpoint/2010/main" val="2345898908"/>
+        <p14:creationId xmlns:p14="http://schemas.microsoft.com/office/powerpoint/2010/main" val="3346619866"/>
       </p:ext>
     </p:extLst>
   </p:cSld>
@@ -365,7 +370,7 @@
           <p:cNvPr id="2" name="Title 1">
             <a:extLst>
               <a:ext uri="{FF2B5EF4-FFF2-40B4-BE49-F238E27FC236}">
-                <a16:creationId xmlns:a16="http://schemas.microsoft.com/office/drawing/2014/main" id="{9A1DA221-3C5D-ED4F-822C-FEEEF5C20538}"/>
+                <a16:creationId xmlns:a16="http://schemas.microsoft.com/office/drawing/2014/main" id="{D1BDBDC6-2A1B-4943-B1D9-4EF1964349A3}"/>
               </a:ext>
             </a:extLst>
           </p:cNvPr>
@@ -393,7 +398,7 @@
           <p:cNvPr id="3" name="Vertical Text Placeholder 2">
             <a:extLst>
               <a:ext uri="{FF2B5EF4-FFF2-40B4-BE49-F238E27FC236}">
-                <a16:creationId xmlns:a16="http://schemas.microsoft.com/office/drawing/2014/main" id="{6BEF331E-0120-9E43-A350-23EB3506C077}"/>
+                <a16:creationId xmlns:a16="http://schemas.microsoft.com/office/drawing/2014/main" id="{31E81D44-B242-F04B-9275-FF5C6FF09E20}"/>
               </a:ext>
             </a:extLst>
           </p:cNvPr>
@@ -450,7 +455,7 @@
           <p:cNvPr id="4" name="Date Placeholder 3">
             <a:extLst>
               <a:ext uri="{FF2B5EF4-FFF2-40B4-BE49-F238E27FC236}">
-                <a16:creationId xmlns:a16="http://schemas.microsoft.com/office/drawing/2014/main" id="{8890416A-E494-C84A-A4B9-B1BD3F0A85FF}"/>
+                <a16:creationId xmlns:a16="http://schemas.microsoft.com/office/drawing/2014/main" id="{7B0C1211-F6A9-9B42-AADC-61564DF7ABE4}"/>
               </a:ext>
             </a:extLst>
           </p:cNvPr>
@@ -468,7 +473,7 @@
           <a:p>
             <a:fld id="{15F68CBF-D64B-594A-90C1-F826E73A0BE9}" type="datetimeFigureOut">
               <a:rPr lang="en-US" smtClean="0"/>
-              <a:t>8/5/19</a:t>
+              <a:t>8/6/19</a:t>
             </a:fld>
             <a:endParaRPr lang="en-US"/>
           </a:p>
@@ -479,7 +484,7 @@
           <p:cNvPr id="5" name="Footer Placeholder 4">
             <a:extLst>
               <a:ext uri="{FF2B5EF4-FFF2-40B4-BE49-F238E27FC236}">
-                <a16:creationId xmlns:a16="http://schemas.microsoft.com/office/drawing/2014/main" id="{A0F0A7AD-337A-7940-9150-A78125C27700}"/>
+                <a16:creationId xmlns:a16="http://schemas.microsoft.com/office/drawing/2014/main" id="{3D26868A-3498-F74C-866C-F0EFAFC066A3}"/>
               </a:ext>
             </a:extLst>
           </p:cNvPr>
@@ -504,7 +509,7 @@
           <p:cNvPr id="6" name="Slide Number Placeholder 5">
             <a:extLst>
               <a:ext uri="{FF2B5EF4-FFF2-40B4-BE49-F238E27FC236}">
-                <a16:creationId xmlns:a16="http://schemas.microsoft.com/office/drawing/2014/main" id="{14FFB1CB-CB1E-674F-B381-92CB77B0A2AB}"/>
+                <a16:creationId xmlns:a16="http://schemas.microsoft.com/office/drawing/2014/main" id="{5B72115E-6EF4-8040-8525-F92A3714893D}"/>
               </a:ext>
             </a:extLst>
           </p:cNvPr>
@@ -531,7 +536,7 @@
     </p:spTree>
     <p:extLst>
       <p:ext uri="{BB962C8B-B14F-4D97-AF65-F5344CB8AC3E}">
-        <p14:creationId xmlns:p14="http://schemas.microsoft.com/office/powerpoint/2010/main" val="3777298354"/>
+        <p14:creationId xmlns:p14="http://schemas.microsoft.com/office/powerpoint/2010/main" val="3257463965"/>
       </p:ext>
     </p:extLst>
   </p:cSld>
@@ -563,7 +568,7 @@
           <p:cNvPr id="2" name="Vertical Title 1">
             <a:extLst>
               <a:ext uri="{FF2B5EF4-FFF2-40B4-BE49-F238E27FC236}">
-                <a16:creationId xmlns:a16="http://schemas.microsoft.com/office/drawing/2014/main" id="{02AEF4F9-E6E8-7348-81FB-F721414B1B0E}"/>
+                <a16:creationId xmlns:a16="http://schemas.microsoft.com/office/drawing/2014/main" id="{E2C0F2BB-8C58-A74E-B9ED-A09F3B4BBEFE}"/>
               </a:ext>
             </a:extLst>
           </p:cNvPr>
@@ -596,7 +601,7 @@
           <p:cNvPr id="3" name="Vertical Text Placeholder 2">
             <a:extLst>
               <a:ext uri="{FF2B5EF4-FFF2-40B4-BE49-F238E27FC236}">
-                <a16:creationId xmlns:a16="http://schemas.microsoft.com/office/drawing/2014/main" id="{B1061329-3761-BC41-9C75-7CA1FC402DAF}"/>
+                <a16:creationId xmlns:a16="http://schemas.microsoft.com/office/drawing/2014/main" id="{EBAD2262-3477-3044-83F4-FC12B08EDF99}"/>
               </a:ext>
             </a:extLst>
           </p:cNvPr>
@@ -658,7 +663,7 @@
           <p:cNvPr id="4" name="Date Placeholder 3">
             <a:extLst>
               <a:ext uri="{FF2B5EF4-FFF2-40B4-BE49-F238E27FC236}">
-                <a16:creationId xmlns:a16="http://schemas.microsoft.com/office/drawing/2014/main" id="{856A4762-C105-F94B-8CA1-6C3155CF5017}"/>
+                <a16:creationId xmlns:a16="http://schemas.microsoft.com/office/drawing/2014/main" id="{14685C42-4F84-4E4E-BDA8-D75BF3333647}"/>
               </a:ext>
             </a:extLst>
           </p:cNvPr>
@@ -676,7 +681,7 @@
           <a:p>
             <a:fld id="{15F68CBF-D64B-594A-90C1-F826E73A0BE9}" type="datetimeFigureOut">
               <a:rPr lang="en-US" smtClean="0"/>
-              <a:t>8/5/19</a:t>
+              <a:t>8/6/19</a:t>
             </a:fld>
             <a:endParaRPr lang="en-US"/>
           </a:p>
@@ -687,7 +692,7 @@
           <p:cNvPr id="5" name="Footer Placeholder 4">
             <a:extLst>
               <a:ext uri="{FF2B5EF4-FFF2-40B4-BE49-F238E27FC236}">
-                <a16:creationId xmlns:a16="http://schemas.microsoft.com/office/drawing/2014/main" id="{31A34A43-9490-0A4D-A1DD-39494A22A115}"/>
+                <a16:creationId xmlns:a16="http://schemas.microsoft.com/office/drawing/2014/main" id="{D635F69A-3027-5D41-BDB3-22947271874F}"/>
               </a:ext>
             </a:extLst>
           </p:cNvPr>
@@ -712,7 +717,7 @@
           <p:cNvPr id="6" name="Slide Number Placeholder 5">
             <a:extLst>
               <a:ext uri="{FF2B5EF4-FFF2-40B4-BE49-F238E27FC236}">
-                <a16:creationId xmlns:a16="http://schemas.microsoft.com/office/drawing/2014/main" id="{637FDA3C-D305-1E40-9E46-265CD96018E6}"/>
+                <a16:creationId xmlns:a16="http://schemas.microsoft.com/office/drawing/2014/main" id="{E5D504B1-49E0-D443-85F8-78AC2878EE33}"/>
               </a:ext>
             </a:extLst>
           </p:cNvPr>
@@ -739,7 +744,7 @@
     </p:spTree>
     <p:extLst>
       <p:ext uri="{BB962C8B-B14F-4D97-AF65-F5344CB8AC3E}">
-        <p14:creationId xmlns:p14="http://schemas.microsoft.com/office/powerpoint/2010/main" val="3074363386"/>
+        <p14:creationId xmlns:p14="http://schemas.microsoft.com/office/powerpoint/2010/main" val="3779162288"/>
       </p:ext>
     </p:extLst>
   </p:cSld>
@@ -771,7 +776,7 @@
           <p:cNvPr id="2" name="Title 1">
             <a:extLst>
               <a:ext uri="{FF2B5EF4-FFF2-40B4-BE49-F238E27FC236}">
-                <a16:creationId xmlns:a16="http://schemas.microsoft.com/office/drawing/2014/main" id="{3A97E61E-3E1B-104D-AA88-8947CF60DB5A}"/>
+                <a16:creationId xmlns:a16="http://schemas.microsoft.com/office/drawing/2014/main" id="{4346A96C-5EC7-D245-95CF-2F068AFBC04A}"/>
               </a:ext>
             </a:extLst>
           </p:cNvPr>
@@ -799,7 +804,7 @@
           <p:cNvPr id="3" name="Content Placeholder 2">
             <a:extLst>
               <a:ext uri="{FF2B5EF4-FFF2-40B4-BE49-F238E27FC236}">
-                <a16:creationId xmlns:a16="http://schemas.microsoft.com/office/drawing/2014/main" id="{5C7BC57F-6899-6B45-9914-ED4B8049A301}"/>
+                <a16:creationId xmlns:a16="http://schemas.microsoft.com/office/drawing/2014/main" id="{6644E1AF-BE03-0340-800E-56CAE85CE214}"/>
               </a:ext>
             </a:extLst>
           </p:cNvPr>
@@ -856,7 +861,7 @@
           <p:cNvPr id="4" name="Date Placeholder 3">
             <a:extLst>
               <a:ext uri="{FF2B5EF4-FFF2-40B4-BE49-F238E27FC236}">
-                <a16:creationId xmlns:a16="http://schemas.microsoft.com/office/drawing/2014/main" id="{0036E695-F8A6-224B-A036-E7BB22979A2F}"/>
+                <a16:creationId xmlns:a16="http://schemas.microsoft.com/office/drawing/2014/main" id="{D977CFBC-57A9-904F-B931-04D6FF813D90}"/>
               </a:ext>
             </a:extLst>
           </p:cNvPr>
@@ -874,7 +879,7 @@
           <a:p>
             <a:fld id="{15F68CBF-D64B-594A-90C1-F826E73A0BE9}" type="datetimeFigureOut">
               <a:rPr lang="en-US" smtClean="0"/>
-              <a:t>8/5/19</a:t>
+              <a:t>8/6/19</a:t>
             </a:fld>
             <a:endParaRPr lang="en-US"/>
           </a:p>
@@ -885,7 +890,7 @@
           <p:cNvPr id="5" name="Footer Placeholder 4">
             <a:extLst>
               <a:ext uri="{FF2B5EF4-FFF2-40B4-BE49-F238E27FC236}">
-                <a16:creationId xmlns:a16="http://schemas.microsoft.com/office/drawing/2014/main" id="{F53D173D-F440-7F49-8BFB-58A3D0BB744B}"/>
+                <a16:creationId xmlns:a16="http://schemas.microsoft.com/office/drawing/2014/main" id="{72F85C41-EBE6-6D43-8565-1B2151FC041B}"/>
               </a:ext>
             </a:extLst>
           </p:cNvPr>
@@ -910,7 +915,7 @@
           <p:cNvPr id="6" name="Slide Number Placeholder 5">
             <a:extLst>
               <a:ext uri="{FF2B5EF4-FFF2-40B4-BE49-F238E27FC236}">
-                <a16:creationId xmlns:a16="http://schemas.microsoft.com/office/drawing/2014/main" id="{B46BB282-8F2C-A246-912C-8EF9D5E435A7}"/>
+                <a16:creationId xmlns:a16="http://schemas.microsoft.com/office/drawing/2014/main" id="{64F8CA4D-AF6B-0543-84B1-88DE74A9C2D0}"/>
               </a:ext>
             </a:extLst>
           </p:cNvPr>
@@ -937,7 +942,7 @@
     </p:spTree>
     <p:extLst>
       <p:ext uri="{BB962C8B-B14F-4D97-AF65-F5344CB8AC3E}">
-        <p14:creationId xmlns:p14="http://schemas.microsoft.com/office/powerpoint/2010/main" val="3354958873"/>
+        <p14:creationId xmlns:p14="http://schemas.microsoft.com/office/powerpoint/2010/main" val="1003663690"/>
       </p:ext>
     </p:extLst>
   </p:cSld>
@@ -969,7 +974,7 @@
           <p:cNvPr id="2" name="Title 1">
             <a:extLst>
               <a:ext uri="{FF2B5EF4-FFF2-40B4-BE49-F238E27FC236}">
-                <a16:creationId xmlns:a16="http://schemas.microsoft.com/office/drawing/2014/main" id="{405AC3BA-99A2-A144-AD53-0CC54B12A4AA}"/>
+                <a16:creationId xmlns:a16="http://schemas.microsoft.com/office/drawing/2014/main" id="{8D342544-8389-E441-B100-1526F1F4DBAE}"/>
               </a:ext>
             </a:extLst>
           </p:cNvPr>
@@ -1006,7 +1011,7 @@
           <p:cNvPr id="3" name="Text Placeholder 2">
             <a:extLst>
               <a:ext uri="{FF2B5EF4-FFF2-40B4-BE49-F238E27FC236}">
-                <a16:creationId xmlns:a16="http://schemas.microsoft.com/office/drawing/2014/main" id="{8FAC5F5F-D8CE-704D-8EDF-E22A52DD4C57}"/>
+                <a16:creationId xmlns:a16="http://schemas.microsoft.com/office/drawing/2014/main" id="{481E6E8F-2EC9-A34B-B79F-7459C5EAD4BF}"/>
               </a:ext>
             </a:extLst>
           </p:cNvPr>
@@ -1131,7 +1136,7 @@
           <p:cNvPr id="4" name="Date Placeholder 3">
             <a:extLst>
               <a:ext uri="{FF2B5EF4-FFF2-40B4-BE49-F238E27FC236}">
-                <a16:creationId xmlns:a16="http://schemas.microsoft.com/office/drawing/2014/main" id="{4A865D11-2E21-2C46-84B5-321314FEE66A}"/>
+                <a16:creationId xmlns:a16="http://schemas.microsoft.com/office/drawing/2014/main" id="{521C726B-676B-9E4A-9AF5-8143BB73F796}"/>
               </a:ext>
             </a:extLst>
           </p:cNvPr>
@@ -1149,7 +1154,7 @@
           <a:p>
             <a:fld id="{15F68CBF-D64B-594A-90C1-F826E73A0BE9}" type="datetimeFigureOut">
               <a:rPr lang="en-US" smtClean="0"/>
-              <a:t>8/5/19</a:t>
+              <a:t>8/6/19</a:t>
             </a:fld>
             <a:endParaRPr lang="en-US"/>
           </a:p>
@@ -1160,7 +1165,7 @@
           <p:cNvPr id="5" name="Footer Placeholder 4">
             <a:extLst>
               <a:ext uri="{FF2B5EF4-FFF2-40B4-BE49-F238E27FC236}">
-                <a16:creationId xmlns:a16="http://schemas.microsoft.com/office/drawing/2014/main" id="{3F97B576-46B9-5541-B63B-EED33419C6F1}"/>
+                <a16:creationId xmlns:a16="http://schemas.microsoft.com/office/drawing/2014/main" id="{072175F9-5E91-D34C-9F3F-583C740A95E2}"/>
               </a:ext>
             </a:extLst>
           </p:cNvPr>
@@ -1185,7 +1190,7 @@
           <p:cNvPr id="6" name="Slide Number Placeholder 5">
             <a:extLst>
               <a:ext uri="{FF2B5EF4-FFF2-40B4-BE49-F238E27FC236}">
-                <a16:creationId xmlns:a16="http://schemas.microsoft.com/office/drawing/2014/main" id="{CB29C652-C952-7242-BB86-3B31DF826E92}"/>
+                <a16:creationId xmlns:a16="http://schemas.microsoft.com/office/drawing/2014/main" id="{D5A4FC79-C7B8-3F47-8C0D-2CD168E27C15}"/>
               </a:ext>
             </a:extLst>
           </p:cNvPr>
@@ -1212,7 +1217,7 @@
     </p:spTree>
     <p:extLst>
       <p:ext uri="{BB962C8B-B14F-4D97-AF65-F5344CB8AC3E}">
-        <p14:creationId xmlns:p14="http://schemas.microsoft.com/office/powerpoint/2010/main" val="1513077184"/>
+        <p14:creationId xmlns:p14="http://schemas.microsoft.com/office/powerpoint/2010/main" val="2599003364"/>
       </p:ext>
     </p:extLst>
   </p:cSld>
@@ -1244,7 +1249,7 @@
           <p:cNvPr id="2" name="Title 1">
             <a:extLst>
               <a:ext uri="{FF2B5EF4-FFF2-40B4-BE49-F238E27FC236}">
-                <a16:creationId xmlns:a16="http://schemas.microsoft.com/office/drawing/2014/main" id="{0FB895FC-6518-1D4B-B972-E01B2B67F320}"/>
+                <a16:creationId xmlns:a16="http://schemas.microsoft.com/office/drawing/2014/main" id="{4F6C4771-0E52-6F48-9E04-C7BF031D4542}"/>
               </a:ext>
             </a:extLst>
           </p:cNvPr>
@@ -1272,7 +1277,7 @@
           <p:cNvPr id="3" name="Content Placeholder 2">
             <a:extLst>
               <a:ext uri="{FF2B5EF4-FFF2-40B4-BE49-F238E27FC236}">
-                <a16:creationId xmlns:a16="http://schemas.microsoft.com/office/drawing/2014/main" id="{2527949F-DED1-0143-81A9-263F8B364CEE}"/>
+                <a16:creationId xmlns:a16="http://schemas.microsoft.com/office/drawing/2014/main" id="{591CEBA6-7C58-9B47-9537-67576F935891}"/>
               </a:ext>
             </a:extLst>
           </p:cNvPr>
@@ -1334,7 +1339,7 @@
           <p:cNvPr id="4" name="Content Placeholder 3">
             <a:extLst>
               <a:ext uri="{FF2B5EF4-FFF2-40B4-BE49-F238E27FC236}">
-                <a16:creationId xmlns:a16="http://schemas.microsoft.com/office/drawing/2014/main" id="{FEAAD3CF-28E4-9E4C-A309-EAA2FECCDE5C}"/>
+                <a16:creationId xmlns:a16="http://schemas.microsoft.com/office/drawing/2014/main" id="{878A15CB-1464-4242-AE91-A1F99FA3A43A}"/>
               </a:ext>
             </a:extLst>
           </p:cNvPr>
@@ -1396,7 +1401,7 @@
           <p:cNvPr id="5" name="Date Placeholder 4">
             <a:extLst>
               <a:ext uri="{FF2B5EF4-FFF2-40B4-BE49-F238E27FC236}">
-                <a16:creationId xmlns:a16="http://schemas.microsoft.com/office/drawing/2014/main" id="{62EAD677-D1B3-A849-89B6-4BFE378E09B2}"/>
+                <a16:creationId xmlns:a16="http://schemas.microsoft.com/office/drawing/2014/main" id="{644BA5AA-4A6E-5C4D-AB78-A5CD839D4199}"/>
               </a:ext>
             </a:extLst>
           </p:cNvPr>
@@ -1414,7 +1419,7 @@
           <a:p>
             <a:fld id="{15F68CBF-D64B-594A-90C1-F826E73A0BE9}" type="datetimeFigureOut">
               <a:rPr lang="en-US" smtClean="0"/>
-              <a:t>8/5/19</a:t>
+              <a:t>8/6/19</a:t>
             </a:fld>
             <a:endParaRPr lang="en-US"/>
           </a:p>
@@ -1425,7 +1430,7 @@
           <p:cNvPr id="6" name="Footer Placeholder 5">
             <a:extLst>
               <a:ext uri="{FF2B5EF4-FFF2-40B4-BE49-F238E27FC236}">
-                <a16:creationId xmlns:a16="http://schemas.microsoft.com/office/drawing/2014/main" id="{DA4DCC00-6217-1B4F-8F97-B62C871FB222}"/>
+                <a16:creationId xmlns:a16="http://schemas.microsoft.com/office/drawing/2014/main" id="{C9744C0B-4B3C-3946-8AD4-1128FEAFC562}"/>
               </a:ext>
             </a:extLst>
           </p:cNvPr>
@@ -1450,7 +1455,7 @@
           <p:cNvPr id="7" name="Slide Number Placeholder 6">
             <a:extLst>
               <a:ext uri="{FF2B5EF4-FFF2-40B4-BE49-F238E27FC236}">
-                <a16:creationId xmlns:a16="http://schemas.microsoft.com/office/drawing/2014/main" id="{B93D174C-D1F3-6043-8D40-C02B13653915}"/>
+                <a16:creationId xmlns:a16="http://schemas.microsoft.com/office/drawing/2014/main" id="{30252EF7-53A3-1843-8B5A-A7C43A975C6C}"/>
               </a:ext>
             </a:extLst>
           </p:cNvPr>
@@ -1477,7 +1482,7 @@
     </p:spTree>
     <p:extLst>
       <p:ext uri="{BB962C8B-B14F-4D97-AF65-F5344CB8AC3E}">
-        <p14:creationId xmlns:p14="http://schemas.microsoft.com/office/powerpoint/2010/main" val="4155074582"/>
+        <p14:creationId xmlns:p14="http://schemas.microsoft.com/office/powerpoint/2010/main" val="3428716946"/>
       </p:ext>
     </p:extLst>
   </p:cSld>
@@ -1509,7 +1514,7 @@
           <p:cNvPr id="2" name="Title 1">
             <a:extLst>
               <a:ext uri="{FF2B5EF4-FFF2-40B4-BE49-F238E27FC236}">
-                <a16:creationId xmlns:a16="http://schemas.microsoft.com/office/drawing/2014/main" id="{3FC70783-B771-DA43-BD28-EC90ED6DD135}"/>
+                <a16:creationId xmlns:a16="http://schemas.microsoft.com/office/drawing/2014/main" id="{83A44E52-C077-9647-ACFF-570DD4E27E58}"/>
               </a:ext>
             </a:extLst>
           </p:cNvPr>
@@ -1542,7 +1547,7 @@
           <p:cNvPr id="3" name="Text Placeholder 2">
             <a:extLst>
               <a:ext uri="{FF2B5EF4-FFF2-40B4-BE49-F238E27FC236}">
-                <a16:creationId xmlns:a16="http://schemas.microsoft.com/office/drawing/2014/main" id="{3F2C8DA1-83CD-414C-918E-4495067EDB8E}"/>
+                <a16:creationId xmlns:a16="http://schemas.microsoft.com/office/drawing/2014/main" id="{DD1E3947-B95D-B645-ADD4-F2384AB32485}"/>
               </a:ext>
             </a:extLst>
           </p:cNvPr>
@@ -1613,7 +1618,7 @@
           <p:cNvPr id="4" name="Content Placeholder 3">
             <a:extLst>
               <a:ext uri="{FF2B5EF4-FFF2-40B4-BE49-F238E27FC236}">
-                <a16:creationId xmlns:a16="http://schemas.microsoft.com/office/drawing/2014/main" id="{F90A3477-7ACD-FB47-8905-760F27578BEE}"/>
+                <a16:creationId xmlns:a16="http://schemas.microsoft.com/office/drawing/2014/main" id="{3ECA4933-D9B3-BA45-B947-DD7B54D735DF}"/>
               </a:ext>
             </a:extLst>
           </p:cNvPr>
@@ -1675,7 +1680,7 @@
           <p:cNvPr id="5" name="Text Placeholder 4">
             <a:extLst>
               <a:ext uri="{FF2B5EF4-FFF2-40B4-BE49-F238E27FC236}">
-                <a16:creationId xmlns:a16="http://schemas.microsoft.com/office/drawing/2014/main" id="{8BAFE0A1-C3F6-9F4F-85F8-60D549DF6F55}"/>
+                <a16:creationId xmlns:a16="http://schemas.microsoft.com/office/drawing/2014/main" id="{6FE8CF55-99B1-0941-9705-0E70DF1D733A}"/>
               </a:ext>
             </a:extLst>
           </p:cNvPr>
@@ -1746,7 +1751,7 @@
           <p:cNvPr id="6" name="Content Placeholder 5">
             <a:extLst>
               <a:ext uri="{FF2B5EF4-FFF2-40B4-BE49-F238E27FC236}">
-                <a16:creationId xmlns:a16="http://schemas.microsoft.com/office/drawing/2014/main" id="{2696699B-AA56-D443-8174-75150A81B995}"/>
+                <a16:creationId xmlns:a16="http://schemas.microsoft.com/office/drawing/2014/main" id="{E647AEA2-BCCB-E140-ACCA-8E0424AA6E8D}"/>
               </a:ext>
             </a:extLst>
           </p:cNvPr>
@@ -1808,7 +1813,7 @@
           <p:cNvPr id="7" name="Date Placeholder 6">
             <a:extLst>
               <a:ext uri="{FF2B5EF4-FFF2-40B4-BE49-F238E27FC236}">
-                <a16:creationId xmlns:a16="http://schemas.microsoft.com/office/drawing/2014/main" id="{7C5A327E-DD7A-2E40-BD05-303E3289808C}"/>
+                <a16:creationId xmlns:a16="http://schemas.microsoft.com/office/drawing/2014/main" id="{F218763D-1586-414D-A60E-41B6CF59289D}"/>
               </a:ext>
             </a:extLst>
           </p:cNvPr>
@@ -1826,7 +1831,7 @@
           <a:p>
             <a:fld id="{15F68CBF-D64B-594A-90C1-F826E73A0BE9}" type="datetimeFigureOut">
               <a:rPr lang="en-US" smtClean="0"/>
-              <a:t>8/5/19</a:t>
+              <a:t>8/6/19</a:t>
             </a:fld>
             <a:endParaRPr lang="en-US"/>
           </a:p>
@@ -1837,7 +1842,7 @@
           <p:cNvPr id="8" name="Footer Placeholder 7">
             <a:extLst>
               <a:ext uri="{FF2B5EF4-FFF2-40B4-BE49-F238E27FC236}">
-                <a16:creationId xmlns:a16="http://schemas.microsoft.com/office/drawing/2014/main" id="{F2BFDFA0-4F3A-8A4D-AA08-D42A31460945}"/>
+                <a16:creationId xmlns:a16="http://schemas.microsoft.com/office/drawing/2014/main" id="{B888E491-9432-2B43-876B-48E4058CC508}"/>
               </a:ext>
             </a:extLst>
           </p:cNvPr>
@@ -1862,7 +1867,7 @@
           <p:cNvPr id="9" name="Slide Number Placeholder 8">
             <a:extLst>
               <a:ext uri="{FF2B5EF4-FFF2-40B4-BE49-F238E27FC236}">
-                <a16:creationId xmlns:a16="http://schemas.microsoft.com/office/drawing/2014/main" id="{41AE7314-9003-BF43-9A86-311F100777C6}"/>
+                <a16:creationId xmlns:a16="http://schemas.microsoft.com/office/drawing/2014/main" id="{E86796BA-0A0D-3E4A-A550-1A0231633785}"/>
               </a:ext>
             </a:extLst>
           </p:cNvPr>
@@ -1889,7 +1894,7 @@
     </p:spTree>
     <p:extLst>
       <p:ext uri="{BB962C8B-B14F-4D97-AF65-F5344CB8AC3E}">
-        <p14:creationId xmlns:p14="http://schemas.microsoft.com/office/powerpoint/2010/main" val="3078139913"/>
+        <p14:creationId xmlns:p14="http://schemas.microsoft.com/office/powerpoint/2010/main" val="2078763632"/>
       </p:ext>
     </p:extLst>
   </p:cSld>
@@ -1921,7 +1926,7 @@
           <p:cNvPr id="2" name="Title 1">
             <a:extLst>
               <a:ext uri="{FF2B5EF4-FFF2-40B4-BE49-F238E27FC236}">
-                <a16:creationId xmlns:a16="http://schemas.microsoft.com/office/drawing/2014/main" id="{185FCB56-CDC4-664B-9B9F-8DA7C09CBEFD}"/>
+                <a16:creationId xmlns:a16="http://schemas.microsoft.com/office/drawing/2014/main" id="{95ABA3B8-2681-9B49-8990-3FF0C1156B8D}"/>
               </a:ext>
             </a:extLst>
           </p:cNvPr>
@@ -1949,7 +1954,7 @@
           <p:cNvPr id="3" name="Date Placeholder 2">
             <a:extLst>
               <a:ext uri="{FF2B5EF4-FFF2-40B4-BE49-F238E27FC236}">
-                <a16:creationId xmlns:a16="http://schemas.microsoft.com/office/drawing/2014/main" id="{1E5C170C-11F5-E040-9786-7A4DD266B574}"/>
+                <a16:creationId xmlns:a16="http://schemas.microsoft.com/office/drawing/2014/main" id="{D0FE300B-5C2C-4A48-AACC-08F8F55F4E5A}"/>
               </a:ext>
             </a:extLst>
           </p:cNvPr>
@@ -1967,7 +1972,7 @@
           <a:p>
             <a:fld id="{15F68CBF-D64B-594A-90C1-F826E73A0BE9}" type="datetimeFigureOut">
               <a:rPr lang="en-US" smtClean="0"/>
-              <a:t>8/5/19</a:t>
+              <a:t>8/6/19</a:t>
             </a:fld>
             <a:endParaRPr lang="en-US"/>
           </a:p>
@@ -1978,7 +1983,7 @@
           <p:cNvPr id="4" name="Footer Placeholder 3">
             <a:extLst>
               <a:ext uri="{FF2B5EF4-FFF2-40B4-BE49-F238E27FC236}">
-                <a16:creationId xmlns:a16="http://schemas.microsoft.com/office/drawing/2014/main" id="{10D72A72-6CA3-8544-B354-3032142DA0EA}"/>
+                <a16:creationId xmlns:a16="http://schemas.microsoft.com/office/drawing/2014/main" id="{A572B356-104E-8E40-898D-C49BEC5FB678}"/>
               </a:ext>
             </a:extLst>
           </p:cNvPr>
@@ -2003,7 +2008,7 @@
           <p:cNvPr id="5" name="Slide Number Placeholder 4">
             <a:extLst>
               <a:ext uri="{FF2B5EF4-FFF2-40B4-BE49-F238E27FC236}">
-                <a16:creationId xmlns:a16="http://schemas.microsoft.com/office/drawing/2014/main" id="{AB5E4D38-4174-574C-8C0C-3267C1B3D9C3}"/>
+                <a16:creationId xmlns:a16="http://schemas.microsoft.com/office/drawing/2014/main" id="{030D837D-2345-B248-914C-B196B3408B93}"/>
               </a:ext>
             </a:extLst>
           </p:cNvPr>
@@ -2030,7 +2035,7 @@
     </p:spTree>
     <p:extLst>
       <p:ext uri="{BB962C8B-B14F-4D97-AF65-F5344CB8AC3E}">
-        <p14:creationId xmlns:p14="http://schemas.microsoft.com/office/powerpoint/2010/main" val="3520489464"/>
+        <p14:creationId xmlns:p14="http://schemas.microsoft.com/office/powerpoint/2010/main" val="1519665781"/>
       </p:ext>
     </p:extLst>
   </p:cSld>
@@ -2062,7 +2067,7 @@
           <p:cNvPr id="2" name="Date Placeholder 1">
             <a:extLst>
               <a:ext uri="{FF2B5EF4-FFF2-40B4-BE49-F238E27FC236}">
-                <a16:creationId xmlns:a16="http://schemas.microsoft.com/office/drawing/2014/main" id="{383DBC63-1ACC-8343-982F-A09006431CF6}"/>
+                <a16:creationId xmlns:a16="http://schemas.microsoft.com/office/drawing/2014/main" id="{C8CEA3DC-C37D-9B40-9409-4F67FC6D2883}"/>
               </a:ext>
             </a:extLst>
           </p:cNvPr>
@@ -2080,7 +2085,7 @@
           <a:p>
             <a:fld id="{15F68CBF-D64B-594A-90C1-F826E73A0BE9}" type="datetimeFigureOut">
               <a:rPr lang="en-US" smtClean="0"/>
-              <a:t>8/5/19</a:t>
+              <a:t>8/6/19</a:t>
             </a:fld>
             <a:endParaRPr lang="en-US"/>
           </a:p>
@@ -2091,7 +2096,7 @@
           <p:cNvPr id="3" name="Footer Placeholder 2">
             <a:extLst>
               <a:ext uri="{FF2B5EF4-FFF2-40B4-BE49-F238E27FC236}">
-                <a16:creationId xmlns:a16="http://schemas.microsoft.com/office/drawing/2014/main" id="{F8177395-ADFB-CA44-886F-86F48EFF9BAF}"/>
+                <a16:creationId xmlns:a16="http://schemas.microsoft.com/office/drawing/2014/main" id="{455937E2-130B-BA47-9F88-EA84C6EDEED0}"/>
               </a:ext>
             </a:extLst>
           </p:cNvPr>
@@ -2116,7 +2121,7 @@
           <p:cNvPr id="4" name="Slide Number Placeholder 3">
             <a:extLst>
               <a:ext uri="{FF2B5EF4-FFF2-40B4-BE49-F238E27FC236}">
-                <a16:creationId xmlns:a16="http://schemas.microsoft.com/office/drawing/2014/main" id="{F03D528B-B0C2-5B4F-A258-B3400E19D08D}"/>
+                <a16:creationId xmlns:a16="http://schemas.microsoft.com/office/drawing/2014/main" id="{5FF89E2B-2585-3342-A575-F78A656455E5}"/>
               </a:ext>
             </a:extLst>
           </p:cNvPr>
@@ -2143,7 +2148,7 @@
     </p:spTree>
     <p:extLst>
       <p:ext uri="{BB962C8B-B14F-4D97-AF65-F5344CB8AC3E}">
-        <p14:creationId xmlns:p14="http://schemas.microsoft.com/office/powerpoint/2010/main" val="960158980"/>
+        <p14:creationId xmlns:p14="http://schemas.microsoft.com/office/powerpoint/2010/main" val="2166394313"/>
       </p:ext>
     </p:extLst>
   </p:cSld>
@@ -2175,7 +2180,7 @@
           <p:cNvPr id="2" name="Title 1">
             <a:extLst>
               <a:ext uri="{FF2B5EF4-FFF2-40B4-BE49-F238E27FC236}">
-                <a16:creationId xmlns:a16="http://schemas.microsoft.com/office/drawing/2014/main" id="{60122929-E2E9-5246-AA86-9648E28CDCC4}"/>
+                <a16:creationId xmlns:a16="http://schemas.microsoft.com/office/drawing/2014/main" id="{A5A43AC5-1A3E-3440-A46F-AAE2949688EB}"/>
               </a:ext>
             </a:extLst>
           </p:cNvPr>
@@ -2212,7 +2217,7 @@
           <p:cNvPr id="3" name="Content Placeholder 2">
             <a:extLst>
               <a:ext uri="{FF2B5EF4-FFF2-40B4-BE49-F238E27FC236}">
-                <a16:creationId xmlns:a16="http://schemas.microsoft.com/office/drawing/2014/main" id="{0169A565-4416-914F-A934-581E1C8540A0}"/>
+                <a16:creationId xmlns:a16="http://schemas.microsoft.com/office/drawing/2014/main" id="{DF28FAB5-6137-2C4A-A594-55E3F6532DC7}"/>
               </a:ext>
             </a:extLst>
           </p:cNvPr>
@@ -2302,7 +2307,7 @@
           <p:cNvPr id="4" name="Text Placeholder 3">
             <a:extLst>
               <a:ext uri="{FF2B5EF4-FFF2-40B4-BE49-F238E27FC236}">
-                <a16:creationId xmlns:a16="http://schemas.microsoft.com/office/drawing/2014/main" id="{7300BEC5-B512-FC48-BC09-CF0A218592AC}"/>
+                <a16:creationId xmlns:a16="http://schemas.microsoft.com/office/drawing/2014/main" id="{0ABC5818-1D50-CD42-A719-CFEAB59CA2E5}"/>
               </a:ext>
             </a:extLst>
           </p:cNvPr>
@@ -2373,7 +2378,7 @@
           <p:cNvPr id="5" name="Date Placeholder 4">
             <a:extLst>
               <a:ext uri="{FF2B5EF4-FFF2-40B4-BE49-F238E27FC236}">
-                <a16:creationId xmlns:a16="http://schemas.microsoft.com/office/drawing/2014/main" id="{70F5FB46-E3DD-564D-AE02-3E31992E23E6}"/>
+                <a16:creationId xmlns:a16="http://schemas.microsoft.com/office/drawing/2014/main" id="{6BC18AF1-B6EF-8A4A-8A46-FA4B33AD6570}"/>
               </a:ext>
             </a:extLst>
           </p:cNvPr>
@@ -2391,7 +2396,7 @@
           <a:p>
             <a:fld id="{15F68CBF-D64B-594A-90C1-F826E73A0BE9}" type="datetimeFigureOut">
               <a:rPr lang="en-US" smtClean="0"/>
-              <a:t>8/5/19</a:t>
+              <a:t>8/6/19</a:t>
             </a:fld>
             <a:endParaRPr lang="en-US"/>
           </a:p>
@@ -2402,7 +2407,7 @@
           <p:cNvPr id="6" name="Footer Placeholder 5">
             <a:extLst>
               <a:ext uri="{FF2B5EF4-FFF2-40B4-BE49-F238E27FC236}">
-                <a16:creationId xmlns:a16="http://schemas.microsoft.com/office/drawing/2014/main" id="{50576A8C-B4C4-D240-9233-172EDE2D314E}"/>
+                <a16:creationId xmlns:a16="http://schemas.microsoft.com/office/drawing/2014/main" id="{93D16CC3-9DD3-4149-ABD8-33507299DC15}"/>
               </a:ext>
             </a:extLst>
           </p:cNvPr>
@@ -2427,7 +2432,7 @@
           <p:cNvPr id="7" name="Slide Number Placeholder 6">
             <a:extLst>
               <a:ext uri="{FF2B5EF4-FFF2-40B4-BE49-F238E27FC236}">
-                <a16:creationId xmlns:a16="http://schemas.microsoft.com/office/drawing/2014/main" id="{7974492B-06C0-CA42-9EB3-85E8D825A96A}"/>
+                <a16:creationId xmlns:a16="http://schemas.microsoft.com/office/drawing/2014/main" id="{C74F8662-F783-994E-9AEF-3D616470DD8A}"/>
               </a:ext>
             </a:extLst>
           </p:cNvPr>
@@ -2454,7 +2459,7 @@
     </p:spTree>
     <p:extLst>
       <p:ext uri="{BB962C8B-B14F-4D97-AF65-F5344CB8AC3E}">
-        <p14:creationId xmlns:p14="http://schemas.microsoft.com/office/powerpoint/2010/main" val="187994803"/>
+        <p14:creationId xmlns:p14="http://schemas.microsoft.com/office/powerpoint/2010/main" val="2284705116"/>
       </p:ext>
     </p:extLst>
   </p:cSld>
@@ -2486,7 +2491,7 @@
           <p:cNvPr id="2" name="Title 1">
             <a:extLst>
               <a:ext uri="{FF2B5EF4-FFF2-40B4-BE49-F238E27FC236}">
-                <a16:creationId xmlns:a16="http://schemas.microsoft.com/office/drawing/2014/main" id="{680AB32A-A49A-F149-8227-7D00DEF0C224}"/>
+                <a16:creationId xmlns:a16="http://schemas.microsoft.com/office/drawing/2014/main" id="{A72042F5-1B93-F949-AAD9-6DD5E4E5F4F5}"/>
               </a:ext>
             </a:extLst>
           </p:cNvPr>
@@ -2523,7 +2528,7 @@
           <p:cNvPr id="3" name="Picture Placeholder 2">
             <a:extLst>
               <a:ext uri="{FF2B5EF4-FFF2-40B4-BE49-F238E27FC236}">
-                <a16:creationId xmlns:a16="http://schemas.microsoft.com/office/drawing/2014/main" id="{B65BABC2-F1F7-2B4A-8114-0C19D499D1A1}"/>
+                <a16:creationId xmlns:a16="http://schemas.microsoft.com/office/drawing/2014/main" id="{BED789B5-2644-1644-ACA8-4863D3D03B33}"/>
               </a:ext>
             </a:extLst>
           </p:cNvPr>
@@ -2590,7 +2595,7 @@
           <p:cNvPr id="4" name="Text Placeholder 3">
             <a:extLst>
               <a:ext uri="{FF2B5EF4-FFF2-40B4-BE49-F238E27FC236}">
-                <a16:creationId xmlns:a16="http://schemas.microsoft.com/office/drawing/2014/main" id="{08216C82-9760-8946-A4C7-01E7D8720ECF}"/>
+                <a16:creationId xmlns:a16="http://schemas.microsoft.com/office/drawing/2014/main" id="{58664F6F-EC50-7D4E-A820-978829C497EB}"/>
               </a:ext>
             </a:extLst>
           </p:cNvPr>
@@ -2661,7 +2666,7 @@
           <p:cNvPr id="5" name="Date Placeholder 4">
             <a:extLst>
               <a:ext uri="{FF2B5EF4-FFF2-40B4-BE49-F238E27FC236}">
-                <a16:creationId xmlns:a16="http://schemas.microsoft.com/office/drawing/2014/main" id="{BBB69A22-A56F-EC4A-AC61-1FB86CCC5041}"/>
+                <a16:creationId xmlns:a16="http://schemas.microsoft.com/office/drawing/2014/main" id="{DE8F8DA0-B6CF-8140-9077-72493A5FE7C2}"/>
               </a:ext>
             </a:extLst>
           </p:cNvPr>
@@ -2679,7 +2684,7 @@
           <a:p>
             <a:fld id="{15F68CBF-D64B-594A-90C1-F826E73A0BE9}" type="datetimeFigureOut">
               <a:rPr lang="en-US" smtClean="0"/>
-              <a:t>8/5/19</a:t>
+              <a:t>8/6/19</a:t>
             </a:fld>
             <a:endParaRPr lang="en-US"/>
           </a:p>
@@ -2690,7 +2695,7 @@
           <p:cNvPr id="6" name="Footer Placeholder 5">
             <a:extLst>
               <a:ext uri="{FF2B5EF4-FFF2-40B4-BE49-F238E27FC236}">
-                <a16:creationId xmlns:a16="http://schemas.microsoft.com/office/drawing/2014/main" id="{39D7C424-4353-9D4F-9785-E2F92ED9D5EF}"/>
+                <a16:creationId xmlns:a16="http://schemas.microsoft.com/office/drawing/2014/main" id="{779812F1-9224-1B40-99EB-F85965619C4E}"/>
               </a:ext>
             </a:extLst>
           </p:cNvPr>
@@ -2715,7 +2720,7 @@
           <p:cNvPr id="7" name="Slide Number Placeholder 6">
             <a:extLst>
               <a:ext uri="{FF2B5EF4-FFF2-40B4-BE49-F238E27FC236}">
-                <a16:creationId xmlns:a16="http://schemas.microsoft.com/office/drawing/2014/main" id="{38F11332-8097-7D4C-BB22-554EA768E52B}"/>
+                <a16:creationId xmlns:a16="http://schemas.microsoft.com/office/drawing/2014/main" id="{7A129B70-CD6F-294E-B515-8BE0F2F3295C}"/>
               </a:ext>
             </a:extLst>
           </p:cNvPr>
@@ -2742,7 +2747,7 @@
     </p:spTree>
     <p:extLst>
       <p:ext uri="{BB962C8B-B14F-4D97-AF65-F5344CB8AC3E}">
-        <p14:creationId xmlns:p14="http://schemas.microsoft.com/office/powerpoint/2010/main" val="1509999067"/>
+        <p14:creationId xmlns:p14="http://schemas.microsoft.com/office/powerpoint/2010/main" val="3773712310"/>
       </p:ext>
     </p:extLst>
   </p:cSld>
@@ -2779,7 +2784,7 @@
           <p:cNvPr id="2" name="Title Placeholder 1">
             <a:extLst>
               <a:ext uri="{FF2B5EF4-FFF2-40B4-BE49-F238E27FC236}">
-                <a16:creationId xmlns:a16="http://schemas.microsoft.com/office/drawing/2014/main" id="{95C36FC1-2E5A-C143-B5BE-CD145FD61407}"/>
+                <a16:creationId xmlns:a16="http://schemas.microsoft.com/office/drawing/2014/main" id="{131E021A-75BD-354E-B266-24FFDEA8108B}"/>
               </a:ext>
             </a:extLst>
           </p:cNvPr>
@@ -2817,7 +2822,7 @@
           <p:cNvPr id="3" name="Text Placeholder 2">
             <a:extLst>
               <a:ext uri="{FF2B5EF4-FFF2-40B4-BE49-F238E27FC236}">
-                <a16:creationId xmlns:a16="http://schemas.microsoft.com/office/drawing/2014/main" id="{A8F4D974-9C46-5247-BD0D-9782A0C0B5C7}"/>
+                <a16:creationId xmlns:a16="http://schemas.microsoft.com/office/drawing/2014/main" id="{52250547-03EC-E348-AC6E-1A3663A3658B}"/>
               </a:ext>
             </a:extLst>
           </p:cNvPr>
@@ -2884,7 +2889,7 @@
           <p:cNvPr id="4" name="Date Placeholder 3">
             <a:extLst>
               <a:ext uri="{FF2B5EF4-FFF2-40B4-BE49-F238E27FC236}">
-                <a16:creationId xmlns:a16="http://schemas.microsoft.com/office/drawing/2014/main" id="{978F75EB-BBB2-994D-ADDF-7084F8FF1240}"/>
+                <a16:creationId xmlns:a16="http://schemas.microsoft.com/office/drawing/2014/main" id="{1474B537-EE0F-C747-ADAF-1B6F1F59B8E8}"/>
               </a:ext>
             </a:extLst>
           </p:cNvPr>
@@ -2920,7 +2925,7 @@
           <a:p>
             <a:fld id="{15F68CBF-D64B-594A-90C1-F826E73A0BE9}" type="datetimeFigureOut">
               <a:rPr lang="en-US" smtClean="0"/>
-              <a:t>8/5/19</a:t>
+              <a:t>8/6/19</a:t>
             </a:fld>
             <a:endParaRPr lang="en-US"/>
           </a:p>
@@ -2931,7 +2936,7 @@
           <p:cNvPr id="5" name="Footer Placeholder 4">
             <a:extLst>
               <a:ext uri="{FF2B5EF4-FFF2-40B4-BE49-F238E27FC236}">
-                <a16:creationId xmlns:a16="http://schemas.microsoft.com/office/drawing/2014/main" id="{E11E21D4-3D70-C04C-A2AE-9426D5F3DED3}"/>
+                <a16:creationId xmlns:a16="http://schemas.microsoft.com/office/drawing/2014/main" id="{69710F83-BDE3-0742-B8B6-A30CBBDD4791}"/>
               </a:ext>
             </a:extLst>
           </p:cNvPr>
@@ -2974,7 +2979,7 @@
           <p:cNvPr id="6" name="Slide Number Placeholder 5">
             <a:extLst>
               <a:ext uri="{FF2B5EF4-FFF2-40B4-BE49-F238E27FC236}">
-                <a16:creationId xmlns:a16="http://schemas.microsoft.com/office/drawing/2014/main" id="{1694BCC0-6CC2-A24E-8395-D087DBEFF432}"/>
+                <a16:creationId xmlns:a16="http://schemas.microsoft.com/office/drawing/2014/main" id="{3831E938-CE20-9146-950F-2820E65C6A16}"/>
               </a:ext>
             </a:extLst>
           </p:cNvPr>
@@ -3019,23 +3024,23 @@
     </p:spTree>
     <p:extLst>
       <p:ext uri="{BB962C8B-B14F-4D97-AF65-F5344CB8AC3E}">
-        <p14:creationId xmlns:p14="http://schemas.microsoft.com/office/powerpoint/2010/main" val="776177517"/>
+        <p14:creationId xmlns:p14="http://schemas.microsoft.com/office/powerpoint/2010/main" val="2655766744"/>
       </p:ext>
     </p:extLst>
   </p:cSld>
   <p:clrMap bg1="lt1" tx1="dk1" bg2="lt2" tx2="dk2" accent1="accent1" accent2="accent2" accent3="accent3" accent4="accent4" accent5="accent5" accent6="accent6" hlink="hlink" folHlink="folHlink"/>
   <p:sldLayoutIdLst>
-    <p:sldLayoutId id="2147483649" r:id="rId1"/>
-    <p:sldLayoutId id="2147483650" r:id="rId2"/>
-    <p:sldLayoutId id="2147483651" r:id="rId3"/>
-    <p:sldLayoutId id="2147483652" r:id="rId4"/>
-    <p:sldLayoutId id="2147483653" r:id="rId5"/>
-    <p:sldLayoutId id="2147483654" r:id="rId6"/>
-    <p:sldLayoutId id="2147483655" r:id="rId7"/>
-    <p:sldLayoutId id="2147483656" r:id="rId8"/>
-    <p:sldLayoutId id="2147483657" r:id="rId9"/>
-    <p:sldLayoutId id="2147483658" r:id="rId10"/>
-    <p:sldLayoutId id="2147483659" r:id="rId11"/>
+    <p:sldLayoutId id="2147483767" r:id="rId1"/>
+    <p:sldLayoutId id="2147483768" r:id="rId2"/>
+    <p:sldLayoutId id="2147483769" r:id="rId3"/>
+    <p:sldLayoutId id="2147483770" r:id="rId4"/>
+    <p:sldLayoutId id="2147483771" r:id="rId5"/>
+    <p:sldLayoutId id="2147483772" r:id="rId6"/>
+    <p:sldLayoutId id="2147483773" r:id="rId7"/>
+    <p:sldLayoutId id="2147483774" r:id="rId8"/>
+    <p:sldLayoutId id="2147483775" r:id="rId9"/>
+    <p:sldLayoutId id="2147483776" r:id="rId10"/>
+    <p:sldLayoutId id="2147483777" r:id="rId11"/>
   </p:sldLayoutIdLst>
   <p:txStyles>
     <p:titleStyle>
@@ -3359,8 +3364,8 @@
           <a:lstStyle/>
           <a:p>
             <a:r>
-              <a:rPr lang="en-US" dirty="0" err="1"/>
-              <a:t>Travellanzy</a:t>
+              <a:rPr lang="en-US"/>
+              <a:t>Travellenzy</a:t>
             </a:r>
             <a:endParaRPr lang="en-US" dirty="0"/>
           </a:p>
@@ -3388,9 +3393,10 @@
           <a:lstStyle/>
           <a:p>
             <a:r>
-              <a:rPr lang="en-US" dirty="0"/>
+              <a:rPr lang="en-US"/>
               <a:t>Pankaj &amp; Samuel</a:t>
             </a:r>
+            <a:endParaRPr lang="en-US" dirty="0"/>
           </a:p>
         </p:txBody>
       </p:sp>
@@ -3429,7 +3435,7 @@
           <p:cNvPr id="2" name="Title 1">
             <a:extLst>
               <a:ext uri="{FF2B5EF4-FFF2-40B4-BE49-F238E27FC236}">
-                <a16:creationId xmlns:a16="http://schemas.microsoft.com/office/drawing/2014/main" id="{18ED81E4-2769-7B43-A3DB-8B14D96EB456}"/>
+                <a16:creationId xmlns:a16="http://schemas.microsoft.com/office/drawing/2014/main" id="{31903957-C20B-504A-A195-990A0E088BB0}"/>
               </a:ext>
             </a:extLst>
           </p:cNvPr>
@@ -3447,7 +3453,7 @@
           <a:p>
             <a:r>
               <a:rPr lang="en-US" dirty="0"/>
-              <a:t>Target users/Use cases  </a:t>
+              <a:t>Data Storage: Approaches</a:t>
             </a:r>
           </a:p>
         </p:txBody>
@@ -3457,7 +3463,7 @@
           <p:cNvPr id="3" name="Content Placeholder 2">
             <a:extLst>
               <a:ext uri="{FF2B5EF4-FFF2-40B4-BE49-F238E27FC236}">
-                <a16:creationId xmlns:a16="http://schemas.microsoft.com/office/drawing/2014/main" id="{F0A5B24F-A004-1746-8214-1574525600CC}"/>
+                <a16:creationId xmlns:a16="http://schemas.microsoft.com/office/drawing/2014/main" id="{DEBF111B-338E-5B4E-A4E7-D031423356DC}"/>
               </a:ext>
             </a:extLst>
           </p:cNvPr>
@@ -3470,26 +3476,174 @@
         </p:nvSpPr>
         <p:spPr/>
         <p:txBody>
-          <a:bodyPr/>
-          <a:lstStyle/>
-          <a:p>
-            <a:r>
-              <a:rPr lang="en-US" dirty="0"/>
-              <a:t>Travelers </a:t>
-            </a:r>
-          </a:p>
-          <a:p>
-            <a:r>
-              <a:rPr lang="en-US" dirty="0"/>
-              <a:t>Researchers </a:t>
-            </a:r>
-          </a:p>
-        </p:txBody>
-      </p:sp>
+          <a:bodyPr>
+            <a:normAutofit/>
+          </a:bodyPr>
+          <a:lstStyle/>
+          <a:p>
+            <a:r>
+              <a:rPr lang="en-US" dirty="0"/>
+              <a:t>Handling transformed data</a:t>
+            </a:r>
+          </a:p>
+          <a:p>
+            <a:pPr lvl="1"/>
+            <a:r>
+              <a:rPr lang="en-US" dirty="0"/>
+              <a:t>Map to storage specific semantics. ORM for relational model, Json for Mongo </a:t>
+            </a:r>
+          </a:p>
+          <a:p>
+            <a:pPr lvl="1"/>
+            <a:r>
+              <a:rPr lang="en-US" dirty="0"/>
+              <a:t>Tools: </a:t>
+            </a:r>
+            <a:r>
+              <a:rPr lang="en-US" dirty="0" err="1"/>
+              <a:t>sqlalchemy</a:t>
+            </a:r>
+            <a:r>
+              <a:rPr lang="en-US" dirty="0"/>
+              <a:t> , hibernate, object to json converter.</a:t>
+            </a:r>
+          </a:p>
+          <a:p>
+            <a:r>
+              <a:rPr lang="en-US" dirty="0"/>
+              <a:t>Storage solutions:</a:t>
+            </a:r>
+          </a:p>
+          <a:p>
+            <a:pPr lvl="1"/>
+            <a:r>
+              <a:rPr lang="en-US" dirty="0"/>
+              <a:t>Databases:         </a:t>
+            </a:r>
+            <a:r>
+              <a:rPr lang="en-US" dirty="0" err="1"/>
+              <a:t>Veriety</a:t>
+            </a:r>
+            <a:r>
+              <a:rPr lang="en-US" dirty="0"/>
+              <a:t> of them based on specific needs. </a:t>
+            </a:r>
+          </a:p>
+          <a:p>
+            <a:pPr lvl="1"/>
+            <a:r>
+              <a:rPr lang="en-US" dirty="0"/>
+              <a:t>Relational, key/</a:t>
+            </a:r>
+            <a:r>
+              <a:rPr lang="en-US" dirty="0" err="1"/>
+              <a:t>value,document</a:t>
+            </a:r>
+            <a:r>
+              <a:rPr lang="en-US" dirty="0"/>
+              <a:t>, </a:t>
+            </a:r>
+            <a:r>
+              <a:rPr lang="en-US" dirty="0" err="1"/>
+              <a:t>graph,column</a:t>
+            </a:r>
+            <a:r>
+              <a:rPr lang="en-US" dirty="0"/>
+              <a:t>, timeseries, test based etc.</a:t>
+            </a:r>
+          </a:p>
+          <a:p>
+            <a:pPr lvl="1"/>
+            <a:r>
+              <a:rPr lang="en-US" dirty="0"/>
+              <a:t>Files: Based on data format. Hdf5, csv, json , </a:t>
+            </a:r>
+            <a:r>
+              <a:rPr lang="en-US" dirty="0" err="1"/>
+              <a:t>yaml</a:t>
+            </a:r>
+            <a:r>
+              <a:rPr lang="en-US" dirty="0"/>
+              <a:t> are some common formats.</a:t>
+            </a:r>
+          </a:p>
+          <a:p>
+            <a:r>
+              <a:rPr lang="en-US" dirty="0"/>
+              <a:t>Data Storage Interaction:</a:t>
+            </a:r>
+          </a:p>
+          <a:p>
+            <a:pPr lvl="1"/>
+            <a:r>
+              <a:rPr lang="en-US" dirty="0"/>
+              <a:t>Define contract to get data from storage. It could be system supported like </a:t>
+            </a:r>
+            <a:r>
+              <a:rPr lang="en-US" dirty="0" err="1"/>
+              <a:t>sql</a:t>
+            </a:r>
+            <a:r>
+              <a:rPr lang="en-US" dirty="0"/>
+              <a:t> or </a:t>
+            </a:r>
+            <a:r>
+              <a:rPr lang="en-US" dirty="0" err="1"/>
+              <a:t>rdd</a:t>
+            </a:r>
+            <a:r>
+              <a:rPr lang="en-US" dirty="0"/>
+              <a:t>  or custom made</a:t>
+            </a:r>
+          </a:p>
+          <a:p>
+            <a:pPr marL="0" indent="0">
+              <a:buNone/>
+            </a:pPr>
+            <a:endParaRPr lang="en-US" dirty="0"/>
+          </a:p>
+        </p:txBody>
+      </p:sp>
+      <p:pic>
+        <p:nvPicPr>
+          <p:cNvPr id="4" name="Picture 3" descr="Layered Database Source Documents by barrymieny on DeviantArt">
+            <a:extLst>
+              <a:ext uri="{FF2B5EF4-FFF2-40B4-BE49-F238E27FC236}">
+                <a16:creationId xmlns:a16="http://schemas.microsoft.com/office/drawing/2014/main" id="{49FA735E-56AC-D24C-AF71-4280D2413263}"/>
+              </a:ext>
+            </a:extLst>
+          </p:cNvPr>
+          <p:cNvPicPr>
+            <a:picLocks noChangeAspect="1"/>
+          </p:cNvPicPr>
+          <p:nvPr/>
+        </p:nvPicPr>
+        <p:blipFill>
+          <a:blip r:embed="rId2">
+            <a:extLst>
+              <a:ext uri="{837473B0-CC2E-450A-ABE3-18F120FF3D39}">
+                <a1611:picAttrSrcUrl xmlns:a1611="http://schemas.microsoft.com/office/drawing/2016/11/main" r:id="rId3"/>
+              </a:ext>
+            </a:extLst>
+          </a:blip>
+          <a:stretch>
+            <a:fillRect/>
+          </a:stretch>
+        </p:blipFill>
+        <p:spPr>
+          <a:xfrm>
+            <a:off x="3023616" y="3464846"/>
+            <a:ext cx="536448" cy="536448"/>
+          </a:xfrm>
+          <a:prstGeom prst="rect">
+            <a:avLst/>
+          </a:prstGeom>
+        </p:spPr>
+      </p:pic>
     </p:spTree>
     <p:extLst>
       <p:ext uri="{BB962C8B-B14F-4D97-AF65-F5344CB8AC3E}">
-        <p14:creationId xmlns:p14="http://schemas.microsoft.com/office/powerpoint/2010/main" val="4291896012"/>
+        <p14:creationId xmlns:p14="http://schemas.microsoft.com/office/powerpoint/2010/main" val="3637130224"/>
       </p:ext>
     </p:extLst>
   </p:cSld>
@@ -3521,7 +3675,7 @@
           <p:cNvPr id="2" name="Title 1">
             <a:extLst>
               <a:ext uri="{FF2B5EF4-FFF2-40B4-BE49-F238E27FC236}">
-                <a16:creationId xmlns:a16="http://schemas.microsoft.com/office/drawing/2014/main" id="{0BBABE2B-710E-6E48-93D3-DB7B86D1F7C2}"/>
+                <a16:creationId xmlns:a16="http://schemas.microsoft.com/office/drawing/2014/main" id="{945ED3B2-212B-1342-ABBF-69288B7C997F}"/>
               </a:ext>
             </a:extLst>
           </p:cNvPr>
@@ -3539,55 +3693,47 @@
           <a:p>
             <a:r>
               <a:rPr lang="en-US" dirty="0"/>
-              <a:t>Future Enhancements</a:t>
-            </a:r>
-          </a:p>
-        </p:txBody>
-      </p:sp>
-      <p:sp>
-        <p:nvSpPr>
-          <p:cNvPr id="3" name="Content Placeholder 2">
-            <a:extLst>
-              <a:ext uri="{FF2B5EF4-FFF2-40B4-BE49-F238E27FC236}">
-                <a16:creationId xmlns:a16="http://schemas.microsoft.com/office/drawing/2014/main" id="{27208CE8-F6BE-8D4F-B026-A77820505E98}"/>
-              </a:ext>
-            </a:extLst>
-          </p:cNvPr>
-          <p:cNvSpPr>
-            <a:spLocks noGrp="1"/>
-          </p:cNvSpPr>
+              <a:t>Data Storage : Systems</a:t>
+            </a:r>
+          </a:p>
+        </p:txBody>
+      </p:sp>
+      <p:pic>
+        <p:nvPicPr>
+          <p:cNvPr id="4" name="Content Placeholder 3">
+            <a:extLst>
+              <a:ext uri="{FF2B5EF4-FFF2-40B4-BE49-F238E27FC236}">
+                <a16:creationId xmlns:a16="http://schemas.microsoft.com/office/drawing/2014/main" id="{10B2FA56-EC1A-884B-97C6-19CF401F0944}"/>
+              </a:ext>
+            </a:extLst>
+          </p:cNvPr>
+          <p:cNvPicPr>
+            <a:picLocks noGrp="1" noChangeAspect="1"/>
+          </p:cNvPicPr>
           <p:nvPr>
             <p:ph idx="1"/>
           </p:nvPr>
-        </p:nvSpPr>
-        <p:spPr/>
-        <p:txBody>
-          <a:bodyPr/>
-          <a:lstStyle/>
-          <a:p>
-            <a:r>
-              <a:rPr lang="en-US" dirty="0"/>
-              <a:t>Streamed Data from Spark</a:t>
-            </a:r>
-          </a:p>
-          <a:p>
-            <a:r>
-              <a:rPr lang="en-US" dirty="0"/>
-              <a:t>Integrate user feedback and do some analytics on that </a:t>
-            </a:r>
-          </a:p>
-          <a:p>
-            <a:r>
-              <a:rPr lang="en-US" dirty="0"/>
-              <a:t>Recommendation Engine</a:t>
-            </a:r>
-          </a:p>
-        </p:txBody>
-      </p:sp>
+        </p:nvPicPr>
+        <p:blipFill>
+          <a:blip r:embed="rId2"/>
+          <a:stretch>
+            <a:fillRect/>
+          </a:stretch>
+        </p:blipFill>
+        <p:spPr>
+          <a:xfrm>
+            <a:off x="1584959" y="2670049"/>
+            <a:ext cx="7958869" cy="3073008"/>
+          </a:xfrm>
+          <a:prstGeom prst="rect">
+            <a:avLst/>
+          </a:prstGeom>
+        </p:spPr>
+      </p:pic>
     </p:spTree>
     <p:extLst>
       <p:ext uri="{BB962C8B-B14F-4D97-AF65-F5344CB8AC3E}">
-        <p14:creationId xmlns:p14="http://schemas.microsoft.com/office/powerpoint/2010/main" val="3623047502"/>
+        <p14:creationId xmlns:p14="http://schemas.microsoft.com/office/powerpoint/2010/main" val="2461647697"/>
       </p:ext>
     </p:extLst>
   </p:cSld>
@@ -3619,7 +3765,7 @@
           <p:cNvPr id="2" name="Title 1">
             <a:extLst>
               <a:ext uri="{FF2B5EF4-FFF2-40B4-BE49-F238E27FC236}">
-                <a16:creationId xmlns:a16="http://schemas.microsoft.com/office/drawing/2014/main" id="{1517117D-EDC6-E249-A102-430954D56233}"/>
+                <a16:creationId xmlns:a16="http://schemas.microsoft.com/office/drawing/2014/main" id="{41879D9A-2A01-5C48-B669-3452A5E542E0}"/>
               </a:ext>
             </a:extLst>
           </p:cNvPr>
@@ -3637,7 +3783,7 @@
           <a:p>
             <a:r>
               <a:rPr lang="en-US" dirty="0"/>
-              <a:t>Demo</a:t>
+              <a:t>Data Presentation Tools</a:t>
             </a:r>
           </a:p>
         </p:txBody>
@@ -3647,7 +3793,7 @@
           <p:cNvPr id="3" name="Content Placeholder 2">
             <a:extLst>
               <a:ext uri="{FF2B5EF4-FFF2-40B4-BE49-F238E27FC236}">
-                <a16:creationId xmlns:a16="http://schemas.microsoft.com/office/drawing/2014/main" id="{43D997DB-3D84-154D-8D04-555904B90AD8}"/>
+                <a16:creationId xmlns:a16="http://schemas.microsoft.com/office/drawing/2014/main" id="{E61E4E4F-C50D-864F-BFF0-2A5060136217}"/>
               </a:ext>
             </a:extLst>
           </p:cNvPr>
@@ -3660,17 +3806,115 @@
         </p:nvSpPr>
         <p:spPr/>
         <p:txBody>
-          <a:bodyPr/>
-          <a:lstStyle/>
-          <a:p>
-            <a:endParaRPr lang="en-US"/>
+          <a:bodyPr>
+            <a:normAutofit/>
+          </a:bodyPr>
+          <a:lstStyle/>
+          <a:p>
+            <a:r>
+              <a:rPr lang="en-US" dirty="0"/>
+              <a:t>Presentation of collected is important. It can be either via storage specific tools or via custom tools.</a:t>
+            </a:r>
+          </a:p>
+          <a:p>
+            <a:r>
+              <a:rPr lang="en-US" dirty="0"/>
+              <a:t>System Supported graphing tools</a:t>
+            </a:r>
+          </a:p>
+          <a:p>
+            <a:pPr lvl="1"/>
+            <a:r>
+              <a:rPr lang="en-US" dirty="0"/>
+              <a:t>Compass for </a:t>
+            </a:r>
+            <a:r>
+              <a:rPr lang="en-US" dirty="0" err="1"/>
+              <a:t>mongodb</a:t>
+            </a:r>
+            <a:r>
+              <a:rPr lang="en-US" dirty="0"/>
+              <a:t>, </a:t>
+            </a:r>
+            <a:r>
+              <a:rPr lang="en-US" dirty="0" err="1"/>
+              <a:t>graphna</a:t>
+            </a:r>
+            <a:r>
+              <a:rPr lang="en-US" dirty="0"/>
+              <a:t> for some timeseries solutions, elastic search, </a:t>
+            </a:r>
+            <a:r>
+              <a:rPr lang="en-US" dirty="0" err="1"/>
+              <a:t>tableu</a:t>
+            </a:r>
+            <a:r>
+              <a:rPr lang="en-US" dirty="0"/>
+              <a:t>. </a:t>
+            </a:r>
+          </a:p>
+          <a:p>
+            <a:r>
+              <a:rPr lang="en-US" dirty="0"/>
+              <a:t>Custom tools:</a:t>
+            </a:r>
+          </a:p>
+          <a:p>
+            <a:pPr lvl="1"/>
+            <a:r>
+              <a:rPr lang="en-US" dirty="0"/>
+              <a:t>Can be implemented using language </a:t>
+            </a:r>
+            <a:r>
+              <a:rPr lang="en-US" dirty="0" err="1"/>
+              <a:t>api’s</a:t>
+            </a:r>
+            <a:r>
+              <a:rPr lang="en-US" dirty="0"/>
+              <a:t> like </a:t>
+            </a:r>
+            <a:r>
+              <a:rPr lang="en-US" dirty="0" err="1"/>
+              <a:t>plotly</a:t>
+            </a:r>
+            <a:r>
+              <a:rPr lang="en-US" dirty="0"/>
+              <a:t> , </a:t>
+            </a:r>
+            <a:r>
+              <a:rPr lang="en-US" dirty="0" err="1"/>
+              <a:t>ggplot</a:t>
+            </a:r>
+            <a:r>
+              <a:rPr lang="en-US" dirty="0"/>
+              <a:t> , matplotlib.</a:t>
+            </a:r>
+          </a:p>
+          <a:p>
+            <a:r>
+              <a:rPr lang="en-US" dirty="0"/>
+              <a:t>Custom application.</a:t>
+            </a:r>
+          </a:p>
+          <a:p>
+            <a:r>
+              <a:rPr lang="en-US" dirty="0"/>
+              <a:t>Desktop Applications </a:t>
+            </a:r>
+          </a:p>
+          <a:p>
+            <a:endParaRPr lang="en-US" dirty="0"/>
+          </a:p>
+          <a:p>
+            <a:pPr lvl="1"/>
+            <a:endParaRPr lang="en-US" dirty="0"/>
           </a:p>
         </p:txBody>
       </p:sp>
     </p:spTree>
     <p:extLst>
       <p:ext uri="{BB962C8B-B14F-4D97-AF65-F5344CB8AC3E}">
-        <p14:creationId xmlns:p14="http://schemas.microsoft.com/office/powerpoint/2010/main" val="3273945038"/>
+        <p14:creationId xmlns:p14="http://schemas.microsoft.com/office/powerpoint/2010/main" val="2298353316"/>
       </p:ext>
     </p:extLst>
   </p:cSld>
@@ -3680,7 +3924,7 @@
 </p:sld>
 </file>
 
-<file path=ppt/slides/slide2.xml><?xml version="1.0" encoding="utf-8"?>
+<file path=ppt/slides/slide13.xml><?xml version="1.0" encoding="utf-8"?>
 <p:sld xmlns:a="http://schemas.openxmlformats.org/drawingml/2006/main" xmlns:r="http://schemas.openxmlformats.org/officeDocument/2006/relationships" xmlns:p="http://schemas.openxmlformats.org/presentationml/2006/main">
   <p:cSld>
     <p:spTree>
@@ -3702,6 +3946,1183 @@
           <p:cNvPr id="2" name="Title 1">
             <a:extLst>
               <a:ext uri="{FF2B5EF4-FFF2-40B4-BE49-F238E27FC236}">
+                <a16:creationId xmlns:a16="http://schemas.microsoft.com/office/drawing/2014/main" id="{0CF7C261-69C1-7A4A-870A-831C5230DBEF}"/>
+              </a:ext>
+            </a:extLst>
+          </p:cNvPr>
+          <p:cNvSpPr>
+            <a:spLocks noGrp="1"/>
+          </p:cNvSpPr>
+          <p:nvPr>
+            <p:ph type="title"/>
+          </p:nvPr>
+        </p:nvSpPr>
+        <p:spPr/>
+        <p:txBody>
+          <a:bodyPr/>
+          <a:lstStyle/>
+          <a:p>
+            <a:r>
+              <a:rPr lang="en-US" dirty="0"/>
+              <a:t>Data User  Interface</a:t>
+            </a:r>
+          </a:p>
+        </p:txBody>
+      </p:sp>
+      <p:sp>
+        <p:nvSpPr>
+          <p:cNvPr id="7" name="Content Placeholder 6">
+            <a:extLst>
+              <a:ext uri="{FF2B5EF4-FFF2-40B4-BE49-F238E27FC236}">
+                <a16:creationId xmlns:a16="http://schemas.microsoft.com/office/drawing/2014/main" id="{8ABD7C19-DC7B-9244-90C6-FC6883EDE500}"/>
+              </a:ext>
+            </a:extLst>
+          </p:cNvPr>
+          <p:cNvSpPr>
+            <a:spLocks noGrp="1"/>
+          </p:cNvSpPr>
+          <p:nvPr>
+            <p:ph idx="1"/>
+          </p:nvPr>
+        </p:nvSpPr>
+        <p:spPr>
+          <a:xfrm>
+            <a:off x="8932650" y="4068827"/>
+            <a:ext cx="1431165" cy="1232935"/>
+          </a:xfrm>
+          <a:prstGeom prst="flowChartMagneticDisk">
+            <a:avLst/>
+          </a:prstGeom>
+        </p:spPr>
+        <p:style>
+          <a:lnRef idx="2">
+            <a:schemeClr val="accent1">
+              <a:shade val="50000"/>
+            </a:schemeClr>
+          </a:lnRef>
+          <a:fillRef idx="1">
+            <a:schemeClr val="accent1"/>
+          </a:fillRef>
+          <a:effectRef idx="0">
+            <a:schemeClr val="accent1"/>
+          </a:effectRef>
+          <a:fontRef idx="minor">
+            <a:schemeClr val="lt1"/>
+          </a:fontRef>
+        </p:style>
+        <p:txBody>
+          <a:bodyPr rtlCol="0" anchor="ctr">
+            <a:normAutofit fontScale="85000" lnSpcReduction="20000"/>
+          </a:bodyPr>
+          <a:lstStyle/>
+          <a:p>
+            <a:pPr marL="0" indent="0" algn="ctr">
+              <a:buNone/>
+            </a:pPr>
+            <a:r>
+              <a:rPr lang="en-US" dirty="0"/>
+              <a:t>MONGO       DB</a:t>
+            </a:r>
+          </a:p>
+          <a:p>
+            <a:pPr marL="0" indent="0" algn="ctr">
+              <a:buNone/>
+            </a:pPr>
+            <a:endParaRPr lang="en-US" dirty="0"/>
+          </a:p>
+        </p:txBody>
+      </p:sp>
+      <p:sp>
+        <p:nvSpPr>
+          <p:cNvPr id="4" name="Rectangle 3">
+            <a:extLst>
+              <a:ext uri="{FF2B5EF4-FFF2-40B4-BE49-F238E27FC236}">
+                <a16:creationId xmlns:a16="http://schemas.microsoft.com/office/drawing/2014/main" id="{5CDE57B3-BFA7-E24D-9C02-02903BCF8928}"/>
+              </a:ext>
+            </a:extLst>
+          </p:cNvPr>
+          <p:cNvSpPr/>
+          <p:nvPr/>
+        </p:nvSpPr>
+        <p:spPr>
+          <a:xfrm>
+            <a:off x="1592513" y="1963296"/>
+            <a:ext cx="914400" cy="914400"/>
+          </a:xfrm>
+          <a:prstGeom prst="rect">
+            <a:avLst/>
+          </a:prstGeom>
+        </p:spPr>
+        <p:style>
+          <a:lnRef idx="2">
+            <a:schemeClr val="accent1">
+              <a:shade val="50000"/>
+            </a:schemeClr>
+          </a:lnRef>
+          <a:fillRef idx="1">
+            <a:schemeClr val="accent1"/>
+          </a:fillRef>
+          <a:effectRef idx="0">
+            <a:schemeClr val="accent1"/>
+          </a:effectRef>
+          <a:fontRef idx="minor">
+            <a:schemeClr val="lt1"/>
+          </a:fontRef>
+        </p:style>
+        <p:txBody>
+          <a:bodyPr rtlCol="0" anchor="ctr"/>
+          <a:lstStyle/>
+          <a:p>
+            <a:pPr algn="ctr"/>
+            <a:r>
+              <a:rPr lang="en-US" dirty="0"/>
+              <a:t>GUI</a:t>
+            </a:r>
+          </a:p>
+        </p:txBody>
+      </p:sp>
+      <p:sp>
+        <p:nvSpPr>
+          <p:cNvPr id="5" name="Magnetic Disk 4">
+            <a:extLst>
+              <a:ext uri="{FF2B5EF4-FFF2-40B4-BE49-F238E27FC236}">
+                <a16:creationId xmlns:a16="http://schemas.microsoft.com/office/drawing/2014/main" id="{B65AA043-AB92-3D4C-A35E-955872DCCCBB}"/>
+              </a:ext>
+            </a:extLst>
+          </p:cNvPr>
+          <p:cNvSpPr/>
+          <p:nvPr/>
+        </p:nvSpPr>
+        <p:spPr>
+          <a:xfrm>
+            <a:off x="8869181" y="1638904"/>
+            <a:ext cx="1431165" cy="1485900"/>
+          </a:xfrm>
+          <a:prstGeom prst="flowChartMagneticDisk">
+            <a:avLst/>
+          </a:prstGeom>
+        </p:spPr>
+        <p:style>
+          <a:lnRef idx="2">
+            <a:schemeClr val="accent1">
+              <a:shade val="50000"/>
+            </a:schemeClr>
+          </a:lnRef>
+          <a:fillRef idx="1">
+            <a:schemeClr val="accent1"/>
+          </a:fillRef>
+          <a:effectRef idx="0">
+            <a:schemeClr val="accent1"/>
+          </a:effectRef>
+          <a:fontRef idx="minor">
+            <a:schemeClr val="lt1"/>
+          </a:fontRef>
+        </p:style>
+        <p:txBody>
+          <a:bodyPr rtlCol="0" anchor="ctr"/>
+          <a:lstStyle/>
+          <a:p>
+            <a:pPr algn="ctr"/>
+            <a:r>
+              <a:rPr lang="en-US" dirty="0"/>
+              <a:t>MS SQL</a:t>
+            </a:r>
+          </a:p>
+        </p:txBody>
+      </p:sp>
+      <p:sp>
+        <p:nvSpPr>
+          <p:cNvPr id="6" name="Rounded Rectangle 5">
+            <a:extLst>
+              <a:ext uri="{FF2B5EF4-FFF2-40B4-BE49-F238E27FC236}">
+                <a16:creationId xmlns:a16="http://schemas.microsoft.com/office/drawing/2014/main" id="{F0AB04CE-BA43-4A46-BF83-5E56AD9FB9CE}"/>
+              </a:ext>
+            </a:extLst>
+          </p:cNvPr>
+          <p:cNvSpPr/>
+          <p:nvPr/>
+        </p:nvSpPr>
+        <p:spPr>
+          <a:xfrm>
+            <a:off x="5855006" y="2111448"/>
+            <a:ext cx="1322173" cy="685799"/>
+          </a:xfrm>
+          <a:prstGeom prst="roundRect">
+            <a:avLst/>
+          </a:prstGeom>
+        </p:spPr>
+        <p:style>
+          <a:lnRef idx="2">
+            <a:schemeClr val="accent1">
+              <a:shade val="50000"/>
+            </a:schemeClr>
+          </a:lnRef>
+          <a:fillRef idx="1">
+            <a:schemeClr val="accent1"/>
+          </a:fillRef>
+          <a:effectRef idx="0">
+            <a:schemeClr val="accent1"/>
+          </a:effectRef>
+          <a:fontRef idx="minor">
+            <a:schemeClr val="lt1"/>
+          </a:fontRef>
+        </p:style>
+        <p:txBody>
+          <a:bodyPr rtlCol="0" anchor="ctr"/>
+          <a:lstStyle/>
+          <a:p>
+            <a:pPr algn="ctr"/>
+            <a:r>
+              <a:rPr lang="en-US" dirty="0"/>
+              <a:t>Service Interface</a:t>
+            </a:r>
+          </a:p>
+        </p:txBody>
+      </p:sp>
+      <p:sp>
+        <p:nvSpPr>
+          <p:cNvPr id="9" name="Rounded Rectangle 8">
+            <a:extLst>
+              <a:ext uri="{FF2B5EF4-FFF2-40B4-BE49-F238E27FC236}">
+                <a16:creationId xmlns:a16="http://schemas.microsoft.com/office/drawing/2014/main" id="{2CC12BC8-FC56-5748-BAAA-38D1F191EAC6}"/>
+              </a:ext>
+            </a:extLst>
+          </p:cNvPr>
+          <p:cNvSpPr/>
+          <p:nvPr/>
+        </p:nvSpPr>
+        <p:spPr>
+          <a:xfrm>
+            <a:off x="3908138" y="1613920"/>
+            <a:ext cx="3784254" cy="4778514"/>
+          </a:xfrm>
+          <a:prstGeom prst="roundRect">
+            <a:avLst/>
+          </a:prstGeom>
+          <a:noFill/>
+        </p:spPr>
+        <p:style>
+          <a:lnRef idx="2">
+            <a:schemeClr val="accent1">
+              <a:shade val="50000"/>
+            </a:schemeClr>
+          </a:lnRef>
+          <a:fillRef idx="1">
+            <a:schemeClr val="accent1"/>
+          </a:fillRef>
+          <a:effectRef idx="0">
+            <a:schemeClr val="accent1"/>
+          </a:effectRef>
+          <a:fontRef idx="minor">
+            <a:schemeClr val="lt1"/>
+          </a:fontRef>
+        </p:style>
+        <p:txBody>
+          <a:bodyPr rtlCol="0" anchor="ctr"/>
+          <a:lstStyle/>
+          <a:p>
+            <a:pPr algn="ctr"/>
+            <a:endParaRPr lang="en-US"/>
+          </a:p>
+        </p:txBody>
+      </p:sp>
+      <p:sp>
+        <p:nvSpPr>
+          <p:cNvPr id="11" name="Rounded Rectangle 10">
+            <a:extLst>
+              <a:ext uri="{FF2B5EF4-FFF2-40B4-BE49-F238E27FC236}">
+                <a16:creationId xmlns:a16="http://schemas.microsoft.com/office/drawing/2014/main" id="{CC3A1D7A-33D9-7940-A01E-1A07D4AA232B}"/>
+              </a:ext>
+            </a:extLst>
+          </p:cNvPr>
+          <p:cNvSpPr/>
+          <p:nvPr/>
+        </p:nvSpPr>
+        <p:spPr>
+          <a:xfrm>
+            <a:off x="6065176" y="4265164"/>
+            <a:ext cx="901831" cy="840260"/>
+          </a:xfrm>
+          <a:prstGeom prst="roundRect">
+            <a:avLst/>
+          </a:prstGeom>
+        </p:spPr>
+        <p:style>
+          <a:lnRef idx="2">
+            <a:schemeClr val="accent1">
+              <a:shade val="50000"/>
+            </a:schemeClr>
+          </a:lnRef>
+          <a:fillRef idx="1">
+            <a:schemeClr val="accent1"/>
+          </a:fillRef>
+          <a:effectRef idx="0">
+            <a:schemeClr val="accent1"/>
+          </a:effectRef>
+          <a:fontRef idx="minor">
+            <a:schemeClr val="lt1"/>
+          </a:fontRef>
+        </p:style>
+        <p:txBody>
+          <a:bodyPr rtlCol="0" anchor="ctr"/>
+          <a:lstStyle/>
+          <a:p>
+            <a:pPr algn="ctr"/>
+            <a:r>
+              <a:rPr lang="en-US" dirty="0"/>
+              <a:t>DAO</a:t>
+            </a:r>
+          </a:p>
+        </p:txBody>
+      </p:sp>
+      <p:cxnSp>
+        <p:nvCxnSpPr>
+          <p:cNvPr id="13" name="Straight Arrow Connector 12">
+            <a:extLst>
+              <a:ext uri="{FF2B5EF4-FFF2-40B4-BE49-F238E27FC236}">
+                <a16:creationId xmlns:a16="http://schemas.microsoft.com/office/drawing/2014/main" id="{E4BE5107-2C3D-B14B-B32C-EFAB0D0B8945}"/>
+              </a:ext>
+            </a:extLst>
+          </p:cNvPr>
+          <p:cNvCxnSpPr>
+            <a:cxnSpLocks/>
+            <a:stCxn id="5" idx="3"/>
+            <a:endCxn id="11" idx="3"/>
+          </p:cNvCxnSpPr>
+          <p:nvPr/>
+        </p:nvCxnSpPr>
+        <p:spPr>
+          <a:xfrm flipH="1">
+            <a:off x="6967007" y="3124804"/>
+            <a:ext cx="2617757" cy="1560490"/>
+          </a:xfrm>
+          <a:prstGeom prst="straightConnector1">
+            <a:avLst/>
+          </a:prstGeom>
+          <a:ln>
+            <a:tailEnd type="triangle"/>
+          </a:ln>
+        </p:spPr>
+        <p:style>
+          <a:lnRef idx="1">
+            <a:schemeClr val="accent1"/>
+          </a:lnRef>
+          <a:fillRef idx="0">
+            <a:schemeClr val="accent1"/>
+          </a:fillRef>
+          <a:effectRef idx="0">
+            <a:schemeClr val="accent1"/>
+          </a:effectRef>
+          <a:fontRef idx="minor">
+            <a:schemeClr val="tx1"/>
+          </a:fontRef>
+        </p:style>
+      </p:cxnSp>
+      <p:cxnSp>
+        <p:nvCxnSpPr>
+          <p:cNvPr id="15" name="Straight Arrow Connector 14">
+            <a:extLst>
+              <a:ext uri="{FF2B5EF4-FFF2-40B4-BE49-F238E27FC236}">
+                <a16:creationId xmlns:a16="http://schemas.microsoft.com/office/drawing/2014/main" id="{56F41BC8-DA2D-AE48-9E81-8B241332F204}"/>
+              </a:ext>
+            </a:extLst>
+          </p:cNvPr>
+          <p:cNvCxnSpPr>
+            <a:cxnSpLocks/>
+            <a:stCxn id="7" idx="2"/>
+            <a:endCxn id="11" idx="3"/>
+          </p:cNvCxnSpPr>
+          <p:nvPr/>
+        </p:nvCxnSpPr>
+        <p:spPr>
+          <a:xfrm flipH="1" flipV="1">
+            <a:off x="6967007" y="4685294"/>
+            <a:ext cx="1965643" cy="1"/>
+          </a:xfrm>
+          <a:prstGeom prst="straightConnector1">
+            <a:avLst/>
+          </a:prstGeom>
+          <a:ln>
+            <a:tailEnd type="triangle"/>
+          </a:ln>
+        </p:spPr>
+        <p:style>
+          <a:lnRef idx="1">
+            <a:schemeClr val="accent1"/>
+          </a:lnRef>
+          <a:fillRef idx="0">
+            <a:schemeClr val="accent1"/>
+          </a:fillRef>
+          <a:effectRef idx="0">
+            <a:schemeClr val="accent1"/>
+          </a:effectRef>
+          <a:fontRef idx="minor">
+            <a:schemeClr val="tx1"/>
+          </a:fontRef>
+        </p:style>
+      </p:cxnSp>
+      <p:sp>
+        <p:nvSpPr>
+          <p:cNvPr id="17" name="Rectangle 16">
+            <a:extLst>
+              <a:ext uri="{FF2B5EF4-FFF2-40B4-BE49-F238E27FC236}">
+                <a16:creationId xmlns:a16="http://schemas.microsoft.com/office/drawing/2014/main" id="{2D22FBDB-A1EA-1C42-AFF3-4050B78ABD42}"/>
+              </a:ext>
+            </a:extLst>
+          </p:cNvPr>
+          <p:cNvSpPr/>
+          <p:nvPr/>
+        </p:nvSpPr>
+        <p:spPr>
+          <a:xfrm>
+            <a:off x="4265103" y="1883649"/>
+            <a:ext cx="1013255" cy="1073695"/>
+          </a:xfrm>
+          <a:prstGeom prst="rect">
+            <a:avLst/>
+          </a:prstGeom>
+        </p:spPr>
+        <p:style>
+          <a:lnRef idx="2">
+            <a:schemeClr val="accent1">
+              <a:shade val="50000"/>
+            </a:schemeClr>
+          </a:lnRef>
+          <a:fillRef idx="1">
+            <a:schemeClr val="accent1"/>
+          </a:fillRef>
+          <a:effectRef idx="0">
+            <a:schemeClr val="accent1"/>
+          </a:effectRef>
+          <a:fontRef idx="minor">
+            <a:schemeClr val="lt1"/>
+          </a:fontRef>
+        </p:style>
+        <p:txBody>
+          <a:bodyPr rtlCol="0" anchor="ctr"/>
+          <a:lstStyle/>
+          <a:p>
+            <a:pPr algn="ctr"/>
+            <a:r>
+              <a:rPr lang="en-US" dirty="0"/>
+              <a:t>Query Interface</a:t>
+            </a:r>
+          </a:p>
+        </p:txBody>
+      </p:sp>
+      <p:cxnSp>
+        <p:nvCxnSpPr>
+          <p:cNvPr id="23" name="Straight Arrow Connector 22">
+            <a:extLst>
+              <a:ext uri="{FF2B5EF4-FFF2-40B4-BE49-F238E27FC236}">
+                <a16:creationId xmlns:a16="http://schemas.microsoft.com/office/drawing/2014/main" id="{F0D49220-CDD9-0B4B-AFF8-437137CDFC2D}"/>
+              </a:ext>
+            </a:extLst>
+          </p:cNvPr>
+          <p:cNvCxnSpPr>
+            <a:cxnSpLocks/>
+            <a:stCxn id="11" idx="0"/>
+            <a:endCxn id="6" idx="2"/>
+          </p:cNvCxnSpPr>
+          <p:nvPr/>
+        </p:nvCxnSpPr>
+        <p:spPr>
+          <a:xfrm flipV="1">
+            <a:off x="6516092" y="2797247"/>
+            <a:ext cx="1" cy="1467917"/>
+          </a:xfrm>
+          <a:prstGeom prst="straightConnector1">
+            <a:avLst/>
+          </a:prstGeom>
+          <a:ln>
+            <a:tailEnd type="triangle"/>
+          </a:ln>
+        </p:spPr>
+        <p:style>
+          <a:lnRef idx="1">
+            <a:schemeClr val="accent1"/>
+          </a:lnRef>
+          <a:fillRef idx="0">
+            <a:schemeClr val="accent1"/>
+          </a:fillRef>
+          <a:effectRef idx="0">
+            <a:schemeClr val="accent1"/>
+          </a:effectRef>
+          <a:fontRef idx="minor">
+            <a:schemeClr val="tx1"/>
+          </a:fontRef>
+        </p:style>
+      </p:cxnSp>
+      <p:cxnSp>
+        <p:nvCxnSpPr>
+          <p:cNvPr id="25" name="Straight Arrow Connector 24">
+            <a:extLst>
+              <a:ext uri="{FF2B5EF4-FFF2-40B4-BE49-F238E27FC236}">
+                <a16:creationId xmlns:a16="http://schemas.microsoft.com/office/drawing/2014/main" id="{2144B679-BD86-5648-949F-759EFCC5D745}"/>
+              </a:ext>
+            </a:extLst>
+          </p:cNvPr>
+          <p:cNvCxnSpPr>
+            <a:cxnSpLocks/>
+            <a:stCxn id="6" idx="1"/>
+            <a:endCxn id="17" idx="3"/>
+          </p:cNvCxnSpPr>
+          <p:nvPr/>
+        </p:nvCxnSpPr>
+        <p:spPr>
+          <a:xfrm flipH="1" flipV="1">
+            <a:off x="5278358" y="2420497"/>
+            <a:ext cx="576648" cy="33851"/>
+          </a:xfrm>
+          <a:prstGeom prst="straightConnector1">
+            <a:avLst/>
+          </a:prstGeom>
+          <a:ln>
+            <a:tailEnd type="triangle"/>
+          </a:ln>
+        </p:spPr>
+        <p:style>
+          <a:lnRef idx="1">
+            <a:schemeClr val="accent1"/>
+          </a:lnRef>
+          <a:fillRef idx="0">
+            <a:schemeClr val="accent1"/>
+          </a:fillRef>
+          <a:effectRef idx="0">
+            <a:schemeClr val="accent1"/>
+          </a:effectRef>
+          <a:fontRef idx="minor">
+            <a:schemeClr val="tx1"/>
+          </a:fontRef>
+        </p:style>
+      </p:cxnSp>
+      <p:cxnSp>
+        <p:nvCxnSpPr>
+          <p:cNvPr id="27" name="Straight Arrow Connector 26">
+            <a:extLst>
+              <a:ext uri="{FF2B5EF4-FFF2-40B4-BE49-F238E27FC236}">
+                <a16:creationId xmlns:a16="http://schemas.microsoft.com/office/drawing/2014/main" id="{437955EE-9BD3-0644-86E4-702A9382C08B}"/>
+              </a:ext>
+            </a:extLst>
+          </p:cNvPr>
+          <p:cNvCxnSpPr>
+            <a:cxnSpLocks/>
+            <a:stCxn id="17" idx="3"/>
+            <a:endCxn id="4" idx="3"/>
+          </p:cNvCxnSpPr>
+          <p:nvPr/>
+        </p:nvCxnSpPr>
+        <p:spPr>
+          <a:xfrm flipH="1" flipV="1">
+            <a:off x="2506913" y="2420496"/>
+            <a:ext cx="2771445" cy="1"/>
+          </a:xfrm>
+          <a:prstGeom prst="straightConnector1">
+            <a:avLst/>
+          </a:prstGeom>
+          <a:ln>
+            <a:tailEnd type="triangle"/>
+          </a:ln>
+        </p:spPr>
+        <p:style>
+          <a:lnRef idx="1">
+            <a:schemeClr val="accent1"/>
+          </a:lnRef>
+          <a:fillRef idx="0">
+            <a:schemeClr val="accent1"/>
+          </a:fillRef>
+          <a:effectRef idx="0">
+            <a:schemeClr val="accent1"/>
+          </a:effectRef>
+          <a:fontRef idx="minor">
+            <a:schemeClr val="tx1"/>
+          </a:fontRef>
+        </p:style>
+      </p:cxnSp>
+      <p:cxnSp>
+        <p:nvCxnSpPr>
+          <p:cNvPr id="103" name="Straight Arrow Connector 102">
+            <a:extLst>
+              <a:ext uri="{FF2B5EF4-FFF2-40B4-BE49-F238E27FC236}">
+                <a16:creationId xmlns:a16="http://schemas.microsoft.com/office/drawing/2014/main" id="{7EBD9F4B-8E70-264A-8A4C-663DF10D4FD4}"/>
+              </a:ext>
+            </a:extLst>
+          </p:cNvPr>
+          <p:cNvCxnSpPr>
+            <a:cxnSpLocks/>
+            <a:stCxn id="4" idx="2"/>
+            <a:endCxn id="111" idx="0"/>
+          </p:cNvCxnSpPr>
+          <p:nvPr/>
+        </p:nvCxnSpPr>
+        <p:spPr>
+          <a:xfrm flipH="1">
+            <a:off x="2037490" y="2877696"/>
+            <a:ext cx="12223" cy="1191131"/>
+          </a:xfrm>
+          <a:prstGeom prst="straightConnector1">
+            <a:avLst/>
+          </a:prstGeom>
+          <a:ln>
+            <a:tailEnd type="triangle"/>
+          </a:ln>
+        </p:spPr>
+        <p:style>
+          <a:lnRef idx="1">
+            <a:schemeClr val="accent1"/>
+          </a:lnRef>
+          <a:fillRef idx="0">
+            <a:schemeClr val="accent1"/>
+          </a:fillRef>
+          <a:effectRef idx="0">
+            <a:schemeClr val="accent1"/>
+          </a:effectRef>
+          <a:fontRef idx="minor">
+            <a:schemeClr val="tx1"/>
+          </a:fontRef>
+        </p:style>
+      </p:cxnSp>
+      <p:pic>
+        <p:nvPicPr>
+          <p:cNvPr id="111" name="Picture 110" descr="File:People Politician.png - Wikimedia Commons">
+            <a:extLst>
+              <a:ext uri="{FF2B5EF4-FFF2-40B4-BE49-F238E27FC236}">
+                <a16:creationId xmlns:a16="http://schemas.microsoft.com/office/drawing/2014/main" id="{E91B7B4E-6CE5-3546-9C92-B4AAE9138A2B}"/>
+              </a:ext>
+            </a:extLst>
+          </p:cNvPr>
+          <p:cNvPicPr>
+            <a:picLocks noChangeAspect="1"/>
+          </p:cNvPicPr>
+          <p:nvPr/>
+        </p:nvPicPr>
+        <p:blipFill>
+          <a:blip r:embed="rId2">
+            <a:extLst>
+              <a:ext uri="{837473B0-CC2E-450A-ABE3-18F120FF3D39}">
+                <a1611:picAttrSrcUrl xmlns:a1611="http://schemas.microsoft.com/office/drawing/2016/11/main" r:id="rId3"/>
+              </a:ext>
+            </a:extLst>
+          </a:blip>
+          <a:stretch>
+            <a:fillRect/>
+          </a:stretch>
+        </p:blipFill>
+        <p:spPr>
+          <a:xfrm>
+            <a:off x="1678309" y="4068827"/>
+            <a:ext cx="718362" cy="1036597"/>
+          </a:xfrm>
+          <a:prstGeom prst="rect">
+            <a:avLst/>
+          </a:prstGeom>
+        </p:spPr>
+      </p:pic>
+    </p:spTree>
+    <p:extLst>
+      <p:ext uri="{BB962C8B-B14F-4D97-AF65-F5344CB8AC3E}">
+        <p14:creationId xmlns:p14="http://schemas.microsoft.com/office/powerpoint/2010/main" val="2874691725"/>
+      </p:ext>
+    </p:extLst>
+  </p:cSld>
+  <p:clrMapOvr>
+    <a:masterClrMapping/>
+  </p:clrMapOvr>
+</p:sld>
+</file>
+
+<file path=ppt/slides/slide14.xml><?xml version="1.0" encoding="utf-8"?>
+<p:sld xmlns:a="http://schemas.openxmlformats.org/drawingml/2006/main" xmlns:r="http://schemas.openxmlformats.org/officeDocument/2006/relationships" xmlns:p="http://schemas.openxmlformats.org/presentationml/2006/main">
+  <p:cSld>
+    <p:spTree>
+      <p:nvGrpSpPr>
+        <p:cNvPr id="1" name=""/>
+        <p:cNvGrpSpPr/>
+        <p:nvPr/>
+      </p:nvGrpSpPr>
+      <p:grpSpPr>
+        <a:xfrm>
+          <a:off x="0" y="0"/>
+          <a:ext cx="0" cy="0"/>
+          <a:chOff x="0" y="0"/>
+          <a:chExt cx="0" cy="0"/>
+        </a:xfrm>
+      </p:grpSpPr>
+      <p:sp>
+        <p:nvSpPr>
+          <p:cNvPr id="2" name="Title 1">
+            <a:extLst>
+              <a:ext uri="{FF2B5EF4-FFF2-40B4-BE49-F238E27FC236}">
+                <a16:creationId xmlns:a16="http://schemas.microsoft.com/office/drawing/2014/main" id="{D1DFBAB1-4940-1B4C-9F04-10E2CC33C405}"/>
+              </a:ext>
+            </a:extLst>
+          </p:cNvPr>
+          <p:cNvSpPr>
+            <a:spLocks noGrp="1"/>
+          </p:cNvSpPr>
+          <p:nvPr>
+            <p:ph type="title"/>
+          </p:nvPr>
+        </p:nvSpPr>
+        <p:spPr/>
+        <p:txBody>
+          <a:bodyPr/>
+          <a:lstStyle/>
+          <a:p>
+            <a:r>
+              <a:rPr lang="en-US"/>
+              <a:t>Interaction and Usability Of system</a:t>
+            </a:r>
+            <a:endParaRPr lang="en-US" dirty="0"/>
+          </a:p>
+        </p:txBody>
+      </p:sp>
+      <p:sp>
+        <p:nvSpPr>
+          <p:cNvPr id="3" name="Content Placeholder 2">
+            <a:extLst>
+              <a:ext uri="{FF2B5EF4-FFF2-40B4-BE49-F238E27FC236}">
+                <a16:creationId xmlns:a16="http://schemas.microsoft.com/office/drawing/2014/main" id="{1D2F3B33-B9C1-B244-BAF1-3833E1FC7DA2}"/>
+              </a:ext>
+            </a:extLst>
+          </p:cNvPr>
+          <p:cNvSpPr>
+            <a:spLocks noGrp="1"/>
+          </p:cNvSpPr>
+          <p:nvPr>
+            <p:ph idx="1"/>
+          </p:nvPr>
+        </p:nvSpPr>
+        <p:spPr/>
+        <p:txBody>
+          <a:bodyPr>
+            <a:normAutofit/>
+          </a:bodyPr>
+          <a:lstStyle/>
+          <a:p>
+            <a:r>
+              <a:rPr lang="en-US"/>
+              <a:t>Access through Public API</a:t>
+            </a:r>
+          </a:p>
+          <a:p>
+            <a:pPr lvl="1"/>
+            <a:r>
+              <a:rPr lang="en-US"/>
+              <a:t>To expose raw data in binary or json format</a:t>
+            </a:r>
+          </a:p>
+          <a:p>
+            <a:pPr lvl="1"/>
+            <a:r>
+              <a:rPr lang="en-US"/>
+              <a:t> Target users:  Researchers and Application developers.</a:t>
+            </a:r>
+          </a:p>
+          <a:p>
+            <a:r>
+              <a:rPr lang="en-US"/>
+              <a:t>GUI Users. Standalone application.</a:t>
+            </a:r>
+          </a:p>
+          <a:p>
+            <a:pPr lvl="1"/>
+            <a:r>
+              <a:rPr lang="en-US"/>
+              <a:t>System based on raw data collected in the system.</a:t>
+            </a:r>
+          </a:p>
+          <a:p>
+            <a:pPr lvl="1"/>
+            <a:r>
+              <a:rPr lang="en-US"/>
+              <a:t>Target Users: Travel Agents, Government agencies Promoting Tourism</a:t>
+            </a:r>
+          </a:p>
+          <a:p>
+            <a:r>
+              <a:rPr lang="en-US"/>
+              <a:t>Web Application </a:t>
+            </a:r>
+          </a:p>
+          <a:p>
+            <a:pPr lvl="1"/>
+            <a:r>
+              <a:rPr lang="en-US"/>
+              <a:t>Web application based on raw data of the system</a:t>
+            </a:r>
+          </a:p>
+          <a:p>
+            <a:pPr lvl="1"/>
+            <a:r>
+              <a:rPr lang="en-US"/>
+              <a:t>Target users: Travelers interested in getting information from single place</a:t>
+            </a:r>
+            <a:endParaRPr lang="en-US" dirty="0"/>
+          </a:p>
+        </p:txBody>
+      </p:sp>
+    </p:spTree>
+    <p:extLst>
+      <p:ext uri="{BB962C8B-B14F-4D97-AF65-F5344CB8AC3E}">
+        <p14:creationId xmlns:p14="http://schemas.microsoft.com/office/powerpoint/2010/main" val="1131171207"/>
+      </p:ext>
+    </p:extLst>
+  </p:cSld>
+  <p:clrMapOvr>
+    <a:masterClrMapping/>
+  </p:clrMapOvr>
+</p:sld>
+</file>
+
+<file path=ppt/slides/slide15.xml><?xml version="1.0" encoding="utf-8"?>
+<p:sld xmlns:a="http://schemas.openxmlformats.org/drawingml/2006/main" xmlns:r="http://schemas.openxmlformats.org/officeDocument/2006/relationships" xmlns:p="http://schemas.openxmlformats.org/presentationml/2006/main">
+  <p:cSld>
+    <p:spTree>
+      <p:nvGrpSpPr>
+        <p:cNvPr id="1" name=""/>
+        <p:cNvGrpSpPr/>
+        <p:nvPr/>
+      </p:nvGrpSpPr>
+      <p:grpSpPr>
+        <a:xfrm>
+          <a:off x="0" y="0"/>
+          <a:ext cx="0" cy="0"/>
+          <a:chOff x="0" y="0"/>
+          <a:chExt cx="0" cy="0"/>
+        </a:xfrm>
+      </p:grpSpPr>
+      <p:sp>
+        <p:nvSpPr>
+          <p:cNvPr id="2" name="Title 1">
+            <a:extLst>
+              <a:ext uri="{FF2B5EF4-FFF2-40B4-BE49-F238E27FC236}">
+                <a16:creationId xmlns:a16="http://schemas.microsoft.com/office/drawing/2014/main" id="{0BBABE2B-710E-6E48-93D3-DB7B86D1F7C2}"/>
+              </a:ext>
+            </a:extLst>
+          </p:cNvPr>
+          <p:cNvSpPr>
+            <a:spLocks noGrp="1"/>
+          </p:cNvSpPr>
+          <p:nvPr>
+            <p:ph type="title"/>
+          </p:nvPr>
+        </p:nvSpPr>
+        <p:spPr/>
+        <p:txBody>
+          <a:bodyPr/>
+          <a:lstStyle/>
+          <a:p>
+            <a:r>
+              <a:rPr lang="en-US"/>
+              <a:t>Future Enhancements</a:t>
+            </a:r>
+            <a:endParaRPr lang="en-US" dirty="0"/>
+          </a:p>
+        </p:txBody>
+      </p:sp>
+      <p:sp>
+        <p:nvSpPr>
+          <p:cNvPr id="3" name="Content Placeholder 2">
+            <a:extLst>
+              <a:ext uri="{FF2B5EF4-FFF2-40B4-BE49-F238E27FC236}">
+                <a16:creationId xmlns:a16="http://schemas.microsoft.com/office/drawing/2014/main" id="{27208CE8-F6BE-8D4F-B026-A77820505E98}"/>
+              </a:ext>
+            </a:extLst>
+          </p:cNvPr>
+          <p:cNvSpPr>
+            <a:spLocks noGrp="1"/>
+          </p:cNvSpPr>
+          <p:nvPr>
+            <p:ph idx="1"/>
+          </p:nvPr>
+        </p:nvSpPr>
+        <p:spPr/>
+        <p:txBody>
+          <a:bodyPr/>
+          <a:lstStyle/>
+          <a:p>
+            <a:r>
+              <a:rPr lang="en-US" dirty="0"/>
+              <a:t>Streaming Support </a:t>
+            </a:r>
+          </a:p>
+          <a:p>
+            <a:r>
+              <a:rPr lang="en-US" dirty="0"/>
+              <a:t>Analytical Support</a:t>
+            </a:r>
+          </a:p>
+          <a:p>
+            <a:r>
+              <a:rPr lang="en-US" dirty="0"/>
+              <a:t>Integrate user feedback and do some analytics on that </a:t>
+            </a:r>
+          </a:p>
+          <a:p>
+            <a:r>
+              <a:rPr lang="en-US" dirty="0"/>
+              <a:t>Recommendation Engine</a:t>
+            </a:r>
+          </a:p>
+        </p:txBody>
+      </p:sp>
+    </p:spTree>
+    <p:extLst>
+      <p:ext uri="{BB962C8B-B14F-4D97-AF65-F5344CB8AC3E}">
+        <p14:creationId xmlns:p14="http://schemas.microsoft.com/office/powerpoint/2010/main" val="3623047502"/>
+      </p:ext>
+    </p:extLst>
+  </p:cSld>
+  <p:clrMapOvr>
+    <a:masterClrMapping/>
+  </p:clrMapOvr>
+</p:sld>
+</file>
+
+<file path=ppt/slides/slide16.xml><?xml version="1.0" encoding="utf-8"?>
+<p:sld xmlns:a="http://schemas.openxmlformats.org/drawingml/2006/main" xmlns:r="http://schemas.openxmlformats.org/officeDocument/2006/relationships" xmlns:p="http://schemas.openxmlformats.org/presentationml/2006/main">
+  <p:cSld>
+    <p:spTree>
+      <p:nvGrpSpPr>
+        <p:cNvPr id="1" name=""/>
+        <p:cNvGrpSpPr/>
+        <p:nvPr/>
+      </p:nvGrpSpPr>
+      <p:grpSpPr>
+        <a:xfrm>
+          <a:off x="0" y="0"/>
+          <a:ext cx="0" cy="0"/>
+          <a:chOff x="0" y="0"/>
+          <a:chExt cx="0" cy="0"/>
+        </a:xfrm>
+      </p:grpSpPr>
+      <p:sp>
+        <p:nvSpPr>
+          <p:cNvPr id="2" name="Title 1">
+            <a:extLst>
+              <a:ext uri="{FF2B5EF4-FFF2-40B4-BE49-F238E27FC236}">
+                <a16:creationId xmlns:a16="http://schemas.microsoft.com/office/drawing/2014/main" id="{1517117D-EDC6-E249-A102-430954D56233}"/>
+              </a:ext>
+            </a:extLst>
+          </p:cNvPr>
+          <p:cNvSpPr>
+            <a:spLocks noGrp="1"/>
+          </p:cNvSpPr>
+          <p:nvPr>
+            <p:ph type="title"/>
+          </p:nvPr>
+        </p:nvSpPr>
+        <p:spPr>
+          <a:xfrm>
+            <a:off x="838200" y="365125"/>
+            <a:ext cx="10515600" cy="1325563"/>
+          </a:xfrm>
+        </p:spPr>
+        <p:txBody>
+          <a:bodyPr/>
+          <a:lstStyle/>
+          <a:p>
+            <a:r>
+              <a:rPr lang="en-US"/>
+              <a:t>Demo</a:t>
+            </a:r>
+            <a:endParaRPr lang="en-US" dirty="0"/>
+          </a:p>
+        </p:txBody>
+      </p:sp>
+      <p:sp>
+        <p:nvSpPr>
+          <p:cNvPr id="3" name="Content Placeholder 2">
+            <a:extLst>
+              <a:ext uri="{FF2B5EF4-FFF2-40B4-BE49-F238E27FC236}">
+                <a16:creationId xmlns:a16="http://schemas.microsoft.com/office/drawing/2014/main" id="{43D997DB-3D84-154D-8D04-555904B90AD8}"/>
+              </a:ext>
+            </a:extLst>
+          </p:cNvPr>
+          <p:cNvSpPr>
+            <a:spLocks noGrp="1"/>
+          </p:cNvSpPr>
+          <p:nvPr>
+            <p:ph idx="1"/>
+          </p:nvPr>
+        </p:nvSpPr>
+        <p:spPr/>
+        <p:txBody>
+          <a:bodyPr/>
+          <a:lstStyle/>
+          <a:p>
+            <a:r>
+              <a:rPr lang="en-US" dirty="0"/>
+              <a:t>Web</a:t>
+            </a:r>
+          </a:p>
+          <a:p>
+            <a:pPr lvl="1"/>
+            <a:r>
+              <a:rPr lang="en-US" dirty="0">
+                <a:hlinkClick r:id="rId2"/>
+              </a:rPr>
+              <a:t>http://127.0.0.1:8080/</a:t>
+            </a:r>
+            <a:endParaRPr lang="en-US" dirty="0"/>
+          </a:p>
+          <a:p>
+            <a:pPr marL="457200" lvl="1" indent="0">
+              <a:buNone/>
+            </a:pPr>
+            <a:endParaRPr lang="en-US" dirty="0"/>
+          </a:p>
+          <a:p>
+            <a:r>
+              <a:rPr lang="en-US" dirty="0"/>
+              <a:t>Database</a:t>
+            </a:r>
+          </a:p>
+          <a:p>
+            <a:pPr marL="0" indent="0">
+              <a:buNone/>
+            </a:pPr>
+            <a:endParaRPr lang="en-US" dirty="0"/>
+          </a:p>
+        </p:txBody>
+      </p:sp>
+    </p:spTree>
+    <p:extLst>
+      <p:ext uri="{BB962C8B-B14F-4D97-AF65-F5344CB8AC3E}">
+        <p14:creationId xmlns:p14="http://schemas.microsoft.com/office/powerpoint/2010/main" val="3273945038"/>
+      </p:ext>
+    </p:extLst>
+  </p:cSld>
+  <p:clrMapOvr>
+    <a:masterClrMapping/>
+  </p:clrMapOvr>
+</p:sld>
+</file>
+
+<file path=ppt/slides/slide17.xml><?xml version="1.0" encoding="utf-8"?>
+<p:sld xmlns:a="http://schemas.openxmlformats.org/drawingml/2006/main" xmlns:r="http://schemas.openxmlformats.org/officeDocument/2006/relationships" xmlns:p="http://schemas.openxmlformats.org/presentationml/2006/main">
+  <p:cSld>
+    <p:spTree>
+      <p:nvGrpSpPr>
+        <p:cNvPr id="1" name=""/>
+        <p:cNvGrpSpPr/>
+        <p:nvPr/>
+      </p:nvGrpSpPr>
+      <p:grpSpPr>
+        <a:xfrm>
+          <a:off x="0" y="0"/>
+          <a:ext cx="0" cy="0"/>
+          <a:chOff x="0" y="0"/>
+          <a:chExt cx="0" cy="0"/>
+        </a:xfrm>
+      </p:grpSpPr>
+      <p:sp>
+        <p:nvSpPr>
+          <p:cNvPr id="2" name="Title 1">
+            <a:extLst>
+              <a:ext uri="{FF2B5EF4-FFF2-40B4-BE49-F238E27FC236}">
+                <a16:creationId xmlns:a16="http://schemas.microsoft.com/office/drawing/2014/main" id="{51D27AD4-B327-214A-9B1D-13DA01329E9D}"/>
+              </a:ext>
+            </a:extLst>
+          </p:cNvPr>
+          <p:cNvSpPr>
+            <a:spLocks noGrp="1"/>
+          </p:cNvSpPr>
+          <p:nvPr>
+            <p:ph type="title"/>
+          </p:nvPr>
+        </p:nvSpPr>
+        <p:spPr/>
+        <p:txBody>
+          <a:bodyPr/>
+          <a:lstStyle/>
+          <a:p>
+            <a:r>
+              <a:rPr lang="en-US" dirty="0"/>
+              <a:t>Questions</a:t>
+            </a:r>
+          </a:p>
+        </p:txBody>
+      </p:sp>
+      <p:pic>
+        <p:nvPicPr>
+          <p:cNvPr id="5" name="Content Placeholder 4" descr="Green Question Mark 2 Free Stock Photo - Public Domain ...">
+            <a:extLst>
+              <a:ext uri="{FF2B5EF4-FFF2-40B4-BE49-F238E27FC236}">
+                <a16:creationId xmlns:a16="http://schemas.microsoft.com/office/drawing/2014/main" id="{33B6AB51-D139-334A-9838-4FC3BE94F297}"/>
+              </a:ext>
+            </a:extLst>
+          </p:cNvPr>
+          <p:cNvPicPr>
+            <a:picLocks noGrp="1" noChangeAspect="1"/>
+          </p:cNvPicPr>
+          <p:nvPr>
+            <p:ph idx="1"/>
+          </p:nvPr>
+        </p:nvPicPr>
+        <p:blipFill>
+          <a:blip r:embed="rId2">
+            <a:extLst>
+              <a:ext uri="{837473B0-CC2E-450A-ABE3-18F120FF3D39}">
+                <a1611:picAttrSrcUrl xmlns:a1611="http://schemas.microsoft.com/office/drawing/2016/11/main" r:id="rId3"/>
+              </a:ext>
+            </a:extLst>
+          </a:blip>
+          <a:stretch>
+            <a:fillRect/>
+          </a:stretch>
+        </p:blipFill>
+        <p:spPr>
+          <a:xfrm>
+            <a:off x="4378128" y="1825625"/>
+            <a:ext cx="3435743" cy="4351338"/>
+          </a:xfrm>
+        </p:spPr>
+      </p:pic>
+    </p:spTree>
+    <p:extLst>
+      <p:ext uri="{BB962C8B-B14F-4D97-AF65-F5344CB8AC3E}">
+        <p14:creationId xmlns:p14="http://schemas.microsoft.com/office/powerpoint/2010/main" val="854500047"/>
+      </p:ext>
+    </p:extLst>
+  </p:cSld>
+  <p:clrMapOvr>
+    <a:masterClrMapping/>
+  </p:clrMapOvr>
+</p:sld>
+</file>
+
+<file path=ppt/slides/slide2.xml><?xml version="1.0" encoding="utf-8"?>
+<p:sld xmlns:a="http://schemas.openxmlformats.org/drawingml/2006/main" xmlns:r="http://schemas.openxmlformats.org/officeDocument/2006/relationships" xmlns:p="http://schemas.openxmlformats.org/presentationml/2006/main">
+  <p:cSld>
+    <p:bg>
+      <p:bgPr>
+        <a:solidFill>
+          <a:schemeClr val="bg1"/>
+        </a:solidFill>
+        <a:effectLst/>
+      </p:bgPr>
+    </p:bg>
+    <p:spTree>
+      <p:nvGrpSpPr>
+        <p:cNvPr id="1" name=""/>
+        <p:cNvGrpSpPr/>
+        <p:nvPr/>
+      </p:nvGrpSpPr>
+      <p:grpSpPr>
+        <a:xfrm>
+          <a:off x="0" y="0"/>
+          <a:ext cx="0" cy="0"/>
+          <a:chOff x="0" y="0"/>
+          <a:chExt cx="0" cy="0"/>
+        </a:xfrm>
+      </p:grpSpPr>
+      <p:sp>
+        <p:nvSpPr>
+          <p:cNvPr id="2" name="Title 1">
+            <a:extLst>
+              <a:ext uri="{FF2B5EF4-FFF2-40B4-BE49-F238E27FC236}">
                 <a16:creationId xmlns:a16="http://schemas.microsoft.com/office/drawing/2014/main" id="{961BD201-9ADF-C84D-929B-BF57A7D1493F}"/>
               </a:ext>
             </a:extLst>
@@ -3713,14 +5134,25 @@
             <p:ph type="title"/>
           </p:nvPr>
         </p:nvSpPr>
-        <p:spPr/>
-        <p:txBody>
-          <a:bodyPr/>
-          <a:lstStyle/>
-          <a:p>
-            <a:r>
-              <a:rPr lang="en-US" dirty="0"/>
-              <a:t>Scope of Implementation </a:t>
+        <p:spPr>
+          <a:xfrm>
+            <a:off x="6094105" y="802955"/>
+            <a:ext cx="4977976" cy="1454051"/>
+          </a:xfrm>
+        </p:spPr>
+        <p:txBody>
+          <a:bodyPr>
+            <a:normAutofit/>
+          </a:bodyPr>
+          <a:lstStyle/>
+          <a:p>
+            <a:r>
+              <a:rPr lang="en-US">
+                <a:solidFill>
+                  <a:srgbClr val="000000"/>
+                </a:solidFill>
+              </a:rPr>
+              <a:t>Agenda</a:t>
             </a:r>
           </a:p>
         </p:txBody>
@@ -3741,48 +5173,135 @@
             <p:ph idx="1"/>
           </p:nvPr>
         </p:nvSpPr>
-        <p:spPr/>
-        <p:txBody>
-          <a:bodyPr/>
-          <a:lstStyle/>
-          <a:p>
-            <a:r>
-              <a:rPr lang="en-US" dirty="0"/>
-              <a:t>Functional Objectives</a:t>
-            </a:r>
-          </a:p>
-          <a:p>
-            <a:r>
-              <a:rPr lang="en-US" dirty="0"/>
-              <a:t>Technical Details </a:t>
-            </a:r>
-          </a:p>
-          <a:p>
-            <a:r>
-              <a:rPr lang="en-US" dirty="0"/>
-              <a:t>User Applications</a:t>
-            </a:r>
-          </a:p>
-          <a:p>
-            <a:r>
-              <a:rPr lang="en-US" dirty="0"/>
-              <a:t>Future Enhancements </a:t>
-            </a:r>
-          </a:p>
-          <a:p>
-            <a:r>
-              <a:rPr lang="en-US" dirty="0"/>
+        <p:spPr>
+          <a:xfrm>
+            <a:off x="6090574" y="2421682"/>
+            <a:ext cx="4977578" cy="3639289"/>
+          </a:xfrm>
+        </p:spPr>
+        <p:txBody>
+          <a:bodyPr anchor="ctr">
+            <a:normAutofit/>
+          </a:bodyPr>
+          <a:lstStyle/>
+          <a:p>
+            <a:r>
+              <a:rPr lang="en-US" sz="2000">
+                <a:solidFill>
+                  <a:srgbClr val="000000"/>
+                </a:solidFill>
+              </a:rPr>
+              <a:t>Objectives</a:t>
+            </a:r>
+          </a:p>
+          <a:p>
+            <a:r>
+              <a:rPr lang="en-US" sz="2000">
+                <a:solidFill>
+                  <a:srgbClr val="000000"/>
+                </a:solidFill>
+              </a:rPr>
+              <a:t>Motivation</a:t>
+            </a:r>
+          </a:p>
+          <a:p>
+            <a:r>
+              <a:rPr lang="en-US" sz="2000">
+                <a:solidFill>
+                  <a:srgbClr val="000000"/>
+                </a:solidFill>
+              </a:rPr>
+              <a:t>Challenges</a:t>
+            </a:r>
+          </a:p>
+          <a:p>
+            <a:r>
+              <a:rPr lang="en-US" sz="2000">
+                <a:solidFill>
+                  <a:srgbClr val="000000"/>
+                </a:solidFill>
+              </a:rPr>
+              <a:t>Implementation  </a:t>
+            </a:r>
+          </a:p>
+          <a:p>
+            <a:r>
+              <a:rPr lang="en-US" sz="2000">
+                <a:solidFill>
+                  <a:srgbClr val="000000"/>
+                </a:solidFill>
+              </a:rPr>
+              <a:t>Interaction &amp; Usability</a:t>
+            </a:r>
+          </a:p>
+          <a:p>
+            <a:r>
+              <a:rPr lang="en-US" sz="2000">
+                <a:solidFill>
+                  <a:srgbClr val="000000"/>
+                </a:solidFill>
+              </a:rPr>
+              <a:t>Enhancements </a:t>
+            </a:r>
+          </a:p>
+          <a:p>
+            <a:r>
+              <a:rPr lang="en-US" sz="2000">
+                <a:solidFill>
+                  <a:srgbClr val="000000"/>
+                </a:solidFill>
+              </a:rPr>
               <a:t>Key Learnings </a:t>
             </a:r>
           </a:p>
           <a:p>
             <a:r>
-              <a:rPr lang="en-US" dirty="0"/>
+              <a:rPr lang="en-US" sz="2000">
+                <a:solidFill>
+                  <a:srgbClr val="000000"/>
+                </a:solidFill>
+              </a:rPr>
               <a:t>Demo</a:t>
             </a:r>
           </a:p>
         </p:txBody>
       </p:sp>
+      <p:pic>
+        <p:nvPicPr>
+          <p:cNvPr id="8" name="Picture 7" descr="AusbilderWissen">
+            <a:extLst>
+              <a:ext uri="{FF2B5EF4-FFF2-40B4-BE49-F238E27FC236}">
+                <a16:creationId xmlns:a16="http://schemas.microsoft.com/office/drawing/2014/main" id="{B64A12C1-3B6C-1A40-B99F-CB82F358984B}"/>
+              </a:ext>
+            </a:extLst>
+          </p:cNvPr>
+          <p:cNvPicPr>
+            <a:picLocks noChangeAspect="1"/>
+          </p:cNvPicPr>
+          <p:nvPr/>
+        </p:nvPicPr>
+        <p:blipFill>
+          <a:blip r:embed="rId2">
+            <a:extLst>
+              <a:ext uri="{837473B0-CC2E-450A-ABE3-18F120FF3D39}">
+                <a1611:picAttrSrcUrl xmlns:a1611="http://schemas.microsoft.com/office/drawing/2016/11/main" r:id="rId3"/>
+              </a:ext>
+            </a:extLst>
+          </a:blip>
+          <a:stretch>
+            <a:fillRect/>
+          </a:stretch>
+        </p:blipFill>
+        <p:spPr>
+          <a:xfrm>
+            <a:off x="429349" y="2628919"/>
+            <a:ext cx="3661831" cy="1620360"/>
+          </a:xfrm>
+          <a:prstGeom prst="rect">
+            <a:avLst/>
+          </a:prstGeom>
+        </p:spPr>
+      </p:pic>
     </p:spTree>
     <p:extLst>
       <p:ext uri="{BB962C8B-B14F-4D97-AF65-F5344CB8AC3E}">
@@ -3818,7 +5337,7 @@
           <p:cNvPr id="2" name="Title 1">
             <a:extLst>
               <a:ext uri="{FF2B5EF4-FFF2-40B4-BE49-F238E27FC236}">
-                <a16:creationId xmlns:a16="http://schemas.microsoft.com/office/drawing/2014/main" id="{ACFECD70-DB23-3249-B7BC-2124631AEBB6}"/>
+                <a16:creationId xmlns:a16="http://schemas.microsoft.com/office/drawing/2014/main" id="{7E3C95E8-2A70-4D4A-A45B-B9016A0782D0}"/>
               </a:ext>
             </a:extLst>
           </p:cNvPr>
@@ -3836,7 +5355,7 @@
           <a:p>
             <a:r>
               <a:rPr lang="en-US" dirty="0"/>
-              <a:t>Functional Objectives</a:t>
+              <a:t>Objectives</a:t>
             </a:r>
           </a:p>
         </p:txBody>
@@ -3846,7 +5365,7 @@
           <p:cNvPr id="3" name="Content Placeholder 2">
             <a:extLst>
               <a:ext uri="{FF2B5EF4-FFF2-40B4-BE49-F238E27FC236}">
-                <a16:creationId xmlns:a16="http://schemas.microsoft.com/office/drawing/2014/main" id="{F9F8B4CC-1E46-8E4C-8DCB-40654D2453EA}"/>
+                <a16:creationId xmlns:a16="http://schemas.microsoft.com/office/drawing/2014/main" id="{A1DC3CC2-41A0-C641-9DD0-030C7EA063C7}"/>
               </a:ext>
             </a:extLst>
           </p:cNvPr>
@@ -3864,21 +5383,40 @@
           <a:p>
             <a:r>
               <a:rPr lang="en-US" dirty="0"/>
-              <a:t>Purpose</a:t>
+              <a:t>Big Data Based Travel System</a:t>
             </a:r>
           </a:p>
           <a:p>
             <a:pPr lvl="1"/>
             <a:r>
               <a:rPr lang="en-US" dirty="0"/>
-              <a:t>To Integrate different data source and store them in common format</a:t>
-            </a:r>
+              <a:t>Utilization of Vast amount of Data Available on web and through public </a:t>
+            </a:r>
+            <a:r>
+              <a:rPr lang="en-US" dirty="0" err="1"/>
+              <a:t>api’s</a:t>
+            </a:r>
+            <a:endParaRPr lang="en-US" dirty="0"/>
           </a:p>
           <a:p>
             <a:pPr lvl="1"/>
             <a:r>
               <a:rPr lang="en-US" dirty="0"/>
-              <a:t>Make them available in easy </a:t>
+              <a:t>To Integrate data and Information from different data source</a:t>
+            </a:r>
+          </a:p>
+          <a:p>
+            <a:pPr lvl="1"/>
+            <a:r>
+              <a:rPr lang="en-US" dirty="0"/>
+              <a:t>Store Integrated data in common format</a:t>
+            </a:r>
+          </a:p>
+          <a:p>
+            <a:pPr lvl="1"/>
+            <a:r>
+              <a:rPr lang="en-US" dirty="0"/>
+              <a:t>Make Information and Data available in easy </a:t>
             </a:r>
           </a:p>
           <a:p>
@@ -3890,7 +5428,9 @@
             <a:endParaRPr lang="en-US" dirty="0"/>
           </a:p>
           <a:p>
-            <a:pPr lvl="1"/>
+            <a:endParaRPr lang="en-US" dirty="0"/>
+          </a:p>
+          <a:p>
             <a:endParaRPr lang="en-US" dirty="0"/>
           </a:p>
         </p:txBody>
@@ -3898,7 +5438,7 @@
     </p:spTree>
     <p:extLst>
       <p:ext uri="{BB962C8B-B14F-4D97-AF65-F5344CB8AC3E}">
-        <p14:creationId xmlns:p14="http://schemas.microsoft.com/office/powerpoint/2010/main" val="350367820"/>
+        <p14:creationId xmlns:p14="http://schemas.microsoft.com/office/powerpoint/2010/main" val="827693491"/>
       </p:ext>
     </p:extLst>
   </p:cSld>
@@ -3930,7 +5470,7 @@
           <p:cNvPr id="2" name="Title 1">
             <a:extLst>
               <a:ext uri="{FF2B5EF4-FFF2-40B4-BE49-F238E27FC236}">
-                <a16:creationId xmlns:a16="http://schemas.microsoft.com/office/drawing/2014/main" id="{929C7E00-DF06-AC4B-A7DB-78DA06774B3A}"/>
+                <a16:creationId xmlns:a16="http://schemas.microsoft.com/office/drawing/2014/main" id="{0A680946-85E2-5C40-8742-DD524AAF8F33}"/>
               </a:ext>
             </a:extLst>
           </p:cNvPr>
@@ -3948,7 +5488,7 @@
           <a:p>
             <a:r>
               <a:rPr lang="en-US" dirty="0"/>
-              <a:t>Functional Objectives</a:t>
+              <a:t>Motivation</a:t>
             </a:r>
           </a:p>
         </p:txBody>
@@ -3958,7 +5498,7 @@
           <p:cNvPr id="3" name="Content Placeholder 2">
             <a:extLst>
               <a:ext uri="{FF2B5EF4-FFF2-40B4-BE49-F238E27FC236}">
-                <a16:creationId xmlns:a16="http://schemas.microsoft.com/office/drawing/2014/main" id="{062E73DB-5680-0C41-8F36-E651F9375C31}"/>
+                <a16:creationId xmlns:a16="http://schemas.microsoft.com/office/drawing/2014/main" id="{A3851C8A-E623-A744-955F-32E797161C4A}"/>
               </a:ext>
             </a:extLst>
           </p:cNvPr>
@@ -3971,12 +5511,56 @@
         </p:nvSpPr>
         <p:spPr/>
         <p:txBody>
-          <a:bodyPr/>
-          <a:lstStyle/>
-          <a:p>
-            <a:r>
-              <a:rPr lang="en-US" dirty="0"/>
-              <a:t>Challenges</a:t>
+          <a:bodyPr>
+            <a:normAutofit/>
+          </a:bodyPr>
+          <a:lstStyle/>
+          <a:p>
+            <a:r>
+              <a:rPr lang="en-US" dirty="0"/>
+              <a:t>Traditional Vs Modern User Approach for Planning Travel </a:t>
+            </a:r>
+          </a:p>
+          <a:p>
+            <a:pPr lvl="1"/>
+            <a:r>
+              <a:rPr lang="en-US" dirty="0"/>
+              <a:t>Traditional Approach: interacting travel agents ,  relying on word mouth, bucket list</a:t>
+            </a:r>
+          </a:p>
+          <a:p>
+            <a:pPr lvl="1"/>
+            <a:r>
+              <a:rPr lang="en-US" dirty="0"/>
+              <a:t>Modern Approach:  Traditional Approach +  google search + social media</a:t>
+            </a:r>
+          </a:p>
+          <a:p>
+            <a:r>
+              <a:rPr lang="en-US" dirty="0"/>
+              <a:t>Smart Data collection</a:t>
+            </a:r>
+          </a:p>
+          <a:p>
+            <a:pPr lvl="1"/>
+            <a:r>
+              <a:rPr lang="en-US" dirty="0"/>
+              <a:t>Instead of focusing on dedicated data collectors we focus on multiple ad </a:t>
+            </a:r>
+            <a:r>
+              <a:rPr lang="en-US" dirty="0" err="1"/>
+              <a:t>hocs</a:t>
+            </a:r>
+            <a:r>
+              <a:rPr lang="en-US" dirty="0"/>
+              <a:t> data providers like bloggers and social media users   </a:t>
+            </a:r>
+          </a:p>
+          <a:p>
+            <a:pPr lvl="1"/>
+            <a:r>
+              <a:rPr lang="en-US" dirty="0"/>
+              <a:t>Such Information is available publicly and usually people collect them manually</a:t>
             </a:r>
           </a:p>
         </p:txBody>
@@ -3984,13 +5568,268 @@
     </p:spTree>
     <p:extLst>
       <p:ext uri="{BB962C8B-B14F-4D97-AF65-F5344CB8AC3E}">
-        <p14:creationId xmlns:p14="http://schemas.microsoft.com/office/powerpoint/2010/main" val="4076990827"/>
+        <p14:creationId xmlns:p14="http://schemas.microsoft.com/office/powerpoint/2010/main" val="3316395303"/>
       </p:ext>
     </p:extLst>
   </p:cSld>
   <p:clrMapOvr>
     <a:masterClrMapping/>
   </p:clrMapOvr>
+  <p:timing>
+    <p:tnLst>
+      <p:par>
+        <p:cTn id="1" dur="indefinite" restart="never" nodeType="tmRoot">
+          <p:childTnLst>
+            <p:seq concurrent="1" nextAc="seek">
+              <p:cTn id="2" dur="indefinite" nodeType="mainSeq">
+                <p:childTnLst>
+                  <p:par>
+                    <p:cTn id="3" fill="hold">
+                      <p:stCondLst>
+                        <p:cond delay="indefinite"/>
+                      </p:stCondLst>
+                      <p:childTnLst>
+                        <p:par>
+                          <p:cTn id="4" fill="hold">
+                            <p:stCondLst>
+                              <p:cond delay="0"/>
+                            </p:stCondLst>
+                            <p:childTnLst>
+                              <p:par>
+                                <p:cTn id="5" presetID="1" presetClass="entr" presetSubtype="0" fill="hold" grpId="0" nodeType="clickEffect">
+                                  <p:stCondLst>
+                                    <p:cond delay="0"/>
+                                  </p:stCondLst>
+                                  <p:childTnLst>
+                                    <p:set>
+                                      <p:cBhvr>
+                                        <p:cTn id="6" dur="1" fill="hold">
+                                          <p:stCondLst>
+                                            <p:cond delay="0"/>
+                                          </p:stCondLst>
+                                        </p:cTn>
+                                        <p:tgtEl>
+                                          <p:spTgt spid="3">
+                                            <p:txEl>
+                                              <p:pRg st="0" end="0"/>
+                                            </p:txEl>
+                                          </p:spTgt>
+                                        </p:tgtEl>
+                                        <p:attrNameLst>
+                                          <p:attrName>style.visibility</p:attrName>
+                                        </p:attrNameLst>
+                                      </p:cBhvr>
+                                      <p:to>
+                                        <p:strVal val="visible"/>
+                                      </p:to>
+                                    </p:set>
+                                  </p:childTnLst>
+                                </p:cTn>
+                              </p:par>
+                              <p:par>
+                                <p:cTn id="7" presetID="1" presetClass="entr" presetSubtype="0" fill="hold" grpId="0" nodeType="withEffect">
+                                  <p:stCondLst>
+                                    <p:cond delay="0"/>
+                                  </p:stCondLst>
+                                  <p:childTnLst>
+                                    <p:set>
+                                      <p:cBhvr>
+                                        <p:cTn id="8" dur="1" fill="hold">
+                                          <p:stCondLst>
+                                            <p:cond delay="0"/>
+                                          </p:stCondLst>
+                                        </p:cTn>
+                                        <p:tgtEl>
+                                          <p:spTgt spid="3">
+                                            <p:txEl>
+                                              <p:pRg st="1" end="1"/>
+                                            </p:txEl>
+                                          </p:spTgt>
+                                        </p:tgtEl>
+                                        <p:attrNameLst>
+                                          <p:attrName>style.visibility</p:attrName>
+                                        </p:attrNameLst>
+                                      </p:cBhvr>
+                                      <p:to>
+                                        <p:strVal val="visible"/>
+                                      </p:to>
+                                    </p:set>
+                                  </p:childTnLst>
+                                </p:cTn>
+                              </p:par>
+                              <p:par>
+                                <p:cTn id="9" presetID="1" presetClass="entr" presetSubtype="0" fill="hold" grpId="0" nodeType="withEffect">
+                                  <p:stCondLst>
+                                    <p:cond delay="0"/>
+                                  </p:stCondLst>
+                                  <p:childTnLst>
+                                    <p:set>
+                                      <p:cBhvr>
+                                        <p:cTn id="10" dur="1" fill="hold">
+                                          <p:stCondLst>
+                                            <p:cond delay="0"/>
+                                          </p:stCondLst>
+                                        </p:cTn>
+                                        <p:tgtEl>
+                                          <p:spTgt spid="3">
+                                            <p:txEl>
+                                              <p:pRg st="2" end="2"/>
+                                            </p:txEl>
+                                          </p:spTgt>
+                                        </p:tgtEl>
+                                        <p:attrNameLst>
+                                          <p:attrName>style.visibility</p:attrName>
+                                        </p:attrNameLst>
+                                      </p:cBhvr>
+                                      <p:to>
+                                        <p:strVal val="visible"/>
+                                      </p:to>
+                                    </p:set>
+                                  </p:childTnLst>
+                                </p:cTn>
+                              </p:par>
+                            </p:childTnLst>
+                          </p:cTn>
+                        </p:par>
+                      </p:childTnLst>
+                    </p:cTn>
+                  </p:par>
+                  <p:par>
+                    <p:cTn id="11" fill="hold">
+                      <p:stCondLst>
+                        <p:cond delay="indefinite"/>
+                      </p:stCondLst>
+                      <p:childTnLst>
+                        <p:par>
+                          <p:cTn id="12" fill="hold">
+                            <p:stCondLst>
+                              <p:cond delay="0"/>
+                            </p:stCondLst>
+                            <p:childTnLst>
+                              <p:par>
+                                <p:cTn id="13" presetID="1" presetClass="entr" presetSubtype="0" fill="hold" grpId="0" nodeType="clickEffect">
+                                  <p:stCondLst>
+                                    <p:cond delay="0"/>
+                                  </p:stCondLst>
+                                  <p:childTnLst>
+                                    <p:set>
+                                      <p:cBhvr>
+                                        <p:cTn id="14" dur="1" fill="hold">
+                                          <p:stCondLst>
+                                            <p:cond delay="0"/>
+                                          </p:stCondLst>
+                                        </p:cTn>
+                                        <p:tgtEl>
+                                          <p:spTgt spid="3">
+                                            <p:txEl>
+                                              <p:pRg st="3" end="3"/>
+                                            </p:txEl>
+                                          </p:spTgt>
+                                        </p:tgtEl>
+                                        <p:attrNameLst>
+                                          <p:attrName>style.visibility</p:attrName>
+                                        </p:attrNameLst>
+                                      </p:cBhvr>
+                                      <p:to>
+                                        <p:strVal val="visible"/>
+                                      </p:to>
+                                    </p:set>
+                                  </p:childTnLst>
+                                </p:cTn>
+                              </p:par>
+                              <p:par>
+                                <p:cTn id="15" presetID="1" presetClass="entr" presetSubtype="0" fill="hold" grpId="0" nodeType="withEffect">
+                                  <p:stCondLst>
+                                    <p:cond delay="0"/>
+                                  </p:stCondLst>
+                                  <p:childTnLst>
+                                    <p:set>
+                                      <p:cBhvr>
+                                        <p:cTn id="16" dur="1" fill="hold">
+                                          <p:stCondLst>
+                                            <p:cond delay="0"/>
+                                          </p:stCondLst>
+                                        </p:cTn>
+                                        <p:tgtEl>
+                                          <p:spTgt spid="3">
+                                            <p:txEl>
+                                              <p:pRg st="4" end="4"/>
+                                            </p:txEl>
+                                          </p:spTgt>
+                                        </p:tgtEl>
+                                        <p:attrNameLst>
+                                          <p:attrName>style.visibility</p:attrName>
+                                        </p:attrNameLst>
+                                      </p:cBhvr>
+                                      <p:to>
+                                        <p:strVal val="visible"/>
+                                      </p:to>
+                                    </p:set>
+                                  </p:childTnLst>
+                                </p:cTn>
+                              </p:par>
+                              <p:par>
+                                <p:cTn id="17" presetID="1" presetClass="entr" presetSubtype="0" fill="hold" grpId="0" nodeType="withEffect">
+                                  <p:stCondLst>
+                                    <p:cond delay="0"/>
+                                  </p:stCondLst>
+                                  <p:childTnLst>
+                                    <p:set>
+                                      <p:cBhvr>
+                                        <p:cTn id="18" dur="1" fill="hold">
+                                          <p:stCondLst>
+                                            <p:cond delay="0"/>
+                                          </p:stCondLst>
+                                        </p:cTn>
+                                        <p:tgtEl>
+                                          <p:spTgt spid="3">
+                                            <p:txEl>
+                                              <p:pRg st="5" end="5"/>
+                                            </p:txEl>
+                                          </p:spTgt>
+                                        </p:tgtEl>
+                                        <p:attrNameLst>
+                                          <p:attrName>style.visibility</p:attrName>
+                                        </p:attrNameLst>
+                                      </p:cBhvr>
+                                      <p:to>
+                                        <p:strVal val="visible"/>
+                                      </p:to>
+                                    </p:set>
+                                  </p:childTnLst>
+                                </p:cTn>
+                              </p:par>
+                            </p:childTnLst>
+                          </p:cTn>
+                        </p:par>
+                      </p:childTnLst>
+                    </p:cTn>
+                  </p:par>
+                </p:childTnLst>
+              </p:cTn>
+              <p:prevCondLst>
+                <p:cond evt="onPrev" delay="0">
+                  <p:tgtEl>
+                    <p:sldTgt/>
+                  </p:tgtEl>
+                </p:cond>
+              </p:prevCondLst>
+              <p:nextCondLst>
+                <p:cond evt="onNext" delay="0">
+                  <p:tgtEl>
+                    <p:sldTgt/>
+                  </p:tgtEl>
+                </p:cond>
+              </p:nextCondLst>
+            </p:seq>
+          </p:childTnLst>
+        </p:cTn>
+      </p:par>
+    </p:tnLst>
+    <p:bldLst>
+      <p:bldP spid="3" grpId="0" build="p"/>
+    </p:bldLst>
+  </p:timing>
 </p:sld>
 </file>
 
@@ -4016,7 +5855,7 @@
           <p:cNvPr id="2" name="Title 1">
             <a:extLst>
               <a:ext uri="{FF2B5EF4-FFF2-40B4-BE49-F238E27FC236}">
-                <a16:creationId xmlns:a16="http://schemas.microsoft.com/office/drawing/2014/main" id="{0CF7C261-69C1-7A4A-870A-831C5230DBEF}"/>
+                <a16:creationId xmlns:a16="http://schemas.microsoft.com/office/drawing/2014/main" id="{929C7E00-DF06-AC4B-A7DB-78DA06774B3A}"/>
               </a:ext>
             </a:extLst>
           </p:cNvPr>
@@ -4034,164 +5873,17 @@
           <a:p>
             <a:r>
               <a:rPr lang="en-US" dirty="0"/>
-              <a:t>Technical architecture</a:t>
-            </a:r>
-          </a:p>
-        </p:txBody>
-      </p:sp>
-      <p:sp>
-        <p:nvSpPr>
-          <p:cNvPr id="4" name="Rectangle 3">
-            <a:extLst>
-              <a:ext uri="{FF2B5EF4-FFF2-40B4-BE49-F238E27FC236}">
-                <a16:creationId xmlns:a16="http://schemas.microsoft.com/office/drawing/2014/main" id="{5CDE57B3-BFA7-E24D-9C02-02903BCF8928}"/>
-              </a:ext>
-            </a:extLst>
-          </p:cNvPr>
-          <p:cNvSpPr/>
-          <p:nvPr/>
-        </p:nvSpPr>
-        <p:spPr>
-          <a:xfrm>
-            <a:off x="9108562" y="3808408"/>
-            <a:ext cx="914400" cy="914400"/>
-          </a:xfrm>
-          <a:prstGeom prst="rect">
-            <a:avLst/>
-          </a:prstGeom>
-        </p:spPr>
-        <p:style>
-          <a:lnRef idx="2">
-            <a:schemeClr val="accent1">
-              <a:shade val="50000"/>
-            </a:schemeClr>
-          </a:lnRef>
-          <a:fillRef idx="1">
-            <a:schemeClr val="accent1"/>
-          </a:fillRef>
-          <a:effectRef idx="0">
-            <a:schemeClr val="accent1"/>
-          </a:effectRef>
-          <a:fontRef idx="minor">
-            <a:schemeClr val="lt1"/>
-          </a:fontRef>
-        </p:style>
-        <p:txBody>
-          <a:bodyPr rtlCol="0" anchor="ctr"/>
-          <a:lstStyle/>
-          <a:p>
-            <a:pPr algn="ctr"/>
-            <a:r>
-              <a:rPr lang="en-US" dirty="0"/>
-              <a:t>GUI</a:t>
-            </a:r>
-          </a:p>
-        </p:txBody>
-      </p:sp>
-      <p:sp>
-        <p:nvSpPr>
-          <p:cNvPr id="5" name="Magnetic Disk 4">
-            <a:extLst>
-              <a:ext uri="{FF2B5EF4-FFF2-40B4-BE49-F238E27FC236}">
-                <a16:creationId xmlns:a16="http://schemas.microsoft.com/office/drawing/2014/main" id="{B65AA043-AB92-3D4C-A35E-955872DCCCBB}"/>
-              </a:ext>
-            </a:extLst>
-          </p:cNvPr>
-          <p:cNvSpPr/>
-          <p:nvPr/>
-        </p:nvSpPr>
-        <p:spPr>
-          <a:xfrm>
-            <a:off x="1938874" y="1927580"/>
-            <a:ext cx="1130146" cy="1436510"/>
-          </a:xfrm>
-          <a:prstGeom prst="flowChartMagneticDisk">
-            <a:avLst/>
-          </a:prstGeom>
-        </p:spPr>
-        <p:style>
-          <a:lnRef idx="2">
-            <a:schemeClr val="accent1">
-              <a:shade val="50000"/>
-            </a:schemeClr>
-          </a:lnRef>
-          <a:fillRef idx="1">
-            <a:schemeClr val="accent1"/>
-          </a:fillRef>
-          <a:effectRef idx="0">
-            <a:schemeClr val="accent1"/>
-          </a:effectRef>
-          <a:fontRef idx="minor">
-            <a:schemeClr val="lt1"/>
-          </a:fontRef>
-        </p:style>
-        <p:txBody>
-          <a:bodyPr rtlCol="0" anchor="ctr"/>
-          <a:lstStyle/>
-          <a:p>
-            <a:pPr algn="ctr"/>
-            <a:r>
-              <a:rPr lang="en-US" dirty="0"/>
-              <a:t>MS SQL</a:t>
-            </a:r>
-          </a:p>
-        </p:txBody>
-      </p:sp>
-      <p:sp>
-        <p:nvSpPr>
-          <p:cNvPr id="6" name="Rounded Rectangle 5">
-            <a:extLst>
-              <a:ext uri="{FF2B5EF4-FFF2-40B4-BE49-F238E27FC236}">
-                <a16:creationId xmlns:a16="http://schemas.microsoft.com/office/drawing/2014/main" id="{F0AB04CE-BA43-4A46-BF83-5E56AD9FB9CE}"/>
-              </a:ext>
-            </a:extLst>
-          </p:cNvPr>
-          <p:cNvSpPr/>
-          <p:nvPr/>
-        </p:nvSpPr>
-        <p:spPr>
-          <a:xfrm>
-            <a:off x="6067168" y="2160245"/>
-            <a:ext cx="1322173" cy="685799"/>
-          </a:xfrm>
-          <a:prstGeom prst="roundRect">
-            <a:avLst/>
-          </a:prstGeom>
-        </p:spPr>
-        <p:style>
-          <a:lnRef idx="2">
-            <a:schemeClr val="accent1">
-              <a:shade val="50000"/>
-            </a:schemeClr>
-          </a:lnRef>
-          <a:fillRef idx="1">
-            <a:schemeClr val="accent1"/>
-          </a:fillRef>
-          <a:effectRef idx="0">
-            <a:schemeClr val="accent1"/>
-          </a:effectRef>
-          <a:fontRef idx="minor">
-            <a:schemeClr val="lt1"/>
-          </a:fontRef>
-        </p:style>
-        <p:txBody>
-          <a:bodyPr rtlCol="0" anchor="ctr"/>
-          <a:lstStyle/>
-          <a:p>
-            <a:pPr algn="ctr"/>
-            <a:r>
-              <a:rPr lang="en-US" dirty="0"/>
-              <a:t>Service Interface</a:t>
-            </a:r>
-          </a:p>
-        </p:txBody>
-      </p:sp>
-      <p:sp>
-        <p:nvSpPr>
-          <p:cNvPr id="7" name="Content Placeholder 6">
-            <a:extLst>
-              <a:ext uri="{FF2B5EF4-FFF2-40B4-BE49-F238E27FC236}">
-                <a16:creationId xmlns:a16="http://schemas.microsoft.com/office/drawing/2014/main" id="{8ABD7C19-DC7B-9244-90C6-FC6883EDE500}"/>
+              <a:t>Challenges</a:t>
+            </a:r>
+          </a:p>
+        </p:txBody>
+      </p:sp>
+      <p:sp>
+        <p:nvSpPr>
+          <p:cNvPr id="3" name="Content Placeholder 2">
+            <a:extLst>
+              <a:ext uri="{FF2B5EF4-FFF2-40B4-BE49-F238E27FC236}">
+                <a16:creationId xmlns:a16="http://schemas.microsoft.com/office/drawing/2014/main" id="{062E73DB-5680-0C41-8F36-E651F9375C31}"/>
               </a:ext>
             </a:extLst>
           </p:cNvPr>
@@ -4202,419 +5894,419 @@
             <p:ph idx="1"/>
           </p:nvPr>
         </p:nvSpPr>
-        <p:spPr>
-          <a:xfrm>
-            <a:off x="1775148" y="4001401"/>
-            <a:ext cx="1545732" cy="1659664"/>
-          </a:xfrm>
-          <a:prstGeom prst="flowChartMagneticDisk">
-            <a:avLst/>
-          </a:prstGeom>
-        </p:spPr>
-        <p:style>
-          <a:lnRef idx="2">
-            <a:schemeClr val="accent1">
-              <a:shade val="50000"/>
-            </a:schemeClr>
-          </a:lnRef>
-          <a:fillRef idx="1">
-            <a:schemeClr val="accent1"/>
-          </a:fillRef>
-          <a:effectRef idx="0">
-            <a:schemeClr val="accent1"/>
-          </a:effectRef>
-          <a:fontRef idx="minor">
-            <a:schemeClr val="lt1"/>
-          </a:fontRef>
-        </p:style>
-        <p:txBody>
-          <a:bodyPr rtlCol="0" anchor="ctr">
-            <a:normAutofit lnSpcReduction="10000"/>
+        <p:spPr/>
+        <p:txBody>
+          <a:bodyPr>
+            <a:normAutofit/>
           </a:bodyPr>
           <a:lstStyle/>
           <a:p>
-            <a:pPr marL="0" indent="0" algn="ctr">
-              <a:buNone/>
-            </a:pPr>
-            <a:r>
-              <a:rPr lang="en-US" dirty="0"/>
-              <a:t>MONGO       DB</a:t>
-            </a:r>
-          </a:p>
-          <a:p>
-            <a:pPr marL="0" indent="0" algn="ctr">
-              <a:buNone/>
-            </a:pPr>
+            <a:r>
+              <a:rPr lang="en-US" dirty="0"/>
+              <a:t>Usual Challenges of Collecting Semi-structured &amp; unstructured Data</a:t>
+            </a:r>
+          </a:p>
+          <a:p>
+            <a:pPr lvl="1"/>
+            <a:r>
+              <a:rPr lang="en-US" dirty="0"/>
+              <a:t>Need advanced Techniques to Process the data. </a:t>
+            </a:r>
+          </a:p>
+          <a:p>
+            <a:pPr lvl="1"/>
+            <a:r>
+              <a:rPr lang="en-US" dirty="0"/>
+              <a:t>Possible data loss or semantic change during processing of data.</a:t>
+            </a:r>
+          </a:p>
+          <a:p>
+            <a:r>
+              <a:rPr lang="en-US" dirty="0"/>
+              <a:t>Avoid garbage-in Garbage-Out.</a:t>
+            </a:r>
+          </a:p>
+          <a:p>
+            <a:pPr lvl="1"/>
+            <a:r>
+              <a:rPr lang="en-US" dirty="0"/>
+              <a:t>Everything that is available on web or provided by ad hoc users is not reliable</a:t>
+            </a:r>
+          </a:p>
+          <a:p>
+            <a:pPr lvl="1"/>
+            <a:r>
+              <a:rPr lang="en-US" dirty="0"/>
+              <a:t> Sensational content and Conformational Bias.</a:t>
+            </a:r>
+          </a:p>
+          <a:p>
+            <a:r>
+              <a:rPr lang="en-US" dirty="0"/>
+              <a:t>Effort Vs Outcome.</a:t>
+            </a:r>
+          </a:p>
+          <a:p>
+            <a:pPr lvl="1"/>
+            <a:r>
+              <a:rPr lang="en-US" dirty="0"/>
+              <a:t>The tools and techniques are changing very fast </a:t>
+            </a:r>
+          </a:p>
+          <a:p>
             <a:endParaRPr lang="en-US" dirty="0"/>
           </a:p>
-        </p:txBody>
-      </p:sp>
-      <p:sp>
-        <p:nvSpPr>
-          <p:cNvPr id="9" name="Rounded Rectangle 8">
-            <a:extLst>
-              <a:ext uri="{FF2B5EF4-FFF2-40B4-BE49-F238E27FC236}">
-                <a16:creationId xmlns:a16="http://schemas.microsoft.com/office/drawing/2014/main" id="{2CC12BC8-FC56-5748-BAAA-38D1F191EAC6}"/>
-              </a:ext>
-            </a:extLst>
-          </p:cNvPr>
-          <p:cNvSpPr/>
-          <p:nvPr/>
-        </p:nvSpPr>
-        <p:spPr>
-          <a:xfrm>
-            <a:off x="4287795" y="1690688"/>
-            <a:ext cx="3830594" cy="4685398"/>
-          </a:xfrm>
-          <a:prstGeom prst="roundRect">
-            <a:avLst/>
-          </a:prstGeom>
-          <a:noFill/>
-        </p:spPr>
-        <p:style>
-          <a:lnRef idx="2">
-            <a:schemeClr val="accent1">
-              <a:shade val="50000"/>
-            </a:schemeClr>
-          </a:lnRef>
-          <a:fillRef idx="1">
-            <a:schemeClr val="accent1"/>
-          </a:fillRef>
-          <a:effectRef idx="0">
-            <a:schemeClr val="accent1"/>
-          </a:effectRef>
-          <a:fontRef idx="minor">
-            <a:schemeClr val="lt1"/>
-          </a:fontRef>
-        </p:style>
-        <p:txBody>
-          <a:bodyPr rtlCol="0" anchor="ctr"/>
-          <a:lstStyle/>
-          <a:p>
-            <a:pPr algn="ctr"/>
-            <a:endParaRPr lang="en-US"/>
-          </a:p>
-        </p:txBody>
-      </p:sp>
-      <p:sp>
-        <p:nvSpPr>
-          <p:cNvPr id="11" name="Rounded Rectangle 10">
-            <a:extLst>
-              <a:ext uri="{FF2B5EF4-FFF2-40B4-BE49-F238E27FC236}">
-                <a16:creationId xmlns:a16="http://schemas.microsoft.com/office/drawing/2014/main" id="{CC3A1D7A-33D9-7940-A01E-1A07D4AA232B}"/>
-              </a:ext>
-            </a:extLst>
-          </p:cNvPr>
-          <p:cNvSpPr/>
-          <p:nvPr/>
-        </p:nvSpPr>
-        <p:spPr>
-          <a:xfrm>
-            <a:off x="4586840" y="2139713"/>
-            <a:ext cx="901831" cy="840260"/>
-          </a:xfrm>
-          <a:prstGeom prst="roundRect">
-            <a:avLst/>
-          </a:prstGeom>
-        </p:spPr>
-        <p:style>
-          <a:lnRef idx="2">
-            <a:schemeClr val="accent1">
-              <a:shade val="50000"/>
-            </a:schemeClr>
-          </a:lnRef>
-          <a:fillRef idx="1">
-            <a:schemeClr val="accent1"/>
-          </a:fillRef>
-          <a:effectRef idx="0">
-            <a:schemeClr val="accent1"/>
-          </a:effectRef>
-          <a:fontRef idx="minor">
-            <a:schemeClr val="lt1"/>
-          </a:fontRef>
-        </p:style>
-        <p:txBody>
-          <a:bodyPr rtlCol="0" anchor="ctr"/>
-          <a:lstStyle/>
-          <a:p>
-            <a:pPr algn="ctr"/>
-            <a:r>
-              <a:rPr lang="en-US" dirty="0"/>
-              <a:t>DAO</a:t>
-            </a:r>
-          </a:p>
-        </p:txBody>
-      </p:sp>
-      <p:cxnSp>
-        <p:nvCxnSpPr>
-          <p:cNvPr id="13" name="Straight Arrow Connector 12">
-            <a:extLst>
-              <a:ext uri="{FF2B5EF4-FFF2-40B4-BE49-F238E27FC236}">
-                <a16:creationId xmlns:a16="http://schemas.microsoft.com/office/drawing/2014/main" id="{E4BE5107-2C3D-B14B-B32C-EFAB0D0B8945}"/>
-              </a:ext>
-            </a:extLst>
-          </p:cNvPr>
-          <p:cNvCxnSpPr>
-            <a:stCxn id="5" idx="4"/>
-            <a:endCxn id="11" idx="1"/>
-          </p:cNvCxnSpPr>
-          <p:nvPr/>
-        </p:nvCxnSpPr>
-        <p:spPr>
-          <a:xfrm flipV="1">
-            <a:off x="3069020" y="2559843"/>
-            <a:ext cx="1517820" cy="85992"/>
-          </a:xfrm>
-          <a:prstGeom prst="straightConnector1">
-            <a:avLst/>
-          </a:prstGeom>
-          <a:ln>
-            <a:tailEnd type="triangle"/>
-          </a:ln>
-        </p:spPr>
-        <p:style>
-          <a:lnRef idx="1">
-            <a:schemeClr val="accent1"/>
-          </a:lnRef>
-          <a:fillRef idx="0">
-            <a:schemeClr val="accent1"/>
-          </a:fillRef>
-          <a:effectRef idx="0">
-            <a:schemeClr val="accent1"/>
-          </a:effectRef>
-          <a:fontRef idx="minor">
-            <a:schemeClr val="tx1"/>
-          </a:fontRef>
-        </p:style>
-      </p:cxnSp>
-      <p:cxnSp>
-        <p:nvCxnSpPr>
-          <p:cNvPr id="15" name="Straight Arrow Connector 14">
-            <a:extLst>
-              <a:ext uri="{FF2B5EF4-FFF2-40B4-BE49-F238E27FC236}">
-                <a16:creationId xmlns:a16="http://schemas.microsoft.com/office/drawing/2014/main" id="{56F41BC8-DA2D-AE48-9E81-8B241332F204}"/>
-              </a:ext>
-            </a:extLst>
-          </p:cNvPr>
-          <p:cNvCxnSpPr>
-            <a:cxnSpLocks/>
-            <a:stCxn id="7" idx="4"/>
-            <a:endCxn id="11" idx="1"/>
-          </p:cNvCxnSpPr>
-          <p:nvPr/>
-        </p:nvCxnSpPr>
-        <p:spPr>
-          <a:xfrm flipV="1">
-            <a:off x="3320880" y="2559843"/>
-            <a:ext cx="1265960" cy="2271390"/>
-          </a:xfrm>
-          <a:prstGeom prst="straightConnector1">
-            <a:avLst/>
-          </a:prstGeom>
-          <a:ln>
-            <a:tailEnd type="triangle"/>
-          </a:ln>
-        </p:spPr>
-        <p:style>
-          <a:lnRef idx="1">
-            <a:schemeClr val="accent1"/>
-          </a:lnRef>
-          <a:fillRef idx="0">
-            <a:schemeClr val="accent1"/>
-          </a:fillRef>
-          <a:effectRef idx="0">
-            <a:schemeClr val="accent1"/>
-          </a:effectRef>
-          <a:fontRef idx="minor">
-            <a:schemeClr val="tx1"/>
-          </a:fontRef>
-        </p:style>
-      </p:cxnSp>
-      <p:sp>
-        <p:nvSpPr>
-          <p:cNvPr id="17" name="Rectangle 16">
-            <a:extLst>
-              <a:ext uri="{FF2B5EF4-FFF2-40B4-BE49-F238E27FC236}">
-                <a16:creationId xmlns:a16="http://schemas.microsoft.com/office/drawing/2014/main" id="{2D22FBDB-A1EA-1C42-AFF3-4050B78ABD42}"/>
-              </a:ext>
-            </a:extLst>
-          </p:cNvPr>
-          <p:cNvSpPr/>
-          <p:nvPr/>
-        </p:nvSpPr>
-        <p:spPr>
-          <a:xfrm>
-            <a:off x="6221626" y="3808408"/>
-            <a:ext cx="1013255" cy="1073695"/>
-          </a:xfrm>
-          <a:prstGeom prst="rect">
-            <a:avLst/>
-          </a:prstGeom>
-        </p:spPr>
-        <p:style>
-          <a:lnRef idx="2">
-            <a:schemeClr val="accent1">
-              <a:shade val="50000"/>
-            </a:schemeClr>
-          </a:lnRef>
-          <a:fillRef idx="1">
-            <a:schemeClr val="accent1"/>
-          </a:fillRef>
-          <a:effectRef idx="0">
-            <a:schemeClr val="accent1"/>
-          </a:effectRef>
-          <a:fontRef idx="minor">
-            <a:schemeClr val="lt1"/>
-          </a:fontRef>
-        </p:style>
-        <p:txBody>
-          <a:bodyPr rtlCol="0" anchor="ctr"/>
-          <a:lstStyle/>
-          <a:p>
-            <a:pPr algn="ctr"/>
-            <a:r>
-              <a:rPr lang="en-US" dirty="0"/>
-              <a:t>Query Interface</a:t>
-            </a:r>
-          </a:p>
-        </p:txBody>
-      </p:sp>
-      <p:cxnSp>
-        <p:nvCxnSpPr>
-          <p:cNvPr id="23" name="Straight Arrow Connector 22">
-            <a:extLst>
-              <a:ext uri="{FF2B5EF4-FFF2-40B4-BE49-F238E27FC236}">
-                <a16:creationId xmlns:a16="http://schemas.microsoft.com/office/drawing/2014/main" id="{F0D49220-CDD9-0B4B-AFF8-437137CDFC2D}"/>
-              </a:ext>
-            </a:extLst>
-          </p:cNvPr>
-          <p:cNvCxnSpPr>
-            <a:stCxn id="11" idx="3"/>
-            <a:endCxn id="6" idx="1"/>
-          </p:cNvCxnSpPr>
-          <p:nvPr/>
-        </p:nvCxnSpPr>
-        <p:spPr>
-          <a:xfrm flipV="1">
-            <a:off x="5488671" y="2503145"/>
-            <a:ext cx="578497" cy="56698"/>
-          </a:xfrm>
-          <a:prstGeom prst="straightConnector1">
-            <a:avLst/>
-          </a:prstGeom>
-          <a:ln>
-            <a:tailEnd type="triangle"/>
-          </a:ln>
-        </p:spPr>
-        <p:style>
-          <a:lnRef idx="1">
-            <a:schemeClr val="accent1"/>
-          </a:lnRef>
-          <a:fillRef idx="0">
-            <a:schemeClr val="accent1"/>
-          </a:fillRef>
-          <a:effectRef idx="0">
-            <a:schemeClr val="accent1"/>
-          </a:effectRef>
-          <a:fontRef idx="minor">
-            <a:schemeClr val="tx1"/>
-          </a:fontRef>
-        </p:style>
-      </p:cxnSp>
-      <p:cxnSp>
-        <p:nvCxnSpPr>
-          <p:cNvPr id="25" name="Straight Arrow Connector 24">
-            <a:extLst>
-              <a:ext uri="{FF2B5EF4-FFF2-40B4-BE49-F238E27FC236}">
-                <a16:creationId xmlns:a16="http://schemas.microsoft.com/office/drawing/2014/main" id="{2144B679-BD86-5648-949F-759EFCC5D745}"/>
-              </a:ext>
-            </a:extLst>
-          </p:cNvPr>
-          <p:cNvCxnSpPr>
-            <a:stCxn id="6" idx="2"/>
-            <a:endCxn id="17" idx="0"/>
-          </p:cNvCxnSpPr>
-          <p:nvPr/>
-        </p:nvCxnSpPr>
-        <p:spPr>
-          <a:xfrm flipH="1">
-            <a:off x="6728254" y="2846044"/>
-            <a:ext cx="1" cy="962364"/>
-          </a:xfrm>
-          <a:prstGeom prst="straightConnector1">
-            <a:avLst/>
-          </a:prstGeom>
-          <a:ln>
-            <a:tailEnd type="triangle"/>
-          </a:ln>
-        </p:spPr>
-        <p:style>
-          <a:lnRef idx="1">
-            <a:schemeClr val="accent1"/>
-          </a:lnRef>
-          <a:fillRef idx="0">
-            <a:schemeClr val="accent1"/>
-          </a:fillRef>
-          <a:effectRef idx="0">
-            <a:schemeClr val="accent1"/>
-          </a:effectRef>
-          <a:fontRef idx="minor">
-            <a:schemeClr val="tx1"/>
-          </a:fontRef>
-        </p:style>
-      </p:cxnSp>
-      <p:cxnSp>
-        <p:nvCxnSpPr>
-          <p:cNvPr id="27" name="Straight Arrow Connector 26">
-            <a:extLst>
-              <a:ext uri="{FF2B5EF4-FFF2-40B4-BE49-F238E27FC236}">
-                <a16:creationId xmlns:a16="http://schemas.microsoft.com/office/drawing/2014/main" id="{437955EE-9BD3-0644-86E4-702A9382C08B}"/>
-              </a:ext>
-            </a:extLst>
-          </p:cNvPr>
-          <p:cNvCxnSpPr>
-            <a:stCxn id="17" idx="3"/>
-            <a:endCxn id="4" idx="1"/>
-          </p:cNvCxnSpPr>
-          <p:nvPr/>
-        </p:nvCxnSpPr>
-        <p:spPr>
-          <a:xfrm flipV="1">
-            <a:off x="7234881" y="4265608"/>
-            <a:ext cx="1873681" cy="79648"/>
-          </a:xfrm>
-          <a:prstGeom prst="straightConnector1">
-            <a:avLst/>
-          </a:prstGeom>
-          <a:ln>
-            <a:tailEnd type="triangle"/>
-          </a:ln>
-        </p:spPr>
-        <p:style>
-          <a:lnRef idx="1">
-            <a:schemeClr val="accent1"/>
-          </a:lnRef>
-          <a:fillRef idx="0">
-            <a:schemeClr val="accent1"/>
-          </a:fillRef>
-          <a:effectRef idx="0">
-            <a:schemeClr val="accent1"/>
-          </a:effectRef>
-          <a:fontRef idx="minor">
-            <a:schemeClr val="tx1"/>
-          </a:fontRef>
-        </p:style>
-      </p:cxnSp>
+          <a:p>
+            <a:pPr lvl="1"/>
+            <a:endParaRPr lang="en-US" dirty="0"/>
+          </a:p>
+        </p:txBody>
+      </p:sp>
     </p:spTree>
     <p:extLst>
       <p:ext uri="{BB962C8B-B14F-4D97-AF65-F5344CB8AC3E}">
-        <p14:creationId xmlns:p14="http://schemas.microsoft.com/office/powerpoint/2010/main" val="2874691725"/>
+        <p14:creationId xmlns:p14="http://schemas.microsoft.com/office/powerpoint/2010/main" val="4076990827"/>
       </p:ext>
     </p:extLst>
   </p:cSld>
   <p:clrMapOvr>
     <a:masterClrMapping/>
   </p:clrMapOvr>
+  <p:timing>
+    <p:tnLst>
+      <p:par>
+        <p:cTn id="1" dur="indefinite" restart="never" nodeType="tmRoot">
+          <p:childTnLst>
+            <p:seq concurrent="1" nextAc="seek">
+              <p:cTn id="2" dur="indefinite" nodeType="mainSeq">
+                <p:childTnLst>
+                  <p:par>
+                    <p:cTn id="3" fill="hold">
+                      <p:stCondLst>
+                        <p:cond delay="indefinite"/>
+                      </p:stCondLst>
+                      <p:childTnLst>
+                        <p:par>
+                          <p:cTn id="4" fill="hold">
+                            <p:stCondLst>
+                              <p:cond delay="0"/>
+                            </p:stCondLst>
+                            <p:childTnLst>
+                              <p:par>
+                                <p:cTn id="5" presetID="1" presetClass="entr" presetSubtype="0" fill="hold" grpId="0" nodeType="clickEffect">
+                                  <p:stCondLst>
+                                    <p:cond delay="0"/>
+                                  </p:stCondLst>
+                                  <p:childTnLst>
+                                    <p:set>
+                                      <p:cBhvr>
+                                        <p:cTn id="6" dur="1" fill="hold">
+                                          <p:stCondLst>
+                                            <p:cond delay="0"/>
+                                          </p:stCondLst>
+                                        </p:cTn>
+                                        <p:tgtEl>
+                                          <p:spTgt spid="3">
+                                            <p:txEl>
+                                              <p:pRg st="0" end="0"/>
+                                            </p:txEl>
+                                          </p:spTgt>
+                                        </p:tgtEl>
+                                        <p:attrNameLst>
+                                          <p:attrName>style.visibility</p:attrName>
+                                        </p:attrNameLst>
+                                      </p:cBhvr>
+                                      <p:to>
+                                        <p:strVal val="visible"/>
+                                      </p:to>
+                                    </p:set>
+                                  </p:childTnLst>
+                                </p:cTn>
+                              </p:par>
+                              <p:par>
+                                <p:cTn id="7" presetID="1" presetClass="entr" presetSubtype="0" fill="hold" grpId="0" nodeType="withEffect">
+                                  <p:stCondLst>
+                                    <p:cond delay="0"/>
+                                  </p:stCondLst>
+                                  <p:childTnLst>
+                                    <p:set>
+                                      <p:cBhvr>
+                                        <p:cTn id="8" dur="1" fill="hold">
+                                          <p:stCondLst>
+                                            <p:cond delay="0"/>
+                                          </p:stCondLst>
+                                        </p:cTn>
+                                        <p:tgtEl>
+                                          <p:spTgt spid="3">
+                                            <p:txEl>
+                                              <p:pRg st="1" end="1"/>
+                                            </p:txEl>
+                                          </p:spTgt>
+                                        </p:tgtEl>
+                                        <p:attrNameLst>
+                                          <p:attrName>style.visibility</p:attrName>
+                                        </p:attrNameLst>
+                                      </p:cBhvr>
+                                      <p:to>
+                                        <p:strVal val="visible"/>
+                                      </p:to>
+                                    </p:set>
+                                  </p:childTnLst>
+                                </p:cTn>
+                              </p:par>
+                              <p:par>
+                                <p:cTn id="9" presetID="1" presetClass="entr" presetSubtype="0" fill="hold" grpId="0" nodeType="withEffect">
+                                  <p:stCondLst>
+                                    <p:cond delay="0"/>
+                                  </p:stCondLst>
+                                  <p:childTnLst>
+                                    <p:set>
+                                      <p:cBhvr>
+                                        <p:cTn id="10" dur="1" fill="hold">
+                                          <p:stCondLst>
+                                            <p:cond delay="0"/>
+                                          </p:stCondLst>
+                                        </p:cTn>
+                                        <p:tgtEl>
+                                          <p:spTgt spid="3">
+                                            <p:txEl>
+                                              <p:pRg st="2" end="2"/>
+                                            </p:txEl>
+                                          </p:spTgt>
+                                        </p:tgtEl>
+                                        <p:attrNameLst>
+                                          <p:attrName>style.visibility</p:attrName>
+                                        </p:attrNameLst>
+                                      </p:cBhvr>
+                                      <p:to>
+                                        <p:strVal val="visible"/>
+                                      </p:to>
+                                    </p:set>
+                                  </p:childTnLst>
+                                </p:cTn>
+                              </p:par>
+                            </p:childTnLst>
+                          </p:cTn>
+                        </p:par>
+                      </p:childTnLst>
+                    </p:cTn>
+                  </p:par>
+                  <p:par>
+                    <p:cTn id="11" fill="hold">
+                      <p:stCondLst>
+                        <p:cond delay="indefinite"/>
+                      </p:stCondLst>
+                      <p:childTnLst>
+                        <p:par>
+                          <p:cTn id="12" fill="hold">
+                            <p:stCondLst>
+                              <p:cond delay="0"/>
+                            </p:stCondLst>
+                            <p:childTnLst>
+                              <p:par>
+                                <p:cTn id="13" presetID="1" presetClass="entr" presetSubtype="0" fill="hold" grpId="0" nodeType="clickEffect">
+                                  <p:stCondLst>
+                                    <p:cond delay="0"/>
+                                  </p:stCondLst>
+                                  <p:childTnLst>
+                                    <p:set>
+                                      <p:cBhvr>
+                                        <p:cTn id="14" dur="1" fill="hold">
+                                          <p:stCondLst>
+                                            <p:cond delay="0"/>
+                                          </p:stCondLst>
+                                        </p:cTn>
+                                        <p:tgtEl>
+                                          <p:spTgt spid="3">
+                                            <p:txEl>
+                                              <p:pRg st="3" end="3"/>
+                                            </p:txEl>
+                                          </p:spTgt>
+                                        </p:tgtEl>
+                                        <p:attrNameLst>
+                                          <p:attrName>style.visibility</p:attrName>
+                                        </p:attrNameLst>
+                                      </p:cBhvr>
+                                      <p:to>
+                                        <p:strVal val="visible"/>
+                                      </p:to>
+                                    </p:set>
+                                  </p:childTnLst>
+                                </p:cTn>
+                              </p:par>
+                              <p:par>
+                                <p:cTn id="15" presetID="1" presetClass="entr" presetSubtype="0" fill="hold" grpId="0" nodeType="withEffect">
+                                  <p:stCondLst>
+                                    <p:cond delay="0"/>
+                                  </p:stCondLst>
+                                  <p:childTnLst>
+                                    <p:set>
+                                      <p:cBhvr>
+                                        <p:cTn id="16" dur="1" fill="hold">
+                                          <p:stCondLst>
+                                            <p:cond delay="0"/>
+                                          </p:stCondLst>
+                                        </p:cTn>
+                                        <p:tgtEl>
+                                          <p:spTgt spid="3">
+                                            <p:txEl>
+                                              <p:pRg st="4" end="4"/>
+                                            </p:txEl>
+                                          </p:spTgt>
+                                        </p:tgtEl>
+                                        <p:attrNameLst>
+                                          <p:attrName>style.visibility</p:attrName>
+                                        </p:attrNameLst>
+                                      </p:cBhvr>
+                                      <p:to>
+                                        <p:strVal val="visible"/>
+                                      </p:to>
+                                    </p:set>
+                                  </p:childTnLst>
+                                </p:cTn>
+                              </p:par>
+                              <p:par>
+                                <p:cTn id="17" presetID="1" presetClass="entr" presetSubtype="0" fill="hold" grpId="0" nodeType="withEffect">
+                                  <p:stCondLst>
+                                    <p:cond delay="0"/>
+                                  </p:stCondLst>
+                                  <p:childTnLst>
+                                    <p:set>
+                                      <p:cBhvr>
+                                        <p:cTn id="18" dur="1" fill="hold">
+                                          <p:stCondLst>
+                                            <p:cond delay="0"/>
+                                          </p:stCondLst>
+                                        </p:cTn>
+                                        <p:tgtEl>
+                                          <p:spTgt spid="3">
+                                            <p:txEl>
+                                              <p:pRg st="5" end="5"/>
+                                            </p:txEl>
+                                          </p:spTgt>
+                                        </p:tgtEl>
+                                        <p:attrNameLst>
+                                          <p:attrName>style.visibility</p:attrName>
+                                        </p:attrNameLst>
+                                      </p:cBhvr>
+                                      <p:to>
+                                        <p:strVal val="visible"/>
+                                      </p:to>
+                                    </p:set>
+                                  </p:childTnLst>
+                                </p:cTn>
+                              </p:par>
+                            </p:childTnLst>
+                          </p:cTn>
+                        </p:par>
+                      </p:childTnLst>
+                    </p:cTn>
+                  </p:par>
+                  <p:par>
+                    <p:cTn id="19" fill="hold">
+                      <p:stCondLst>
+                        <p:cond delay="indefinite"/>
+                      </p:stCondLst>
+                      <p:childTnLst>
+                        <p:par>
+                          <p:cTn id="20" fill="hold">
+                            <p:stCondLst>
+                              <p:cond delay="0"/>
+                            </p:stCondLst>
+                            <p:childTnLst>
+                              <p:par>
+                                <p:cTn id="21" presetID="1" presetClass="entr" presetSubtype="0" fill="hold" grpId="0" nodeType="clickEffect">
+                                  <p:stCondLst>
+                                    <p:cond delay="0"/>
+                                  </p:stCondLst>
+                                  <p:childTnLst>
+                                    <p:set>
+                                      <p:cBhvr>
+                                        <p:cTn id="22" dur="1" fill="hold">
+                                          <p:stCondLst>
+                                            <p:cond delay="0"/>
+                                          </p:stCondLst>
+                                        </p:cTn>
+                                        <p:tgtEl>
+                                          <p:spTgt spid="3">
+                                            <p:txEl>
+                                              <p:pRg st="6" end="6"/>
+                                            </p:txEl>
+                                          </p:spTgt>
+                                        </p:tgtEl>
+                                        <p:attrNameLst>
+                                          <p:attrName>style.visibility</p:attrName>
+                                        </p:attrNameLst>
+                                      </p:cBhvr>
+                                      <p:to>
+                                        <p:strVal val="visible"/>
+                                      </p:to>
+                                    </p:set>
+                                  </p:childTnLst>
+                                </p:cTn>
+                              </p:par>
+                              <p:par>
+                                <p:cTn id="23" presetID="1" presetClass="entr" presetSubtype="0" fill="hold" grpId="0" nodeType="withEffect">
+                                  <p:stCondLst>
+                                    <p:cond delay="0"/>
+                                  </p:stCondLst>
+                                  <p:childTnLst>
+                                    <p:set>
+                                      <p:cBhvr>
+                                        <p:cTn id="24" dur="1" fill="hold">
+                                          <p:stCondLst>
+                                            <p:cond delay="0"/>
+                                          </p:stCondLst>
+                                        </p:cTn>
+                                        <p:tgtEl>
+                                          <p:spTgt spid="3">
+                                            <p:txEl>
+                                              <p:pRg st="7" end="7"/>
+                                            </p:txEl>
+                                          </p:spTgt>
+                                        </p:tgtEl>
+                                        <p:attrNameLst>
+                                          <p:attrName>style.visibility</p:attrName>
+                                        </p:attrNameLst>
+                                      </p:cBhvr>
+                                      <p:to>
+                                        <p:strVal val="visible"/>
+                                      </p:to>
+                                    </p:set>
+                                  </p:childTnLst>
+                                </p:cTn>
+                              </p:par>
+                            </p:childTnLst>
+                          </p:cTn>
+                        </p:par>
+                      </p:childTnLst>
+                    </p:cTn>
+                  </p:par>
+                </p:childTnLst>
+              </p:cTn>
+              <p:prevCondLst>
+                <p:cond evt="onPrev" delay="0">
+                  <p:tgtEl>
+                    <p:sldTgt/>
+                  </p:tgtEl>
+                </p:cond>
+              </p:prevCondLst>
+              <p:nextCondLst>
+                <p:cond evt="onNext" delay="0">
+                  <p:tgtEl>
+                    <p:sldTgt/>
+                  </p:tgtEl>
+                </p:cond>
+              </p:nextCondLst>
+            </p:seq>
+          </p:childTnLst>
+        </p:cTn>
+      </p:par>
+    </p:tnLst>
+    <p:bldLst>
+      <p:bldP spid="3" grpId="0" build="p"/>
+    </p:bldLst>
+  </p:timing>
 </p:sld>
 </file>
 
@@ -4640,7 +6332,7 @@
           <p:cNvPr id="2" name="Title 1">
             <a:extLst>
               <a:ext uri="{FF2B5EF4-FFF2-40B4-BE49-F238E27FC236}">
-                <a16:creationId xmlns:a16="http://schemas.microsoft.com/office/drawing/2014/main" id="{CB74365C-EED7-A943-A43A-A5644CD2029E}"/>
+                <a16:creationId xmlns:a16="http://schemas.microsoft.com/office/drawing/2014/main" id="{0DFBF5D9-BD1F-B14E-9928-067DC41DE62D}"/>
               </a:ext>
             </a:extLst>
           </p:cNvPr>
@@ -4658,7 +6350,7 @@
           <a:p>
             <a:r>
               <a:rPr lang="en-US" dirty="0"/>
-              <a:t>Technical Implementations</a:t>
+              <a:t>Implementation</a:t>
             </a:r>
           </a:p>
         </p:txBody>
@@ -4668,7 +6360,7 @@
           <p:cNvPr id="3" name="Content Placeholder 2">
             <a:extLst>
               <a:ext uri="{FF2B5EF4-FFF2-40B4-BE49-F238E27FC236}">
-                <a16:creationId xmlns:a16="http://schemas.microsoft.com/office/drawing/2014/main" id="{82F55A53-07C8-5941-9922-B3AB42B02E9F}"/>
+                <a16:creationId xmlns:a16="http://schemas.microsoft.com/office/drawing/2014/main" id="{3719A4C3-8A05-2D40-821E-4CD1E69EF6E9}"/>
               </a:ext>
             </a:extLst>
           </p:cNvPr>
@@ -4681,36 +6373,75 @@
         </p:nvSpPr>
         <p:spPr/>
         <p:txBody>
-          <a:bodyPr/>
-          <a:lstStyle/>
-          <a:p>
-            <a:r>
-              <a:rPr lang="en-US" dirty="0"/>
-              <a:t>Data collection from Different sources has always been a challenge.</a:t>
-            </a:r>
-          </a:p>
-          <a:p>
-            <a:r>
-              <a:rPr lang="en-US" dirty="0"/>
-              <a:t>Comes at a price</a:t>
-            </a:r>
-          </a:p>
-          <a:p>
-            <a:r>
-              <a:rPr lang="en-US" dirty="0"/>
-              <a:t>Scrapping</a:t>
-            </a:r>
-          </a:p>
-          <a:p>
-            <a:r>
-              <a:rPr lang="en-US" dirty="0"/>
-              <a:t>Scrapping with reasonable </a:t>
-            </a:r>
-          </a:p>
-          <a:p>
-            <a:r>
-              <a:rPr lang="en-US" dirty="0"/>
-              <a:t>Data Sources </a:t>
+          <a:bodyPr>
+            <a:normAutofit/>
+          </a:bodyPr>
+          <a:lstStyle/>
+          <a:p>
+            <a:r>
+              <a:rPr lang="en-US" dirty="0"/>
+              <a:t>Data collection</a:t>
+            </a:r>
+          </a:p>
+          <a:p>
+            <a:pPr lvl="1"/>
+            <a:r>
+              <a:rPr lang="en-US" dirty="0"/>
+              <a:t>Sources: Public API’s , Data Provider Companies</a:t>
+            </a:r>
+          </a:p>
+          <a:p>
+            <a:pPr lvl="1"/>
+            <a:r>
+              <a:rPr lang="en-US" dirty="0"/>
+              <a:t>Tools: Scrappers, Web Services</a:t>
+            </a:r>
+          </a:p>
+          <a:p>
+            <a:r>
+              <a:rPr lang="en-US" dirty="0"/>
+              <a:t>Data Processing.</a:t>
+            </a:r>
+          </a:p>
+          <a:p>
+            <a:pPr lvl="1"/>
+            <a:r>
+              <a:rPr lang="en-US" dirty="0"/>
+              <a:t>Transformational tools, </a:t>
+            </a:r>
+            <a:r>
+              <a:rPr lang="en-US" dirty="0" err="1"/>
+              <a:t>BeautifulSoup</a:t>
+            </a:r>
+            <a:r>
+              <a:rPr lang="en-US" dirty="0"/>
+              <a:t> , pandas etc. </a:t>
+            </a:r>
+          </a:p>
+          <a:p>
+            <a:r>
+              <a:rPr lang="en-US" dirty="0"/>
+              <a:t>Data Storage</a:t>
+            </a:r>
+          </a:p>
+          <a:p>
+            <a:pPr lvl="1"/>
+            <a:r>
+              <a:rPr lang="en-US" dirty="0"/>
+              <a:t>Databases  and files</a:t>
+            </a:r>
+          </a:p>
+          <a:p>
+            <a:r>
+              <a:rPr lang="en-US" dirty="0"/>
+              <a:t>Data Presentation</a:t>
+            </a:r>
+          </a:p>
+          <a:p>
+            <a:pPr lvl="1"/>
+            <a:r>
+              <a:rPr lang="en-US" dirty="0"/>
+              <a:t>Visualization Tools, Web API, GUI, Web Pages, Publishing.</a:t>
             </a:r>
           </a:p>
           <a:p>
@@ -4721,7 +6452,7 @@
     </p:spTree>
     <p:extLst>
       <p:ext uri="{BB962C8B-B14F-4D97-AF65-F5344CB8AC3E}">
-        <p14:creationId xmlns:p14="http://schemas.microsoft.com/office/powerpoint/2010/main" val="3346186564"/>
+        <p14:creationId xmlns:p14="http://schemas.microsoft.com/office/powerpoint/2010/main" val="3613723691"/>
       </p:ext>
     </p:extLst>
   </p:cSld>
@@ -4753,7 +6484,7 @@
           <p:cNvPr id="2" name="Title 1">
             <a:extLst>
               <a:ext uri="{FF2B5EF4-FFF2-40B4-BE49-F238E27FC236}">
-                <a16:creationId xmlns:a16="http://schemas.microsoft.com/office/drawing/2014/main" id="{7B48B0EF-895B-AE44-A174-26B2D10B77A2}"/>
+                <a16:creationId xmlns:a16="http://schemas.microsoft.com/office/drawing/2014/main" id="{12E65BB0-B3D0-FF4F-9AA2-C5719B30C6D2}"/>
               </a:ext>
             </a:extLst>
           </p:cNvPr>
@@ -4771,7 +6502,7 @@
           <a:p>
             <a:r>
               <a:rPr lang="en-US" dirty="0"/>
-              <a:t>Steps</a:t>
+              <a:t>Data Collection</a:t>
             </a:r>
           </a:p>
         </p:txBody>
@@ -4781,7 +6512,7 @@
           <p:cNvPr id="3" name="Content Placeholder 2">
             <a:extLst>
               <a:ext uri="{FF2B5EF4-FFF2-40B4-BE49-F238E27FC236}">
-                <a16:creationId xmlns:a16="http://schemas.microsoft.com/office/drawing/2014/main" id="{6B10BEAB-4441-FB48-AC2B-C6989E07541D}"/>
+                <a16:creationId xmlns:a16="http://schemas.microsoft.com/office/drawing/2014/main" id="{C132A650-36DE-5A4B-81E2-5D1D7EBDDD15}"/>
               </a:ext>
             </a:extLst>
           </p:cNvPr>
@@ -4794,26 +6525,132 @@
         </p:nvSpPr>
         <p:spPr/>
         <p:txBody>
-          <a:bodyPr/>
-          <a:lstStyle/>
-          <a:p>
-            <a:r>
-              <a:rPr lang="en-US" dirty="0"/>
-              <a:t>Optimization </a:t>
-            </a:r>
-          </a:p>
-          <a:p>
-            <a:r>
-              <a:rPr lang="en-US" dirty="0"/>
-              <a:t>Data used </a:t>
-            </a:r>
+          <a:bodyPr>
+            <a:normAutofit/>
+          </a:bodyPr>
+          <a:lstStyle/>
+          <a:p>
+            <a:r>
+              <a:rPr lang="en-US" dirty="0"/>
+              <a:t>Data Providers </a:t>
+            </a:r>
+          </a:p>
+          <a:p>
+            <a:pPr lvl="1"/>
+            <a:r>
+              <a:rPr lang="en-US" dirty="0"/>
+              <a:t>Knowledge based sites like </a:t>
+            </a:r>
+            <a:r>
+              <a:rPr lang="en-US" dirty="0" err="1"/>
+              <a:t>wekipedia</a:t>
+            </a:r>
+            <a:r>
+              <a:rPr lang="en-US" dirty="0"/>
+              <a:t>.</a:t>
+            </a:r>
+          </a:p>
+          <a:p>
+            <a:pPr lvl="1"/>
+            <a:r>
+              <a:rPr lang="en-US" dirty="0"/>
+              <a:t>Bloggers and free web sites like government department. </a:t>
+            </a:r>
+          </a:p>
+          <a:p>
+            <a:pPr lvl="1"/>
+            <a:r>
+              <a:rPr lang="en-US" dirty="0"/>
+              <a:t>Manual entry, social media sites.</a:t>
+            </a:r>
+          </a:p>
+          <a:p>
+            <a:pPr lvl="1"/>
+            <a:r>
+              <a:rPr lang="en-US" dirty="0"/>
+              <a:t>Public </a:t>
+            </a:r>
+            <a:r>
+              <a:rPr lang="en-US" dirty="0" err="1"/>
+              <a:t>apis</a:t>
+            </a:r>
+            <a:r>
+              <a:rPr lang="en-US" dirty="0"/>
+              <a:t> like </a:t>
+            </a:r>
+            <a:r>
+              <a:rPr lang="en-US" dirty="0" err="1"/>
+              <a:t>govt.org</a:t>
+            </a:r>
+            <a:r>
+              <a:rPr lang="en-US" dirty="0"/>
+              <a:t> etc.</a:t>
+            </a:r>
+          </a:p>
+          <a:p>
+            <a:r>
+              <a:rPr lang="en-US" dirty="0"/>
+              <a:t>Scraping non copyright material.</a:t>
+            </a:r>
+          </a:p>
+          <a:p>
+            <a:pPr lvl="1"/>
+            <a:r>
+              <a:rPr lang="en-US" dirty="0" err="1"/>
+              <a:t>Robots.txt</a:t>
+            </a:r>
+            <a:r>
+              <a:rPr lang="en-US" dirty="0"/>
+              <a:t> can be checked to ensure that allowed data is being scraped.</a:t>
+            </a:r>
+          </a:p>
+          <a:p>
+            <a:r>
+              <a:rPr lang="en-US" dirty="0"/>
+              <a:t>Tools:</a:t>
+            </a:r>
+          </a:p>
+          <a:p>
+            <a:pPr lvl="1"/>
+            <a:r>
+              <a:rPr lang="en-US" dirty="0" err="1"/>
+              <a:t>Scrapy</a:t>
+            </a:r>
+            <a:r>
+              <a:rPr lang="en-US" dirty="0"/>
+              <a:t>, web request tools, </a:t>
+            </a:r>
+            <a:r>
+              <a:rPr lang="en-US" dirty="0" err="1"/>
+              <a:t>Beutifulsoup</a:t>
+            </a:r>
+            <a:r>
+              <a:rPr lang="en-US" dirty="0"/>
+              <a:t>, json converter, </a:t>
+            </a:r>
+            <a:r>
+              <a:rPr lang="en-US" dirty="0" err="1"/>
+              <a:t>dataframes</a:t>
+            </a:r>
+            <a:r>
+              <a:rPr lang="en-US" dirty="0"/>
+              <a:t>. Data wrangling tools.</a:t>
+            </a:r>
+          </a:p>
+          <a:p>
+            <a:pPr lvl="1"/>
+            <a:endParaRPr lang="en-US" dirty="0"/>
+          </a:p>
+          <a:p>
+            <a:pPr lvl="1"/>
+            <a:endParaRPr lang="en-US" dirty="0"/>
           </a:p>
         </p:txBody>
       </p:sp>
     </p:spTree>
     <p:extLst>
       <p:ext uri="{BB962C8B-B14F-4D97-AF65-F5344CB8AC3E}">
-        <p14:creationId xmlns:p14="http://schemas.microsoft.com/office/powerpoint/2010/main" val="667315983"/>
+        <p14:creationId xmlns:p14="http://schemas.microsoft.com/office/powerpoint/2010/main" val="1150615749"/>
       </p:ext>
     </p:extLst>
   </p:cSld>
@@ -4845,7 +6682,7 @@
           <p:cNvPr id="2" name="Title 1">
             <a:extLst>
               <a:ext uri="{FF2B5EF4-FFF2-40B4-BE49-F238E27FC236}">
-                <a16:creationId xmlns:a16="http://schemas.microsoft.com/office/drawing/2014/main" id="{9FAD4929-D7C7-9E42-9BD2-B319DEE39DC4}"/>
+                <a16:creationId xmlns:a16="http://schemas.microsoft.com/office/drawing/2014/main" id="{F3568483-B78C-5F4B-AEC7-28A7D91F5546}"/>
               </a:ext>
             </a:extLst>
           </p:cNvPr>
@@ -4863,17 +6700,17 @@
           <a:p>
             <a:r>
               <a:rPr lang="en-US" dirty="0"/>
-              <a:t>Technical component used</a:t>
-            </a:r>
-          </a:p>
-        </p:txBody>
-      </p:sp>
-      <p:sp>
-        <p:nvSpPr>
-          <p:cNvPr id="3" name="Content Placeholder 2">
-            <a:extLst>
-              <a:ext uri="{FF2B5EF4-FFF2-40B4-BE49-F238E27FC236}">
-                <a16:creationId xmlns:a16="http://schemas.microsoft.com/office/drawing/2014/main" id="{27DF138A-1095-3342-B215-BC5FB30A4E24}"/>
+              <a:t>Data Collection Framework</a:t>
+            </a:r>
+          </a:p>
+        </p:txBody>
+      </p:sp>
+      <p:sp>
+        <p:nvSpPr>
+          <p:cNvPr id="10" name="Content Placeholder 9">
+            <a:extLst>
+              <a:ext uri="{FF2B5EF4-FFF2-40B4-BE49-F238E27FC236}">
+                <a16:creationId xmlns:a16="http://schemas.microsoft.com/office/drawing/2014/main" id="{91767BA4-8EA3-F545-8199-D4D1986B0063}"/>
               </a:ext>
             </a:extLst>
           </p:cNvPr>
@@ -4884,26 +6721,889 @@
             <p:ph idx="1"/>
           </p:nvPr>
         </p:nvSpPr>
-        <p:spPr/>
-        <p:txBody>
-          <a:bodyPr/>
-          <a:lstStyle/>
-          <a:p>
-            <a:r>
-              <a:rPr lang="en-US" dirty="0"/>
-              <a:t>Data Scrappers</a:t>
-            </a:r>
-          </a:p>
-          <a:p>
-            <a:r>
-              <a:rPr lang="en-US" dirty="0"/>
-              <a:t>Backend </a:t>
-            </a:r>
-          </a:p>
-          <a:p>
-            <a:r>
-              <a:rPr lang="en-US" dirty="0"/>
-              <a:t>Data Presentation</a:t>
+        <p:spPr>
+          <a:xfrm>
+            <a:off x="502899" y="3436799"/>
+            <a:ext cx="1582616" cy="886804"/>
+          </a:xfrm>
+          <a:prstGeom prst="cloudCallout">
+            <a:avLst/>
+          </a:prstGeom>
+        </p:spPr>
+        <p:style>
+          <a:lnRef idx="2">
+            <a:schemeClr val="accent1">
+              <a:shade val="50000"/>
+            </a:schemeClr>
+          </a:lnRef>
+          <a:fillRef idx="1">
+            <a:schemeClr val="accent1"/>
+          </a:fillRef>
+          <a:effectRef idx="0">
+            <a:schemeClr val="accent1"/>
+          </a:effectRef>
+          <a:fontRef idx="minor">
+            <a:schemeClr val="lt1"/>
+          </a:fontRef>
+        </p:style>
+        <p:txBody>
+          <a:bodyPr rtlCol="0" anchor="ctr"/>
+          <a:lstStyle/>
+          <a:p>
+            <a:pPr marL="0" indent="0" algn="ctr">
+              <a:buNone/>
+            </a:pPr>
+            <a:r>
+              <a:rPr lang="en-US" sz="1200" dirty="0"/>
+              <a:t>Semi-structured Data</a:t>
+            </a:r>
+          </a:p>
+        </p:txBody>
+      </p:sp>
+      <p:sp>
+        <p:nvSpPr>
+          <p:cNvPr id="5" name="Cloud Callout 4">
+            <a:extLst>
+              <a:ext uri="{FF2B5EF4-FFF2-40B4-BE49-F238E27FC236}">
+                <a16:creationId xmlns:a16="http://schemas.microsoft.com/office/drawing/2014/main" id="{E7AB8D3E-EE19-2F4B-B4B6-2143B322667E}"/>
+              </a:ext>
+            </a:extLst>
+          </p:cNvPr>
+          <p:cNvSpPr/>
+          <p:nvPr/>
+        </p:nvSpPr>
+        <p:spPr>
+          <a:xfrm>
+            <a:off x="365760" y="2220843"/>
+            <a:ext cx="1797242" cy="685801"/>
+          </a:xfrm>
+          <a:prstGeom prst="cloudCallout">
+            <a:avLst/>
+          </a:prstGeom>
+        </p:spPr>
+        <p:style>
+          <a:lnRef idx="2">
+            <a:schemeClr val="accent1">
+              <a:shade val="50000"/>
+            </a:schemeClr>
+          </a:lnRef>
+          <a:fillRef idx="1">
+            <a:schemeClr val="accent1"/>
+          </a:fillRef>
+          <a:effectRef idx="0">
+            <a:schemeClr val="accent1"/>
+          </a:effectRef>
+          <a:fontRef idx="minor">
+            <a:schemeClr val="lt1"/>
+          </a:fontRef>
+        </p:style>
+        <p:txBody>
+          <a:bodyPr rtlCol="0" anchor="ctr"/>
+          <a:lstStyle/>
+          <a:p>
+            <a:pPr algn="ctr"/>
+            <a:r>
+              <a:rPr lang="en-US" sz="1200" b="1" dirty="0"/>
+              <a:t>Unstructured  Data </a:t>
+            </a:r>
+          </a:p>
+        </p:txBody>
+      </p:sp>
+      <p:sp>
+        <p:nvSpPr>
+          <p:cNvPr id="6" name="Rectangle 5">
+            <a:extLst>
+              <a:ext uri="{FF2B5EF4-FFF2-40B4-BE49-F238E27FC236}">
+                <a16:creationId xmlns:a16="http://schemas.microsoft.com/office/drawing/2014/main" id="{68F1CEC8-8ABE-194A-8B29-AA73FC1A88FA}"/>
+              </a:ext>
+            </a:extLst>
+          </p:cNvPr>
+          <p:cNvSpPr/>
+          <p:nvPr/>
+        </p:nvSpPr>
+        <p:spPr>
+          <a:xfrm>
+            <a:off x="3575785" y="2134136"/>
+            <a:ext cx="1235523" cy="817685"/>
+          </a:xfrm>
+          <a:prstGeom prst="rect">
+            <a:avLst/>
+          </a:prstGeom>
+        </p:spPr>
+        <p:style>
+          <a:lnRef idx="2">
+            <a:schemeClr val="accent1">
+              <a:shade val="50000"/>
+            </a:schemeClr>
+          </a:lnRef>
+          <a:fillRef idx="1">
+            <a:schemeClr val="accent1"/>
+          </a:fillRef>
+          <a:effectRef idx="0">
+            <a:schemeClr val="accent1"/>
+          </a:effectRef>
+          <a:fontRef idx="minor">
+            <a:schemeClr val="lt1"/>
+          </a:fontRef>
+        </p:style>
+        <p:txBody>
+          <a:bodyPr rtlCol="0" anchor="ctr"/>
+          <a:lstStyle/>
+          <a:p>
+            <a:pPr algn="ctr"/>
+            <a:r>
+              <a:rPr lang="en-US" dirty="0"/>
+              <a:t>Data Collection</a:t>
+            </a:r>
+          </a:p>
+        </p:txBody>
+      </p:sp>
+      <p:sp>
+        <p:nvSpPr>
+          <p:cNvPr id="7" name="Magnetic Disk 6">
+            <a:extLst>
+              <a:ext uri="{FF2B5EF4-FFF2-40B4-BE49-F238E27FC236}">
+                <a16:creationId xmlns:a16="http://schemas.microsoft.com/office/drawing/2014/main" id="{322E1F84-1936-CC42-A88E-65E5CC3350AF}"/>
+              </a:ext>
+            </a:extLst>
+          </p:cNvPr>
+          <p:cNvSpPr/>
+          <p:nvPr/>
+        </p:nvSpPr>
+        <p:spPr>
+          <a:xfrm>
+            <a:off x="6809788" y="2224121"/>
+            <a:ext cx="1204547" cy="813290"/>
+          </a:xfrm>
+          <a:prstGeom prst="flowChartMagneticDisk">
+            <a:avLst/>
+          </a:prstGeom>
+        </p:spPr>
+        <p:style>
+          <a:lnRef idx="2">
+            <a:schemeClr val="accent1">
+              <a:shade val="50000"/>
+            </a:schemeClr>
+          </a:lnRef>
+          <a:fillRef idx="1">
+            <a:schemeClr val="accent1"/>
+          </a:fillRef>
+          <a:effectRef idx="0">
+            <a:schemeClr val="accent1"/>
+          </a:effectRef>
+          <a:fontRef idx="minor">
+            <a:schemeClr val="lt1"/>
+          </a:fontRef>
+        </p:style>
+        <p:txBody>
+          <a:bodyPr rtlCol="0" anchor="ctr"/>
+          <a:lstStyle/>
+          <a:p>
+            <a:pPr algn="ctr"/>
+            <a:r>
+              <a:rPr lang="en-US" dirty="0"/>
+              <a:t>Data Storage1 </a:t>
+            </a:r>
+          </a:p>
+        </p:txBody>
+      </p:sp>
+      <p:sp>
+        <p:nvSpPr>
+          <p:cNvPr id="8" name="Rectangle 7">
+            <a:extLst>
+              <a:ext uri="{FF2B5EF4-FFF2-40B4-BE49-F238E27FC236}">
+                <a16:creationId xmlns:a16="http://schemas.microsoft.com/office/drawing/2014/main" id="{684B10A0-FA9A-444F-BEAF-5DA4DE10ECEE}"/>
+              </a:ext>
+            </a:extLst>
+          </p:cNvPr>
+          <p:cNvSpPr/>
+          <p:nvPr/>
+        </p:nvSpPr>
+        <p:spPr>
+          <a:xfrm>
+            <a:off x="3583214" y="3695473"/>
+            <a:ext cx="1235522" cy="886803"/>
+          </a:xfrm>
+          <a:prstGeom prst="rect">
+            <a:avLst/>
+          </a:prstGeom>
+        </p:spPr>
+        <p:style>
+          <a:lnRef idx="2">
+            <a:schemeClr val="accent1">
+              <a:shade val="50000"/>
+            </a:schemeClr>
+          </a:lnRef>
+          <a:fillRef idx="1">
+            <a:schemeClr val="accent1"/>
+          </a:fillRef>
+          <a:effectRef idx="0">
+            <a:schemeClr val="accent1"/>
+          </a:effectRef>
+          <a:fontRef idx="minor">
+            <a:schemeClr val="lt1"/>
+          </a:fontRef>
+        </p:style>
+        <p:txBody>
+          <a:bodyPr rtlCol="0" anchor="ctr"/>
+          <a:lstStyle/>
+          <a:p>
+            <a:pPr algn="ctr"/>
+            <a:r>
+              <a:rPr lang="en-US" dirty="0"/>
+              <a:t>Data Processing</a:t>
+            </a:r>
+          </a:p>
+        </p:txBody>
+      </p:sp>
+      <p:sp>
+        <p:nvSpPr>
+          <p:cNvPr id="9" name="Rectangle 8">
+            <a:extLst>
+              <a:ext uri="{FF2B5EF4-FFF2-40B4-BE49-F238E27FC236}">
+                <a16:creationId xmlns:a16="http://schemas.microsoft.com/office/drawing/2014/main" id="{1FE32E3F-41C1-B549-801F-768F14658986}"/>
+              </a:ext>
+            </a:extLst>
+          </p:cNvPr>
+          <p:cNvSpPr/>
+          <p:nvPr/>
+        </p:nvSpPr>
+        <p:spPr>
+          <a:xfrm>
+            <a:off x="3575785" y="5167266"/>
+            <a:ext cx="1235522" cy="773723"/>
+          </a:xfrm>
+          <a:prstGeom prst="rect">
+            <a:avLst/>
+          </a:prstGeom>
+        </p:spPr>
+        <p:style>
+          <a:lnRef idx="2">
+            <a:schemeClr val="accent1">
+              <a:shade val="50000"/>
+            </a:schemeClr>
+          </a:lnRef>
+          <a:fillRef idx="1">
+            <a:schemeClr val="accent1"/>
+          </a:fillRef>
+          <a:effectRef idx="0">
+            <a:schemeClr val="accent1"/>
+          </a:effectRef>
+          <a:fontRef idx="minor">
+            <a:schemeClr val="lt1"/>
+          </a:fontRef>
+        </p:style>
+        <p:txBody>
+          <a:bodyPr rtlCol="0" anchor="ctr"/>
+          <a:lstStyle/>
+          <a:p>
+            <a:pPr algn="ctr"/>
+            <a:r>
+              <a:rPr lang="en-US" dirty="0"/>
+              <a:t>Data Load </a:t>
+            </a:r>
+          </a:p>
+        </p:txBody>
+      </p:sp>
+      <p:cxnSp>
+        <p:nvCxnSpPr>
+          <p:cNvPr id="12" name="Straight Arrow Connector 11">
+            <a:extLst>
+              <a:ext uri="{FF2B5EF4-FFF2-40B4-BE49-F238E27FC236}">
+                <a16:creationId xmlns:a16="http://schemas.microsoft.com/office/drawing/2014/main" id="{8AFD0DB5-47A5-BD40-B45E-590DBF34846B}"/>
+              </a:ext>
+            </a:extLst>
+          </p:cNvPr>
+          <p:cNvCxnSpPr>
+            <a:cxnSpLocks/>
+            <a:stCxn id="5" idx="2"/>
+            <a:endCxn id="6" idx="1"/>
+          </p:cNvCxnSpPr>
+          <p:nvPr/>
+        </p:nvCxnSpPr>
+        <p:spPr>
+          <a:xfrm flipV="1">
+            <a:off x="2161504" y="2542979"/>
+            <a:ext cx="1414281" cy="20765"/>
+          </a:xfrm>
+          <a:prstGeom prst="straightConnector1">
+            <a:avLst/>
+          </a:prstGeom>
+          <a:ln>
+            <a:tailEnd type="triangle"/>
+          </a:ln>
+        </p:spPr>
+        <p:style>
+          <a:lnRef idx="1">
+            <a:schemeClr val="accent1"/>
+          </a:lnRef>
+          <a:fillRef idx="0">
+            <a:schemeClr val="accent1"/>
+          </a:fillRef>
+          <a:effectRef idx="0">
+            <a:schemeClr val="accent1"/>
+          </a:effectRef>
+          <a:fontRef idx="minor">
+            <a:schemeClr val="tx1"/>
+          </a:fontRef>
+        </p:style>
+      </p:cxnSp>
+      <p:cxnSp>
+        <p:nvCxnSpPr>
+          <p:cNvPr id="14" name="Straight Arrow Connector 13">
+            <a:extLst>
+              <a:ext uri="{FF2B5EF4-FFF2-40B4-BE49-F238E27FC236}">
+                <a16:creationId xmlns:a16="http://schemas.microsoft.com/office/drawing/2014/main" id="{C9E0DEAA-51C8-2142-B460-D1D2ACC99AD3}"/>
+              </a:ext>
+            </a:extLst>
+          </p:cNvPr>
+          <p:cNvCxnSpPr>
+            <a:cxnSpLocks/>
+            <a:stCxn id="10" idx="2"/>
+            <a:endCxn id="6" idx="1"/>
+          </p:cNvCxnSpPr>
+          <p:nvPr/>
+        </p:nvCxnSpPr>
+        <p:spPr>
+          <a:xfrm flipV="1">
+            <a:off x="2084196" y="2542979"/>
+            <a:ext cx="1491589" cy="1337222"/>
+          </a:xfrm>
+          <a:prstGeom prst="straightConnector1">
+            <a:avLst/>
+          </a:prstGeom>
+          <a:ln>
+            <a:tailEnd type="triangle"/>
+          </a:ln>
+        </p:spPr>
+        <p:style>
+          <a:lnRef idx="1">
+            <a:schemeClr val="accent1"/>
+          </a:lnRef>
+          <a:fillRef idx="0">
+            <a:schemeClr val="accent1"/>
+          </a:fillRef>
+          <a:effectRef idx="0">
+            <a:schemeClr val="accent1"/>
+          </a:effectRef>
+          <a:fontRef idx="minor">
+            <a:schemeClr val="tx1"/>
+          </a:fontRef>
+        </p:style>
+      </p:cxnSp>
+      <p:cxnSp>
+        <p:nvCxnSpPr>
+          <p:cNvPr id="20" name="Straight Arrow Connector 19">
+            <a:extLst>
+              <a:ext uri="{FF2B5EF4-FFF2-40B4-BE49-F238E27FC236}">
+                <a16:creationId xmlns:a16="http://schemas.microsoft.com/office/drawing/2014/main" id="{A0C99B75-3C16-7447-ACDD-6311AE28DD6A}"/>
+              </a:ext>
+            </a:extLst>
+          </p:cNvPr>
+          <p:cNvCxnSpPr>
+            <a:stCxn id="6" idx="2"/>
+            <a:endCxn id="8" idx="0"/>
+          </p:cNvCxnSpPr>
+          <p:nvPr/>
+        </p:nvCxnSpPr>
+        <p:spPr>
+          <a:xfrm>
+            <a:off x="4193547" y="2951821"/>
+            <a:ext cx="7428" cy="743652"/>
+          </a:xfrm>
+          <a:prstGeom prst="straightConnector1">
+            <a:avLst/>
+          </a:prstGeom>
+          <a:ln>
+            <a:tailEnd type="triangle"/>
+          </a:ln>
+        </p:spPr>
+        <p:style>
+          <a:lnRef idx="1">
+            <a:schemeClr val="accent1"/>
+          </a:lnRef>
+          <a:fillRef idx="0">
+            <a:schemeClr val="accent1"/>
+          </a:fillRef>
+          <a:effectRef idx="0">
+            <a:schemeClr val="accent1"/>
+          </a:effectRef>
+          <a:fontRef idx="minor">
+            <a:schemeClr val="tx1"/>
+          </a:fontRef>
+        </p:style>
+      </p:cxnSp>
+      <p:cxnSp>
+        <p:nvCxnSpPr>
+          <p:cNvPr id="22" name="Straight Arrow Connector 21">
+            <a:extLst>
+              <a:ext uri="{FF2B5EF4-FFF2-40B4-BE49-F238E27FC236}">
+                <a16:creationId xmlns:a16="http://schemas.microsoft.com/office/drawing/2014/main" id="{FEF2EF61-66E5-0C4C-990C-25DCC3EE39AF}"/>
+              </a:ext>
+            </a:extLst>
+          </p:cNvPr>
+          <p:cNvCxnSpPr>
+            <a:stCxn id="8" idx="2"/>
+            <a:endCxn id="9" idx="0"/>
+          </p:cNvCxnSpPr>
+          <p:nvPr/>
+        </p:nvCxnSpPr>
+        <p:spPr>
+          <a:xfrm flipH="1">
+            <a:off x="4193546" y="4582276"/>
+            <a:ext cx="7429" cy="584990"/>
+          </a:xfrm>
+          <a:prstGeom prst="straightConnector1">
+            <a:avLst/>
+          </a:prstGeom>
+          <a:ln>
+            <a:tailEnd type="triangle"/>
+          </a:ln>
+        </p:spPr>
+        <p:style>
+          <a:lnRef idx="1">
+            <a:schemeClr val="accent1"/>
+          </a:lnRef>
+          <a:fillRef idx="0">
+            <a:schemeClr val="accent1"/>
+          </a:fillRef>
+          <a:effectRef idx="0">
+            <a:schemeClr val="accent1"/>
+          </a:effectRef>
+          <a:fontRef idx="minor">
+            <a:schemeClr val="tx1"/>
+          </a:fontRef>
+        </p:style>
+      </p:cxnSp>
+      <p:cxnSp>
+        <p:nvCxnSpPr>
+          <p:cNvPr id="24" name="Straight Arrow Connector 23">
+            <a:extLst>
+              <a:ext uri="{FF2B5EF4-FFF2-40B4-BE49-F238E27FC236}">
+                <a16:creationId xmlns:a16="http://schemas.microsoft.com/office/drawing/2014/main" id="{F19FFBBD-E1E0-7442-95D6-B9241951F0E8}"/>
+              </a:ext>
+            </a:extLst>
+          </p:cNvPr>
+          <p:cNvCxnSpPr>
+            <a:stCxn id="9" idx="3"/>
+            <a:endCxn id="7" idx="2"/>
+          </p:cNvCxnSpPr>
+          <p:nvPr/>
+        </p:nvCxnSpPr>
+        <p:spPr>
+          <a:xfrm flipV="1">
+            <a:off x="4811307" y="2630766"/>
+            <a:ext cx="1998481" cy="2923362"/>
+          </a:xfrm>
+          <a:prstGeom prst="straightConnector1">
+            <a:avLst/>
+          </a:prstGeom>
+          <a:ln>
+            <a:tailEnd type="triangle"/>
+          </a:ln>
+        </p:spPr>
+        <p:style>
+          <a:lnRef idx="1">
+            <a:schemeClr val="accent1"/>
+          </a:lnRef>
+          <a:fillRef idx="0">
+            <a:schemeClr val="accent1"/>
+          </a:fillRef>
+          <a:effectRef idx="0">
+            <a:schemeClr val="accent1"/>
+          </a:effectRef>
+          <a:fontRef idx="minor">
+            <a:schemeClr val="tx1"/>
+          </a:fontRef>
+        </p:style>
+      </p:cxnSp>
+      <p:sp>
+        <p:nvSpPr>
+          <p:cNvPr id="29" name="Can 28">
+            <a:extLst>
+              <a:ext uri="{FF2B5EF4-FFF2-40B4-BE49-F238E27FC236}">
+                <a16:creationId xmlns:a16="http://schemas.microsoft.com/office/drawing/2014/main" id="{65F5C55A-3066-5C4E-8DB3-013399890EAB}"/>
+              </a:ext>
+            </a:extLst>
+          </p:cNvPr>
+          <p:cNvSpPr/>
+          <p:nvPr/>
+        </p:nvSpPr>
+        <p:spPr>
+          <a:xfrm>
+            <a:off x="6705482" y="4245054"/>
+            <a:ext cx="1413161" cy="813290"/>
+          </a:xfrm>
+          <a:prstGeom prst="can">
+            <a:avLst/>
+          </a:prstGeom>
+        </p:spPr>
+        <p:style>
+          <a:lnRef idx="2">
+            <a:schemeClr val="accent1">
+              <a:shade val="50000"/>
+            </a:schemeClr>
+          </a:lnRef>
+          <a:fillRef idx="1">
+            <a:schemeClr val="accent1"/>
+          </a:fillRef>
+          <a:effectRef idx="0">
+            <a:schemeClr val="accent1"/>
+          </a:effectRef>
+          <a:fontRef idx="minor">
+            <a:schemeClr val="lt1"/>
+          </a:fontRef>
+        </p:style>
+        <p:txBody>
+          <a:bodyPr rtlCol="0" anchor="ctr"/>
+          <a:lstStyle/>
+          <a:p>
+            <a:pPr algn="ctr"/>
+            <a:r>
+              <a:rPr lang="en-US" dirty="0"/>
+              <a:t>Data Storage2</a:t>
+            </a:r>
+          </a:p>
+        </p:txBody>
+      </p:sp>
+      <p:cxnSp>
+        <p:nvCxnSpPr>
+          <p:cNvPr id="31" name="Straight Arrow Connector 30">
+            <a:extLst>
+              <a:ext uri="{FF2B5EF4-FFF2-40B4-BE49-F238E27FC236}">
+                <a16:creationId xmlns:a16="http://schemas.microsoft.com/office/drawing/2014/main" id="{F523B02B-CDEF-4342-A94F-D050514A3CE2}"/>
+              </a:ext>
+            </a:extLst>
+          </p:cNvPr>
+          <p:cNvCxnSpPr>
+            <a:cxnSpLocks/>
+            <a:stCxn id="9" idx="3"/>
+            <a:endCxn id="29" idx="2"/>
+          </p:cNvCxnSpPr>
+          <p:nvPr/>
+        </p:nvCxnSpPr>
+        <p:spPr>
+          <a:xfrm flipV="1">
+            <a:off x="4811307" y="4651699"/>
+            <a:ext cx="1894175" cy="902429"/>
+          </a:xfrm>
+          <a:prstGeom prst="straightConnector1">
+            <a:avLst/>
+          </a:prstGeom>
+          <a:ln>
+            <a:tailEnd type="triangle"/>
+          </a:ln>
+        </p:spPr>
+        <p:style>
+          <a:lnRef idx="1">
+            <a:schemeClr val="accent1"/>
+          </a:lnRef>
+          <a:fillRef idx="0">
+            <a:schemeClr val="accent1"/>
+          </a:fillRef>
+          <a:effectRef idx="0">
+            <a:schemeClr val="accent1"/>
+          </a:effectRef>
+          <a:fontRef idx="minor">
+            <a:schemeClr val="tx1"/>
+          </a:fontRef>
+        </p:style>
+      </p:cxnSp>
+      <p:sp>
+        <p:nvSpPr>
+          <p:cNvPr id="37" name="Rectangle 36">
+            <a:extLst>
+              <a:ext uri="{FF2B5EF4-FFF2-40B4-BE49-F238E27FC236}">
+                <a16:creationId xmlns:a16="http://schemas.microsoft.com/office/drawing/2014/main" id="{FE8DA070-E882-844F-8F10-45AA58752B76}"/>
+              </a:ext>
+            </a:extLst>
+          </p:cNvPr>
+          <p:cNvSpPr/>
+          <p:nvPr/>
+        </p:nvSpPr>
+        <p:spPr>
+          <a:xfrm>
+            <a:off x="2780764" y="1690688"/>
+            <a:ext cx="2925092" cy="4734496"/>
+          </a:xfrm>
+          <a:prstGeom prst="rect">
+            <a:avLst/>
+          </a:prstGeom>
+          <a:noFill/>
+        </p:spPr>
+        <p:style>
+          <a:lnRef idx="2">
+            <a:schemeClr val="accent1">
+              <a:shade val="50000"/>
+            </a:schemeClr>
+          </a:lnRef>
+          <a:fillRef idx="1">
+            <a:schemeClr val="accent1"/>
+          </a:fillRef>
+          <a:effectRef idx="0">
+            <a:schemeClr val="accent1"/>
+          </a:effectRef>
+          <a:fontRef idx="minor">
+            <a:schemeClr val="lt1"/>
+          </a:fontRef>
+        </p:style>
+        <p:txBody>
+          <a:bodyPr rtlCol="0" anchor="ctr"/>
+          <a:lstStyle/>
+          <a:p>
+            <a:pPr algn="ctr"/>
+            <a:endParaRPr lang="en-US"/>
+          </a:p>
+        </p:txBody>
+      </p:sp>
+      <p:sp>
+        <p:nvSpPr>
+          <p:cNvPr id="38" name="TextBox 37">
+            <a:extLst>
+              <a:ext uri="{FF2B5EF4-FFF2-40B4-BE49-F238E27FC236}">
+                <a16:creationId xmlns:a16="http://schemas.microsoft.com/office/drawing/2014/main" id="{853D92AD-7C04-A04C-B1EA-2F68013C052C}"/>
+              </a:ext>
+            </a:extLst>
+          </p:cNvPr>
+          <p:cNvSpPr txBox="1"/>
+          <p:nvPr/>
+        </p:nvSpPr>
+        <p:spPr>
+          <a:xfrm>
+            <a:off x="3126446" y="1781002"/>
+            <a:ext cx="1335826" cy="276999"/>
+          </a:xfrm>
+          <a:prstGeom prst="rect">
+            <a:avLst/>
+          </a:prstGeom>
+          <a:noFill/>
+        </p:spPr>
+        <p:txBody>
+          <a:bodyPr wrap="square" rtlCol="0">
+            <a:spAutoFit/>
+          </a:bodyPr>
+          <a:lstStyle/>
+          <a:p>
+            <a:r>
+              <a:rPr lang="en-US" sz="1200" b="1" dirty="0"/>
+              <a:t>Classic ETL Model</a:t>
+            </a:r>
+          </a:p>
+        </p:txBody>
+      </p:sp>
+      <p:sp>
+        <p:nvSpPr>
+          <p:cNvPr id="44" name="Rectangle 43">
+            <a:extLst>
+              <a:ext uri="{FF2B5EF4-FFF2-40B4-BE49-F238E27FC236}">
+                <a16:creationId xmlns:a16="http://schemas.microsoft.com/office/drawing/2014/main" id="{517C8A4E-1AB3-6640-AEED-BC809AB27083}"/>
+              </a:ext>
+            </a:extLst>
+          </p:cNvPr>
+          <p:cNvSpPr/>
+          <p:nvPr/>
+        </p:nvSpPr>
+        <p:spPr>
+          <a:xfrm>
+            <a:off x="9247970" y="1781002"/>
+            <a:ext cx="1407838" cy="4380928"/>
+          </a:xfrm>
+          <a:prstGeom prst="rect">
+            <a:avLst/>
+          </a:prstGeom>
+        </p:spPr>
+        <p:style>
+          <a:lnRef idx="2">
+            <a:schemeClr val="accent1">
+              <a:shade val="50000"/>
+            </a:schemeClr>
+          </a:lnRef>
+          <a:fillRef idx="1">
+            <a:schemeClr val="accent1"/>
+          </a:fillRef>
+          <a:effectRef idx="0">
+            <a:schemeClr val="accent1"/>
+          </a:effectRef>
+          <a:fontRef idx="minor">
+            <a:schemeClr val="lt1"/>
+          </a:fontRef>
+        </p:style>
+        <p:txBody>
+          <a:bodyPr rtlCol="0" anchor="ctr"/>
+          <a:lstStyle/>
+          <a:p>
+            <a:pPr algn="ctr"/>
+            <a:r>
+              <a:rPr lang="en-US" dirty="0"/>
+              <a:t>Data User Interface</a:t>
+            </a:r>
+          </a:p>
+        </p:txBody>
+      </p:sp>
+      <p:cxnSp>
+        <p:nvCxnSpPr>
+          <p:cNvPr id="46" name="Straight Arrow Connector 45">
+            <a:extLst>
+              <a:ext uri="{FF2B5EF4-FFF2-40B4-BE49-F238E27FC236}">
+                <a16:creationId xmlns:a16="http://schemas.microsoft.com/office/drawing/2014/main" id="{89EB943D-D419-4A4C-8F12-8FF40C581FBE}"/>
+              </a:ext>
+            </a:extLst>
+          </p:cNvPr>
+          <p:cNvCxnSpPr>
+            <a:cxnSpLocks/>
+            <a:stCxn id="7" idx="4"/>
+            <a:endCxn id="44" idx="1"/>
+          </p:cNvCxnSpPr>
+          <p:nvPr/>
+        </p:nvCxnSpPr>
+        <p:spPr>
+          <a:xfrm>
+            <a:off x="8014335" y="2630766"/>
+            <a:ext cx="1233635" cy="1340700"/>
+          </a:xfrm>
+          <a:prstGeom prst="straightConnector1">
+            <a:avLst/>
+          </a:prstGeom>
+          <a:ln>
+            <a:tailEnd type="triangle"/>
+          </a:ln>
+        </p:spPr>
+        <p:style>
+          <a:lnRef idx="1">
+            <a:schemeClr val="accent1"/>
+          </a:lnRef>
+          <a:fillRef idx="0">
+            <a:schemeClr val="accent1"/>
+          </a:fillRef>
+          <a:effectRef idx="0">
+            <a:schemeClr val="accent1"/>
+          </a:effectRef>
+          <a:fontRef idx="minor">
+            <a:schemeClr val="tx1"/>
+          </a:fontRef>
+        </p:style>
+      </p:cxnSp>
+      <p:cxnSp>
+        <p:nvCxnSpPr>
+          <p:cNvPr id="48" name="Straight Arrow Connector 47">
+            <a:extLst>
+              <a:ext uri="{FF2B5EF4-FFF2-40B4-BE49-F238E27FC236}">
+                <a16:creationId xmlns:a16="http://schemas.microsoft.com/office/drawing/2014/main" id="{5F361775-8C2C-3F4A-B23E-684E981B8C2C}"/>
+              </a:ext>
+            </a:extLst>
+          </p:cNvPr>
+          <p:cNvCxnSpPr>
+            <a:cxnSpLocks/>
+            <a:stCxn id="29" idx="4"/>
+            <a:endCxn id="44" idx="1"/>
+          </p:cNvCxnSpPr>
+          <p:nvPr/>
+        </p:nvCxnSpPr>
+        <p:spPr>
+          <a:xfrm flipV="1">
+            <a:off x="8118643" y="3971466"/>
+            <a:ext cx="1129327" cy="680233"/>
+          </a:xfrm>
+          <a:prstGeom prst="straightConnector1">
+            <a:avLst/>
+          </a:prstGeom>
+          <a:ln>
+            <a:tailEnd type="triangle"/>
+          </a:ln>
+        </p:spPr>
+        <p:style>
+          <a:lnRef idx="1">
+            <a:schemeClr val="accent1"/>
+          </a:lnRef>
+          <a:fillRef idx="0">
+            <a:schemeClr val="accent1"/>
+          </a:fillRef>
+          <a:effectRef idx="0">
+            <a:schemeClr val="accent1"/>
+          </a:effectRef>
+          <a:fontRef idx="minor">
+            <a:schemeClr val="tx1"/>
+          </a:fontRef>
+        </p:style>
+      </p:cxnSp>
+      <p:sp>
+        <p:nvSpPr>
+          <p:cNvPr id="62" name="Rectangle 61">
+            <a:extLst>
+              <a:ext uri="{FF2B5EF4-FFF2-40B4-BE49-F238E27FC236}">
+                <a16:creationId xmlns:a16="http://schemas.microsoft.com/office/drawing/2014/main" id="{A06844D6-38E7-F249-9574-E0E335B82FE2}"/>
+              </a:ext>
+            </a:extLst>
+          </p:cNvPr>
+          <p:cNvSpPr/>
+          <p:nvPr/>
+        </p:nvSpPr>
+        <p:spPr>
+          <a:xfrm>
+            <a:off x="6230112" y="1572768"/>
+            <a:ext cx="2560320" cy="4852416"/>
+          </a:xfrm>
+          <a:prstGeom prst="rect">
+            <a:avLst/>
+          </a:prstGeom>
+          <a:noFill/>
+        </p:spPr>
+        <p:style>
+          <a:lnRef idx="2">
+            <a:schemeClr val="accent1">
+              <a:shade val="50000"/>
+            </a:schemeClr>
+          </a:lnRef>
+          <a:fillRef idx="1">
+            <a:schemeClr val="accent1"/>
+          </a:fillRef>
+          <a:effectRef idx="0">
+            <a:schemeClr val="accent1"/>
+          </a:effectRef>
+          <a:fontRef idx="minor">
+            <a:schemeClr val="lt1"/>
+          </a:fontRef>
+        </p:style>
+        <p:txBody>
+          <a:bodyPr rtlCol="0" anchor="ctr"/>
+          <a:lstStyle/>
+          <a:p>
+            <a:pPr algn="ctr"/>
+            <a:endParaRPr lang="en-US"/>
+          </a:p>
+        </p:txBody>
+      </p:sp>
+      <p:sp>
+        <p:nvSpPr>
+          <p:cNvPr id="63" name="TextBox 62">
+            <a:extLst>
+              <a:ext uri="{FF2B5EF4-FFF2-40B4-BE49-F238E27FC236}">
+                <a16:creationId xmlns:a16="http://schemas.microsoft.com/office/drawing/2014/main" id="{78E7422B-BF1C-E241-BED3-9CD48A4CC66B}"/>
+              </a:ext>
+            </a:extLst>
+          </p:cNvPr>
+          <p:cNvSpPr txBox="1"/>
+          <p:nvPr/>
+        </p:nvSpPr>
+        <p:spPr>
+          <a:xfrm>
+            <a:off x="6705482" y="1597574"/>
+            <a:ext cx="1233635" cy="276999"/>
+          </a:xfrm>
+          <a:prstGeom prst="rect">
+            <a:avLst/>
+          </a:prstGeom>
+          <a:noFill/>
+        </p:spPr>
+        <p:txBody>
+          <a:bodyPr wrap="square" rtlCol="0">
+            <a:spAutoFit/>
+          </a:bodyPr>
+          <a:lstStyle/>
+          <a:p>
+            <a:r>
+              <a:rPr lang="en-US" sz="1200" b="1" dirty="0"/>
+              <a:t>Data Storage </a:t>
             </a:r>
           </a:p>
         </p:txBody>
@@ -4911,7 +7611,7 @@
     </p:spTree>
     <p:extLst>
       <p:ext uri="{BB962C8B-B14F-4D97-AF65-F5344CB8AC3E}">
-        <p14:creationId xmlns:p14="http://schemas.microsoft.com/office/powerpoint/2010/main" val="3797107244"/>
+        <p14:creationId xmlns:p14="http://schemas.microsoft.com/office/powerpoint/2010/main" val="1157388011"/>
       </p:ext>
     </p:extLst>
   </p:cSld>
@@ -4943,7 +7643,7 @@
           <p:cNvPr id="2" name="Title 1">
             <a:extLst>
               <a:ext uri="{FF2B5EF4-FFF2-40B4-BE49-F238E27FC236}">
-                <a16:creationId xmlns:a16="http://schemas.microsoft.com/office/drawing/2014/main" id="{B4187FE7-F228-984C-9004-E5F5D4B52876}"/>
+                <a16:creationId xmlns:a16="http://schemas.microsoft.com/office/drawing/2014/main" id="{CB74365C-EED7-A943-A43A-A5644CD2029E}"/>
               </a:ext>
             </a:extLst>
           </p:cNvPr>
@@ -4961,7 +7661,7 @@
           <a:p>
             <a:r>
               <a:rPr lang="en-US" dirty="0"/>
-              <a:t>Data Scrappers</a:t>
+              <a:t>Data Processing</a:t>
             </a:r>
           </a:p>
         </p:txBody>
@@ -4971,7 +7671,7 @@
           <p:cNvPr id="3" name="Content Placeholder 2">
             <a:extLst>
               <a:ext uri="{FF2B5EF4-FFF2-40B4-BE49-F238E27FC236}">
-                <a16:creationId xmlns:a16="http://schemas.microsoft.com/office/drawing/2014/main" id="{97ED134D-B766-754B-874F-FED8C25230A6}"/>
+                <a16:creationId xmlns:a16="http://schemas.microsoft.com/office/drawing/2014/main" id="{82F55A53-07C8-5941-9922-B3AB42B02E9F}"/>
               </a:ext>
             </a:extLst>
           </p:cNvPr>
@@ -4982,10 +7682,101 @@
             <p:ph idx="1"/>
           </p:nvPr>
         </p:nvSpPr>
-        <p:spPr/>
-        <p:txBody>
-          <a:bodyPr/>
-          <a:lstStyle/>
+        <p:spPr>
+          <a:xfrm>
+            <a:off x="838200" y="1801241"/>
+            <a:ext cx="10515600" cy="4351338"/>
+          </a:xfrm>
+        </p:spPr>
+        <p:txBody>
+          <a:bodyPr>
+            <a:normAutofit/>
+          </a:bodyPr>
+          <a:lstStyle/>
+          <a:p>
+            <a:r>
+              <a:rPr lang="en-US" dirty="0"/>
+              <a:t>Data Cleaning: </a:t>
+            </a:r>
+          </a:p>
+          <a:p>
+            <a:pPr lvl="1"/>
+            <a:r>
+              <a:rPr lang="en-US" dirty="0"/>
+              <a:t>Data collected contains a lot of unnecessary information. For example scrapped  web data might contains tags which are not required for processing.</a:t>
+            </a:r>
+          </a:p>
+          <a:p>
+            <a:r>
+              <a:rPr lang="en-US" dirty="0"/>
+              <a:t>Transformation</a:t>
+            </a:r>
+          </a:p>
+          <a:p>
+            <a:pPr lvl="1"/>
+            <a:r>
+              <a:rPr lang="en-US" dirty="0"/>
+              <a:t>Need. Data is not always in the form in which we want </a:t>
+            </a:r>
+            <a:r>
+              <a:rPr lang="en-US" dirty="0" err="1"/>
+              <a:t>it.It</a:t>
+            </a:r>
+            <a:r>
+              <a:rPr lang="en-US" dirty="0"/>
+              <a:t> is in the form in which it is collected and provided to us.</a:t>
+            </a:r>
+          </a:p>
+          <a:p>
+            <a:pPr lvl="1"/>
+            <a:r>
+              <a:rPr lang="en-US" dirty="0"/>
+              <a:t>Languages provide different tools for transformation. </a:t>
+            </a:r>
+            <a:r>
+              <a:rPr lang="en-US" dirty="0" err="1"/>
+              <a:t>Dataframes</a:t>
+            </a:r>
+            <a:r>
+              <a:rPr lang="en-US" dirty="0"/>
+              <a:t>, regular </a:t>
+            </a:r>
+            <a:r>
+              <a:rPr lang="en-US" dirty="0" err="1"/>
+              <a:t>expressionsData</a:t>
+            </a:r>
+            <a:r>
+              <a:rPr lang="en-US" dirty="0"/>
+              <a:t> Cleaning</a:t>
+            </a:r>
+          </a:p>
+          <a:p>
+            <a:r>
+              <a:rPr lang="en-US" dirty="0"/>
+              <a:t>Tools And Techniques: </a:t>
+            </a:r>
+          </a:p>
+          <a:p>
+            <a:pPr lvl="1"/>
+            <a:r>
+              <a:rPr lang="en-US" dirty="0"/>
+              <a:t>NLP , regular expressions and data frames</a:t>
+            </a:r>
+          </a:p>
+          <a:p>
+            <a:endParaRPr lang="en-US" dirty="0"/>
+          </a:p>
+          <a:p>
+            <a:pPr lvl="1"/>
+            <a:endParaRPr lang="en-US" dirty="0"/>
+          </a:p>
+          <a:p>
+            <a:pPr lvl="1"/>
+            <a:endParaRPr lang="en-US" dirty="0"/>
+          </a:p>
+          <a:p>
+            <a:endParaRPr lang="en-US" dirty="0"/>
+          </a:p>
           <a:p>
             <a:endParaRPr lang="en-US" dirty="0"/>
           </a:p>
@@ -4994,7 +7785,7 @@
     </p:spTree>
     <p:extLst>
       <p:ext uri="{BB962C8B-B14F-4D97-AF65-F5344CB8AC3E}">
-        <p14:creationId xmlns:p14="http://schemas.microsoft.com/office/powerpoint/2010/main" val="356340172"/>
+        <p14:creationId xmlns:p14="http://schemas.microsoft.com/office/powerpoint/2010/main" val="3346186564"/>
       </p:ext>
     </p:extLst>
   </p:cSld>
